--- a/Presentation1.pptx
+++ b/Presentation1.pptx
@@ -2,13 +2,22 @@
 <file path=ppt/presentation.xml><?xml version="1.0" encoding="utf-8"?>
 <p:presentation xmlns:a="http://schemas.openxmlformats.org/drawingml/2006/main" xmlns:r="http://schemas.openxmlformats.org/officeDocument/2006/relationships" xmlns:p="http://schemas.openxmlformats.org/presentationml/2006/main" saveSubsetFonts="1">
   <p:sldMasterIdLst>
-    <p:sldMasterId id="2147483648" r:id="rId1"/>
+    <p:sldMasterId id="2147483720" r:id="rId1"/>
   </p:sldMasterIdLst>
+  <p:notesMasterIdLst>
+    <p:notesMasterId r:id="rId9"/>
+  </p:notesMasterIdLst>
+  <p:handoutMasterIdLst>
+    <p:handoutMasterId r:id="rId10"/>
+  </p:handoutMasterIdLst>
   <p:sldIdLst>
     <p:sldId id="256" r:id="rId2"/>
     <p:sldId id="257" r:id="rId3"/>
     <p:sldId id="258" r:id="rId4"/>
-    <p:sldId id="259" r:id="rId5"/>
+    <p:sldId id="260" r:id="rId5"/>
+    <p:sldId id="259" r:id="rId6"/>
+    <p:sldId id="264" r:id="rId7"/>
+    <p:sldId id="263" r:id="rId8"/>
   </p:sldIdLst>
   <p:sldSz cx="12192000" cy="6858000"/>
   <p:notesSz cx="6858000" cy="9144000"/>
@@ -16,7 +25,7 @@
     <a:defPPr>
       <a:defRPr lang="en-US"/>
     </a:defPPr>
-    <a:lvl1pPr marL="0" algn="l" defTabSz="914400" rtl="0" eaLnBrk="1" latinLnBrk="0" hangingPunct="1">
+    <a:lvl1pPr marL="0" algn="l" defTabSz="457200" rtl="0" eaLnBrk="1" latinLnBrk="0" hangingPunct="1">
       <a:defRPr sz="1800" kern="1200">
         <a:solidFill>
           <a:schemeClr val="tx1"/>
@@ -26,7 +35,7 @@
         <a:cs typeface="+mn-cs"/>
       </a:defRPr>
     </a:lvl1pPr>
-    <a:lvl2pPr marL="457200" algn="l" defTabSz="914400" rtl="0" eaLnBrk="1" latinLnBrk="0" hangingPunct="1">
+    <a:lvl2pPr marL="457200" algn="l" defTabSz="457200" rtl="0" eaLnBrk="1" latinLnBrk="0" hangingPunct="1">
       <a:defRPr sz="1800" kern="1200">
         <a:solidFill>
           <a:schemeClr val="tx1"/>
@@ -36,7 +45,7 @@
         <a:cs typeface="+mn-cs"/>
       </a:defRPr>
     </a:lvl2pPr>
-    <a:lvl3pPr marL="914400" algn="l" defTabSz="914400" rtl="0" eaLnBrk="1" latinLnBrk="0" hangingPunct="1">
+    <a:lvl3pPr marL="914400" algn="l" defTabSz="457200" rtl="0" eaLnBrk="1" latinLnBrk="0" hangingPunct="1">
       <a:defRPr sz="1800" kern="1200">
         <a:solidFill>
           <a:schemeClr val="tx1"/>
@@ -46,7 +55,7 @@
         <a:cs typeface="+mn-cs"/>
       </a:defRPr>
     </a:lvl3pPr>
-    <a:lvl4pPr marL="1371600" algn="l" defTabSz="914400" rtl="0" eaLnBrk="1" latinLnBrk="0" hangingPunct="1">
+    <a:lvl4pPr marL="1371600" algn="l" defTabSz="457200" rtl="0" eaLnBrk="1" latinLnBrk="0" hangingPunct="1">
       <a:defRPr sz="1800" kern="1200">
         <a:solidFill>
           <a:schemeClr val="tx1"/>
@@ -56,7 +65,7 @@
         <a:cs typeface="+mn-cs"/>
       </a:defRPr>
     </a:lvl4pPr>
-    <a:lvl5pPr marL="1828800" algn="l" defTabSz="914400" rtl="0" eaLnBrk="1" latinLnBrk="0" hangingPunct="1">
+    <a:lvl5pPr marL="1828800" algn="l" defTabSz="457200" rtl="0" eaLnBrk="1" latinLnBrk="0" hangingPunct="1">
       <a:defRPr sz="1800" kern="1200">
         <a:solidFill>
           <a:schemeClr val="tx1"/>
@@ -66,7 +75,7 @@
         <a:cs typeface="+mn-cs"/>
       </a:defRPr>
     </a:lvl5pPr>
-    <a:lvl6pPr marL="2286000" algn="l" defTabSz="914400" rtl="0" eaLnBrk="1" latinLnBrk="0" hangingPunct="1">
+    <a:lvl6pPr marL="2286000" algn="l" defTabSz="457200" rtl="0" eaLnBrk="1" latinLnBrk="0" hangingPunct="1">
       <a:defRPr sz="1800" kern="1200">
         <a:solidFill>
           <a:schemeClr val="tx1"/>
@@ -76,7 +85,7 @@
         <a:cs typeface="+mn-cs"/>
       </a:defRPr>
     </a:lvl6pPr>
-    <a:lvl7pPr marL="2743200" algn="l" defTabSz="914400" rtl="0" eaLnBrk="1" latinLnBrk="0" hangingPunct="1">
+    <a:lvl7pPr marL="2743200" algn="l" defTabSz="457200" rtl="0" eaLnBrk="1" latinLnBrk="0" hangingPunct="1">
       <a:defRPr sz="1800" kern="1200">
         <a:solidFill>
           <a:schemeClr val="tx1"/>
@@ -86,7 +95,7 @@
         <a:cs typeface="+mn-cs"/>
       </a:defRPr>
     </a:lvl7pPr>
-    <a:lvl8pPr marL="3200400" algn="l" defTabSz="914400" rtl="0" eaLnBrk="1" latinLnBrk="0" hangingPunct="1">
+    <a:lvl8pPr marL="3200400" algn="l" defTabSz="457200" rtl="0" eaLnBrk="1" latinLnBrk="0" hangingPunct="1">
       <a:defRPr sz="1800" kern="1200">
         <a:solidFill>
           <a:schemeClr val="tx1"/>
@@ -96,7 +105,7 @@
         <a:cs typeface="+mn-cs"/>
       </a:defRPr>
     </a:lvl8pPr>
-    <a:lvl9pPr marL="3657600" algn="l" defTabSz="914400" rtl="0" eaLnBrk="1" latinLnBrk="0" hangingPunct="1">
+    <a:lvl9pPr marL="3657600" algn="l" defTabSz="457200" rtl="0" eaLnBrk="1" latinLnBrk="0" hangingPunct="1">
       <a:defRPr sz="1800" kern="1200">
         <a:solidFill>
           <a:schemeClr val="tx1"/>
@@ -107,6 +116,11 @@
       </a:defRPr>
     </a:lvl9pPr>
   </p:defaultTextStyle>
+  <p:extLst>
+    <p:ext uri="{EFAFB233-063F-42B5-8137-9DF3F51BA10A}">
+      <p15:sldGuideLst xmlns:p15="http://schemas.microsoft.com/office/powerpoint/2012/main"/>
+    </p:ext>
+  </p:extLst>
 </p:presentation>
 </file>
 
@@ -114,8 +128,547 @@
 <p1510:revInfo xmlns:a="http://schemas.openxmlformats.org/drawingml/2006/main" xmlns:r="http://schemas.openxmlformats.org/officeDocument/2006/relationships" xmlns:p1510="http://schemas.microsoft.com/office/powerpoint/2015/10/main"/>
 </file>
 
+<file path=ppt/handoutMasters/handoutMaster1.xml><?xml version="1.0" encoding="utf-8"?>
+<p:handoutMaster xmlns:a="http://schemas.openxmlformats.org/drawingml/2006/main" xmlns:r="http://schemas.openxmlformats.org/officeDocument/2006/relationships" xmlns:p="http://schemas.openxmlformats.org/presentationml/2006/main">
+  <p:cSld>
+    <p:bg>
+      <p:bgRef idx="1001">
+        <a:schemeClr val="bg1"/>
+      </p:bgRef>
+    </p:bg>
+    <p:spTree>
+      <p:nvGrpSpPr>
+        <p:cNvPr id="1" name=""/>
+        <p:cNvGrpSpPr/>
+        <p:nvPr/>
+      </p:nvGrpSpPr>
+      <p:grpSpPr>
+        <a:xfrm>
+          <a:off x="0" y="0"/>
+          <a:ext cx="0" cy="0"/>
+          <a:chOff x="0" y="0"/>
+          <a:chExt cx="0" cy="0"/>
+        </a:xfrm>
+      </p:grpSpPr>
+      <p:sp>
+        <p:nvSpPr>
+          <p:cNvPr id="2" name="Header Placeholder 1">
+            <a:extLst>
+              <a:ext uri="{FF2B5EF4-FFF2-40B4-BE49-F238E27FC236}">
+                <a16:creationId xmlns:a16="http://schemas.microsoft.com/office/drawing/2014/main" id="{5DCE3299-BD85-4043-B7FE-74DF3BA199DB}"/>
+              </a:ext>
+            </a:extLst>
+          </p:cNvPr>
+          <p:cNvSpPr>
+            <a:spLocks noGrp="1"/>
+          </p:cNvSpPr>
+          <p:nvPr>
+            <p:ph type="hdr" sz="quarter"/>
+          </p:nvPr>
+        </p:nvSpPr>
+        <p:spPr>
+          <a:xfrm>
+            <a:off x="0" y="0"/>
+            <a:ext cx="2971800" cy="458788"/>
+          </a:xfrm>
+          <a:prstGeom prst="rect">
+            <a:avLst/>
+          </a:prstGeom>
+        </p:spPr>
+        <p:txBody>
+          <a:bodyPr vert="horz" lIns="91440" tIns="45720" rIns="91440" bIns="45720" rtlCol="0"/>
+          <a:lstStyle>
+            <a:lvl1pPr algn="l">
+              <a:defRPr sz="1200"/>
+            </a:lvl1pPr>
+          </a:lstStyle>
+          <a:p>
+            <a:endParaRPr lang="en-GB"/>
+          </a:p>
+        </p:txBody>
+      </p:sp>
+      <p:sp>
+        <p:nvSpPr>
+          <p:cNvPr id="3" name="Date Placeholder 2">
+            <a:extLst>
+              <a:ext uri="{FF2B5EF4-FFF2-40B4-BE49-F238E27FC236}">
+                <a16:creationId xmlns:a16="http://schemas.microsoft.com/office/drawing/2014/main" id="{610E86E5-F4D4-46F3-8A0A-AE218C082BC9}"/>
+              </a:ext>
+            </a:extLst>
+          </p:cNvPr>
+          <p:cNvSpPr>
+            <a:spLocks noGrp="1"/>
+          </p:cNvSpPr>
+          <p:nvPr>
+            <p:ph type="dt" sz="quarter" idx="1"/>
+          </p:nvPr>
+        </p:nvSpPr>
+        <p:spPr>
+          <a:xfrm>
+            <a:off x="3884613" y="0"/>
+            <a:ext cx="2971800" cy="458788"/>
+          </a:xfrm>
+          <a:prstGeom prst="rect">
+            <a:avLst/>
+          </a:prstGeom>
+        </p:spPr>
+        <p:txBody>
+          <a:bodyPr vert="horz" lIns="91440" tIns="45720" rIns="91440" bIns="45720" rtlCol="0"/>
+          <a:lstStyle>
+            <a:lvl1pPr algn="r">
+              <a:defRPr sz="1200"/>
+            </a:lvl1pPr>
+          </a:lstStyle>
+          <a:p>
+            <a:fld id="{A6952B95-06EE-48F9-8CE6-BD72AE48B352}" type="datetimeFigureOut">
+              <a:rPr lang="en-GB" smtClean="0"/>
+              <a:t>19/10/2017</a:t>
+            </a:fld>
+            <a:endParaRPr lang="en-GB"/>
+          </a:p>
+        </p:txBody>
+      </p:sp>
+      <p:sp>
+        <p:nvSpPr>
+          <p:cNvPr id="4" name="Footer Placeholder 3">
+            <a:extLst>
+              <a:ext uri="{FF2B5EF4-FFF2-40B4-BE49-F238E27FC236}">
+                <a16:creationId xmlns:a16="http://schemas.microsoft.com/office/drawing/2014/main" id="{1A2E9D3B-CD4B-4D44-8FAA-A4D69584EFA0}"/>
+              </a:ext>
+            </a:extLst>
+          </p:cNvPr>
+          <p:cNvSpPr>
+            <a:spLocks noGrp="1"/>
+          </p:cNvSpPr>
+          <p:nvPr>
+            <p:ph type="ftr" sz="quarter" idx="2"/>
+          </p:nvPr>
+        </p:nvSpPr>
+        <p:spPr>
+          <a:xfrm>
+            <a:off x="0" y="8685213"/>
+            <a:ext cx="2971800" cy="458787"/>
+          </a:xfrm>
+          <a:prstGeom prst="rect">
+            <a:avLst/>
+          </a:prstGeom>
+        </p:spPr>
+        <p:txBody>
+          <a:bodyPr vert="horz" lIns="91440" tIns="45720" rIns="91440" bIns="45720" rtlCol="0" anchor="b"/>
+          <a:lstStyle>
+            <a:lvl1pPr algn="l">
+              <a:defRPr sz="1200"/>
+            </a:lvl1pPr>
+          </a:lstStyle>
+          <a:p>
+            <a:endParaRPr lang="en-GB"/>
+          </a:p>
+        </p:txBody>
+      </p:sp>
+      <p:sp>
+        <p:nvSpPr>
+          <p:cNvPr id="5" name="Slide Number Placeholder 4">
+            <a:extLst>
+              <a:ext uri="{FF2B5EF4-FFF2-40B4-BE49-F238E27FC236}">
+                <a16:creationId xmlns:a16="http://schemas.microsoft.com/office/drawing/2014/main" id="{374B4354-1FF3-456D-B9A4-2A30AF222922}"/>
+              </a:ext>
+            </a:extLst>
+          </p:cNvPr>
+          <p:cNvSpPr>
+            <a:spLocks noGrp="1"/>
+          </p:cNvSpPr>
+          <p:nvPr>
+            <p:ph type="sldNum" sz="quarter" idx="3"/>
+          </p:nvPr>
+        </p:nvSpPr>
+        <p:spPr>
+          <a:xfrm>
+            <a:off x="3884613" y="8685213"/>
+            <a:ext cx="2971800" cy="458787"/>
+          </a:xfrm>
+          <a:prstGeom prst="rect">
+            <a:avLst/>
+          </a:prstGeom>
+        </p:spPr>
+        <p:txBody>
+          <a:bodyPr vert="horz" lIns="91440" tIns="45720" rIns="91440" bIns="45720" rtlCol="0" anchor="b"/>
+          <a:lstStyle>
+            <a:lvl1pPr algn="r">
+              <a:defRPr sz="1200"/>
+            </a:lvl1pPr>
+          </a:lstStyle>
+          <a:p>
+            <a:fld id="{2D595F85-DBC3-43AC-BEF6-3D5E6A074FFD}" type="slidenum">
+              <a:rPr lang="en-GB" smtClean="0"/>
+              <a:t>‹#›</a:t>
+            </a:fld>
+            <a:endParaRPr lang="en-GB"/>
+          </a:p>
+        </p:txBody>
+      </p:sp>
+    </p:spTree>
+    <p:extLst>
+      <p:ext uri="{BB962C8B-B14F-4D97-AF65-F5344CB8AC3E}">
+        <p14:creationId xmlns:p14="http://schemas.microsoft.com/office/powerpoint/2010/main" val="2046139153"/>
+      </p:ext>
+    </p:extLst>
+  </p:cSld>
+  <p:clrMap bg1="lt1" tx1="dk1" bg2="lt2" tx2="dk2" accent1="accent1" accent2="accent2" accent3="accent3" accent4="accent4" accent5="accent5" accent6="accent6" hlink="hlink" folHlink="folHlink"/>
+</p:handoutMaster>
+</file>
+
+<file path=ppt/notesMasters/notesMaster1.xml><?xml version="1.0" encoding="utf-8"?>
+<p:notesMaster xmlns:a="http://schemas.openxmlformats.org/drawingml/2006/main" xmlns:r="http://schemas.openxmlformats.org/officeDocument/2006/relationships" xmlns:p="http://schemas.openxmlformats.org/presentationml/2006/main">
+  <p:cSld>
+    <p:bg>
+      <p:bgRef idx="1001">
+        <a:schemeClr val="bg1"/>
+      </p:bgRef>
+    </p:bg>
+    <p:spTree>
+      <p:nvGrpSpPr>
+        <p:cNvPr id="1" name=""/>
+        <p:cNvGrpSpPr/>
+        <p:nvPr/>
+      </p:nvGrpSpPr>
+      <p:grpSpPr>
+        <a:xfrm>
+          <a:off x="0" y="0"/>
+          <a:ext cx="0" cy="0"/>
+          <a:chOff x="0" y="0"/>
+          <a:chExt cx="0" cy="0"/>
+        </a:xfrm>
+      </p:grpSpPr>
+      <p:sp>
+        <p:nvSpPr>
+          <p:cNvPr id="2" name="Header Placeholder 1"/>
+          <p:cNvSpPr>
+            <a:spLocks noGrp="1"/>
+          </p:cNvSpPr>
+          <p:nvPr>
+            <p:ph type="hdr" sz="quarter"/>
+          </p:nvPr>
+        </p:nvSpPr>
+        <p:spPr>
+          <a:xfrm>
+            <a:off x="0" y="0"/>
+            <a:ext cx="2971800" cy="458788"/>
+          </a:xfrm>
+          <a:prstGeom prst="rect">
+            <a:avLst/>
+          </a:prstGeom>
+        </p:spPr>
+        <p:txBody>
+          <a:bodyPr vert="horz" lIns="91440" tIns="45720" rIns="91440" bIns="45720" rtlCol="0"/>
+          <a:lstStyle>
+            <a:lvl1pPr algn="l">
+              <a:defRPr sz="1200"/>
+            </a:lvl1pPr>
+          </a:lstStyle>
+          <a:p>
+            <a:endParaRPr lang="en-GB"/>
+          </a:p>
+        </p:txBody>
+      </p:sp>
+      <p:sp>
+        <p:nvSpPr>
+          <p:cNvPr id="3" name="Date Placeholder 2"/>
+          <p:cNvSpPr>
+            <a:spLocks noGrp="1"/>
+          </p:cNvSpPr>
+          <p:nvPr>
+            <p:ph type="dt" idx="1"/>
+          </p:nvPr>
+        </p:nvSpPr>
+        <p:spPr>
+          <a:xfrm>
+            <a:off x="3884613" y="0"/>
+            <a:ext cx="2971800" cy="458788"/>
+          </a:xfrm>
+          <a:prstGeom prst="rect">
+            <a:avLst/>
+          </a:prstGeom>
+        </p:spPr>
+        <p:txBody>
+          <a:bodyPr vert="horz" lIns="91440" tIns="45720" rIns="91440" bIns="45720" rtlCol="0"/>
+          <a:lstStyle>
+            <a:lvl1pPr algn="r">
+              <a:defRPr sz="1200"/>
+            </a:lvl1pPr>
+          </a:lstStyle>
+          <a:p>
+            <a:fld id="{5D71F2A7-5F20-42E8-AABF-EC7FFDF3CF26}" type="datetimeFigureOut">
+              <a:rPr lang="en-GB" smtClean="0"/>
+              <a:t>19/10/2017</a:t>
+            </a:fld>
+            <a:endParaRPr lang="en-GB"/>
+          </a:p>
+        </p:txBody>
+      </p:sp>
+      <p:sp>
+        <p:nvSpPr>
+          <p:cNvPr id="4" name="Slide Image Placeholder 3"/>
+          <p:cNvSpPr>
+            <a:spLocks noGrp="1" noRot="1" noChangeAspect="1"/>
+          </p:cNvSpPr>
+          <p:nvPr>
+            <p:ph type="sldImg" idx="2"/>
+          </p:nvPr>
+        </p:nvSpPr>
+        <p:spPr>
+          <a:xfrm>
+            <a:off x="685800" y="1143000"/>
+            <a:ext cx="5486400" cy="3086100"/>
+          </a:xfrm>
+          <a:prstGeom prst="rect">
+            <a:avLst/>
+          </a:prstGeom>
+          <a:noFill/>
+          <a:ln w="12700">
+            <a:solidFill>
+              <a:prstClr val="black"/>
+            </a:solidFill>
+          </a:ln>
+        </p:spPr>
+        <p:txBody>
+          <a:bodyPr vert="horz" lIns="91440" tIns="45720" rIns="91440" bIns="45720" rtlCol="0" anchor="ctr"/>
+          <a:lstStyle/>
+          <a:p>
+            <a:endParaRPr lang="en-GB"/>
+          </a:p>
+        </p:txBody>
+      </p:sp>
+      <p:sp>
+        <p:nvSpPr>
+          <p:cNvPr id="5" name="Notes Placeholder 4"/>
+          <p:cNvSpPr>
+            <a:spLocks noGrp="1"/>
+          </p:cNvSpPr>
+          <p:nvPr>
+            <p:ph type="body" sz="quarter" idx="3"/>
+          </p:nvPr>
+        </p:nvSpPr>
+        <p:spPr>
+          <a:xfrm>
+            <a:off x="685800" y="4400550"/>
+            <a:ext cx="5486400" cy="3600450"/>
+          </a:xfrm>
+          <a:prstGeom prst="rect">
+            <a:avLst/>
+          </a:prstGeom>
+        </p:spPr>
+        <p:txBody>
+          <a:bodyPr vert="horz" lIns="91440" tIns="45720" rIns="91440" bIns="45720" rtlCol="0"/>
+          <a:lstStyle/>
+          <a:p>
+            <a:pPr lvl="0"/>
+            <a:r>
+              <a:rPr lang="en-US"/>
+              <a:t>Edit Master text styles</a:t>
+            </a:r>
+          </a:p>
+          <a:p>
+            <a:pPr lvl="1"/>
+            <a:r>
+              <a:rPr lang="en-US"/>
+              <a:t>Second level</a:t>
+            </a:r>
+          </a:p>
+          <a:p>
+            <a:pPr lvl="2"/>
+            <a:r>
+              <a:rPr lang="en-US"/>
+              <a:t>Third level</a:t>
+            </a:r>
+          </a:p>
+          <a:p>
+            <a:pPr lvl="3"/>
+            <a:r>
+              <a:rPr lang="en-US"/>
+              <a:t>Fourth level</a:t>
+            </a:r>
+          </a:p>
+          <a:p>
+            <a:pPr lvl="4"/>
+            <a:r>
+              <a:rPr lang="en-US"/>
+              <a:t>Fifth level</a:t>
+            </a:r>
+            <a:endParaRPr lang="en-GB"/>
+          </a:p>
+        </p:txBody>
+      </p:sp>
+      <p:sp>
+        <p:nvSpPr>
+          <p:cNvPr id="6" name="Footer Placeholder 5"/>
+          <p:cNvSpPr>
+            <a:spLocks noGrp="1"/>
+          </p:cNvSpPr>
+          <p:nvPr>
+            <p:ph type="ftr" sz="quarter" idx="4"/>
+          </p:nvPr>
+        </p:nvSpPr>
+        <p:spPr>
+          <a:xfrm>
+            <a:off x="0" y="8685213"/>
+            <a:ext cx="2971800" cy="458787"/>
+          </a:xfrm>
+          <a:prstGeom prst="rect">
+            <a:avLst/>
+          </a:prstGeom>
+        </p:spPr>
+        <p:txBody>
+          <a:bodyPr vert="horz" lIns="91440" tIns="45720" rIns="91440" bIns="45720" rtlCol="0" anchor="b"/>
+          <a:lstStyle>
+            <a:lvl1pPr algn="l">
+              <a:defRPr sz="1200"/>
+            </a:lvl1pPr>
+          </a:lstStyle>
+          <a:p>
+            <a:endParaRPr lang="en-GB"/>
+          </a:p>
+        </p:txBody>
+      </p:sp>
+      <p:sp>
+        <p:nvSpPr>
+          <p:cNvPr id="7" name="Slide Number Placeholder 6"/>
+          <p:cNvSpPr>
+            <a:spLocks noGrp="1"/>
+          </p:cNvSpPr>
+          <p:nvPr>
+            <p:ph type="sldNum" sz="quarter" idx="5"/>
+          </p:nvPr>
+        </p:nvSpPr>
+        <p:spPr>
+          <a:xfrm>
+            <a:off x="3884613" y="8685213"/>
+            <a:ext cx="2971800" cy="458787"/>
+          </a:xfrm>
+          <a:prstGeom prst="rect">
+            <a:avLst/>
+          </a:prstGeom>
+        </p:spPr>
+        <p:txBody>
+          <a:bodyPr vert="horz" lIns="91440" tIns="45720" rIns="91440" bIns="45720" rtlCol="0" anchor="b"/>
+          <a:lstStyle>
+            <a:lvl1pPr algn="r">
+              <a:defRPr sz="1200"/>
+            </a:lvl1pPr>
+          </a:lstStyle>
+          <a:p>
+            <a:fld id="{B6A67A5D-8FF7-4F25-9424-6D495AE6329A}" type="slidenum">
+              <a:rPr lang="en-GB" smtClean="0"/>
+              <a:t>‹#›</a:t>
+            </a:fld>
+            <a:endParaRPr lang="en-GB"/>
+          </a:p>
+        </p:txBody>
+      </p:sp>
+    </p:spTree>
+    <p:extLst>
+      <p:ext uri="{BB962C8B-B14F-4D97-AF65-F5344CB8AC3E}">
+        <p14:creationId xmlns:p14="http://schemas.microsoft.com/office/powerpoint/2010/main" val="3540810139"/>
+      </p:ext>
+    </p:extLst>
+  </p:cSld>
+  <p:clrMap bg1="lt1" tx1="dk1" bg2="lt2" tx2="dk2" accent1="accent1" accent2="accent2" accent3="accent3" accent4="accent4" accent5="accent5" accent6="accent6" hlink="hlink" folHlink="folHlink"/>
+  <p:notesStyle>
+    <a:lvl1pPr marL="0" algn="l" defTabSz="914400" rtl="0" eaLnBrk="1" latinLnBrk="0" hangingPunct="1">
+      <a:defRPr sz="1200" kern="1200">
+        <a:solidFill>
+          <a:schemeClr val="tx1"/>
+        </a:solidFill>
+        <a:latin typeface="+mn-lt"/>
+        <a:ea typeface="+mn-ea"/>
+        <a:cs typeface="+mn-cs"/>
+      </a:defRPr>
+    </a:lvl1pPr>
+    <a:lvl2pPr marL="457200" algn="l" defTabSz="914400" rtl="0" eaLnBrk="1" latinLnBrk="0" hangingPunct="1">
+      <a:defRPr sz="1200" kern="1200">
+        <a:solidFill>
+          <a:schemeClr val="tx1"/>
+        </a:solidFill>
+        <a:latin typeface="+mn-lt"/>
+        <a:ea typeface="+mn-ea"/>
+        <a:cs typeface="+mn-cs"/>
+      </a:defRPr>
+    </a:lvl2pPr>
+    <a:lvl3pPr marL="914400" algn="l" defTabSz="914400" rtl="0" eaLnBrk="1" latinLnBrk="0" hangingPunct="1">
+      <a:defRPr sz="1200" kern="1200">
+        <a:solidFill>
+          <a:schemeClr val="tx1"/>
+        </a:solidFill>
+        <a:latin typeface="+mn-lt"/>
+        <a:ea typeface="+mn-ea"/>
+        <a:cs typeface="+mn-cs"/>
+      </a:defRPr>
+    </a:lvl3pPr>
+    <a:lvl4pPr marL="1371600" algn="l" defTabSz="914400" rtl="0" eaLnBrk="1" latinLnBrk="0" hangingPunct="1">
+      <a:defRPr sz="1200" kern="1200">
+        <a:solidFill>
+          <a:schemeClr val="tx1"/>
+        </a:solidFill>
+        <a:latin typeface="+mn-lt"/>
+        <a:ea typeface="+mn-ea"/>
+        <a:cs typeface="+mn-cs"/>
+      </a:defRPr>
+    </a:lvl4pPr>
+    <a:lvl5pPr marL="1828800" algn="l" defTabSz="914400" rtl="0" eaLnBrk="1" latinLnBrk="0" hangingPunct="1">
+      <a:defRPr sz="1200" kern="1200">
+        <a:solidFill>
+          <a:schemeClr val="tx1"/>
+        </a:solidFill>
+        <a:latin typeface="+mn-lt"/>
+        <a:ea typeface="+mn-ea"/>
+        <a:cs typeface="+mn-cs"/>
+      </a:defRPr>
+    </a:lvl5pPr>
+    <a:lvl6pPr marL="2286000" algn="l" defTabSz="914400" rtl="0" eaLnBrk="1" latinLnBrk="0" hangingPunct="1">
+      <a:defRPr sz="1200" kern="1200">
+        <a:solidFill>
+          <a:schemeClr val="tx1"/>
+        </a:solidFill>
+        <a:latin typeface="+mn-lt"/>
+        <a:ea typeface="+mn-ea"/>
+        <a:cs typeface="+mn-cs"/>
+      </a:defRPr>
+    </a:lvl6pPr>
+    <a:lvl7pPr marL="2743200" algn="l" defTabSz="914400" rtl="0" eaLnBrk="1" latinLnBrk="0" hangingPunct="1">
+      <a:defRPr sz="1200" kern="1200">
+        <a:solidFill>
+          <a:schemeClr val="tx1"/>
+        </a:solidFill>
+        <a:latin typeface="+mn-lt"/>
+        <a:ea typeface="+mn-ea"/>
+        <a:cs typeface="+mn-cs"/>
+      </a:defRPr>
+    </a:lvl7pPr>
+    <a:lvl8pPr marL="3200400" algn="l" defTabSz="914400" rtl="0" eaLnBrk="1" latinLnBrk="0" hangingPunct="1">
+      <a:defRPr sz="1200" kern="1200">
+        <a:solidFill>
+          <a:schemeClr val="tx1"/>
+        </a:solidFill>
+        <a:latin typeface="+mn-lt"/>
+        <a:ea typeface="+mn-ea"/>
+        <a:cs typeface="+mn-cs"/>
+      </a:defRPr>
+    </a:lvl8pPr>
+    <a:lvl9pPr marL="3657600" algn="l" defTabSz="914400" rtl="0" eaLnBrk="1" latinLnBrk="0" hangingPunct="1">
+      <a:defRPr sz="1200" kern="1200">
+        <a:solidFill>
+          <a:schemeClr val="tx1"/>
+        </a:solidFill>
+        <a:latin typeface="+mn-lt"/>
+        <a:ea typeface="+mn-ea"/>
+        <a:cs typeface="+mn-cs"/>
+      </a:defRPr>
+    </a:lvl9pPr>
+  </p:notesStyle>
+</p:notesMaster>
+</file>
+
 <file path=ppt/slideLayouts/slideLayout1.xml><?xml version="1.0" encoding="utf-8"?>
-<p:sldLayout xmlns:a="http://schemas.openxmlformats.org/drawingml/2006/main" xmlns:r="http://schemas.openxmlformats.org/officeDocument/2006/relationships" xmlns:p="http://schemas.openxmlformats.org/presentationml/2006/main" type="title" preserve="1">
+<p:sldLayout xmlns:a="http://schemas.openxmlformats.org/drawingml/2006/main" xmlns:r="http://schemas.openxmlformats.org/officeDocument/2006/relationships" xmlns:p="http://schemas.openxmlformats.org/presentationml/2006/main" showMasterSp="0" type="title" preserve="1">
   <p:cSld name="Title Slide">
     <p:spTree>
       <p:nvGrpSpPr>
@@ -133,31 +686,113 @@
       </p:grpSpPr>
       <p:sp>
         <p:nvSpPr>
-          <p:cNvPr id="2" name="Title 1">
-            <a:extLst>
-              <a:ext uri="{FF2B5EF4-FFF2-40B4-BE49-F238E27FC236}">
-                <a16:creationId xmlns:a16="http://schemas.microsoft.com/office/drawing/2014/main" id="{97DDB675-574A-4EBD-89A2-71BE3B23DF76}"/>
-              </a:ext>
-            </a:extLst>
-          </p:cNvPr>
-          <p:cNvSpPr>
-            <a:spLocks noGrp="1"/>
-          </p:cNvSpPr>
-          <p:nvPr>
-            <p:ph type="ctrTitle"/>
-          </p:nvPr>
+          <p:cNvPr id="7" name="Rectangle 6"/>
+          <p:cNvSpPr/>
+          <p:nvPr/>
         </p:nvSpPr>
         <p:spPr>
           <a:xfrm>
-            <a:off x="1524000" y="1122363"/>
-            <a:ext cx="9144000" cy="2387600"/>
+            <a:off x="3175" y="6400800"/>
+            <a:ext cx="12188825" cy="457200"/>
+          </a:xfrm>
+          <a:prstGeom prst="rect">
+            <a:avLst/>
+          </a:prstGeom>
+          <a:solidFill>
+            <a:schemeClr val="accent2"/>
+          </a:solidFill>
+          <a:ln>
+            <a:noFill/>
+          </a:ln>
+        </p:spPr>
+        <p:style>
+          <a:lnRef idx="2">
+            <a:schemeClr val="accent1">
+              <a:shade val="50000"/>
+            </a:schemeClr>
+          </a:lnRef>
+          <a:fillRef idx="1">
+            <a:schemeClr val="accent1"/>
+          </a:fillRef>
+          <a:effectRef idx="0">
+            <a:schemeClr val="accent1"/>
+          </a:effectRef>
+          <a:fontRef idx="minor">
+            <a:schemeClr val="lt1"/>
+          </a:fontRef>
+        </p:style>
+      </p:sp>
+      <p:sp>
+        <p:nvSpPr>
+          <p:cNvPr id="8" name="Rectangle 7"/>
+          <p:cNvSpPr/>
+          <p:nvPr/>
+        </p:nvSpPr>
+        <p:spPr>
+          <a:xfrm>
+            <a:off x="15" y="6334316"/>
+            <a:ext cx="12188825" cy="64008"/>
+          </a:xfrm>
+          <a:prstGeom prst="rect">
+            <a:avLst/>
+          </a:prstGeom>
+          <a:solidFill>
+            <a:schemeClr val="accent1"/>
+          </a:solidFill>
+          <a:ln>
+            <a:noFill/>
+          </a:ln>
+        </p:spPr>
+        <p:style>
+          <a:lnRef idx="2">
+            <a:schemeClr val="accent1">
+              <a:shade val="50000"/>
+            </a:schemeClr>
+          </a:lnRef>
+          <a:fillRef idx="1">
+            <a:schemeClr val="accent1"/>
+          </a:fillRef>
+          <a:effectRef idx="0">
+            <a:schemeClr val="accent1"/>
+          </a:effectRef>
+          <a:fontRef idx="minor">
+            <a:schemeClr val="lt1"/>
+          </a:fontRef>
+        </p:style>
+      </p:sp>
+      <p:sp>
+        <p:nvSpPr>
+          <p:cNvPr id="2" name="Title 1"/>
+          <p:cNvSpPr>
+            <a:spLocks noGrp="1"/>
+          </p:cNvSpPr>
+          <p:nvPr>
+            <p:ph type="ctrTitle"/>
+          </p:nvPr>
+        </p:nvSpPr>
+        <p:spPr>
+          <a:xfrm>
+            <a:off x="1097280" y="758952"/>
+            <a:ext cx="10058400" cy="3566160"/>
           </a:xfrm>
         </p:spPr>
         <p:txBody>
-          <a:bodyPr anchor="b"/>
+          <a:bodyPr anchor="b">
+            <a:normAutofit/>
+          </a:bodyPr>
           <a:lstStyle>
-            <a:lvl1pPr algn="ctr">
-              <a:defRPr sz="6000"/>
+            <a:lvl1pPr algn="l">
+              <a:lnSpc>
+                <a:spcPct val="85000"/>
+              </a:lnSpc>
+              <a:defRPr sz="8000" spc="-50" baseline="0">
+                <a:solidFill>
+                  <a:schemeClr val="tx1">
+                    <a:lumMod val="85000"/>
+                    <a:lumOff val="15000"/>
+                  </a:schemeClr>
+                </a:solidFill>
+              </a:defRPr>
             </a:lvl1pPr>
           </a:lstStyle>
           <a:p>
@@ -165,19 +800,13 @@
               <a:rPr lang="en-US"/>
               <a:t>Click to edit Master title style</a:t>
             </a:r>
-            <a:endParaRPr lang="en-GB"/>
-          </a:p>
-        </p:txBody>
-      </p:sp>
-      <p:sp>
-        <p:nvSpPr>
-          <p:cNvPr id="3" name="Subtitle 2">
-            <a:extLst>
-              <a:ext uri="{FF2B5EF4-FFF2-40B4-BE49-F238E27FC236}">
-                <a16:creationId xmlns:a16="http://schemas.microsoft.com/office/drawing/2014/main" id="{AE697094-6123-46C7-BDCC-96BB04916543}"/>
-              </a:ext>
-            </a:extLst>
-          </p:cNvPr>
+            <a:endParaRPr lang="en-US" dirty="0"/>
+          </a:p>
+        </p:txBody>
+      </p:sp>
+      <p:sp>
+        <p:nvSpPr>
+          <p:cNvPr id="3" name="Subtitle 2"/>
           <p:cNvSpPr>
             <a:spLocks noGrp="1"/>
           </p:cNvSpPr>
@@ -187,73 +816,96 @@
         </p:nvSpPr>
         <p:spPr>
           <a:xfrm>
-            <a:off x="1524000" y="3602038"/>
-            <a:ext cx="9144000" cy="1655762"/>
+            <a:off x="1100051" y="4520936"/>
+            <a:ext cx="10058400" cy="1143000"/>
           </a:xfrm>
         </p:spPr>
         <p:txBody>
-          <a:bodyPr/>
+          <a:bodyPr lIns="91440" rIns="91440">
+            <a:normAutofit/>
+          </a:bodyPr>
           <a:lstStyle>
-            <a:lvl1pPr marL="0" indent="0" algn="ctr">
-              <a:buNone/>
-              <a:defRPr sz="2400"/>
+            <a:lvl1pPr marL="0" indent="0" algn="l">
+              <a:buNone/>
+              <a:defRPr sz="2500" cap="all" spc="200" baseline="0">
+                <a:solidFill>
+                  <a:schemeClr val="tx2"/>
+                </a:solidFill>
+                <a:latin typeface="+mj-lt"/>
+              </a:defRPr>
             </a:lvl1pPr>
             <a:lvl2pPr marL="457200" indent="0" algn="ctr">
               <a:buNone/>
-              <a:defRPr sz="2000"/>
+              <a:defRPr sz="2400"/>
             </a:lvl2pPr>
             <a:lvl3pPr marL="914400" indent="0" algn="ctr">
               <a:buNone/>
-              <a:defRPr sz="1800"/>
+              <a:defRPr sz="2400"/>
             </a:lvl3pPr>
             <a:lvl4pPr marL="1371600" indent="0" algn="ctr">
               <a:buNone/>
-              <a:defRPr sz="1600"/>
+              <a:defRPr sz="2000"/>
             </a:lvl4pPr>
             <a:lvl5pPr marL="1828800" indent="0" algn="ctr">
               <a:buNone/>
-              <a:defRPr sz="1600"/>
+              <a:defRPr sz="2000"/>
             </a:lvl5pPr>
             <a:lvl6pPr marL="2286000" indent="0" algn="ctr">
               <a:buNone/>
-              <a:defRPr sz="1600"/>
+              <a:defRPr sz="2000"/>
             </a:lvl6pPr>
             <a:lvl7pPr marL="2743200" indent="0" algn="ctr">
               <a:buNone/>
-              <a:defRPr sz="1600"/>
+              <a:defRPr sz="2000"/>
             </a:lvl7pPr>
             <a:lvl8pPr marL="3200400" indent="0" algn="ctr">
               <a:buNone/>
-              <a:defRPr sz="1600"/>
+              <a:defRPr sz="2000"/>
             </a:lvl8pPr>
             <a:lvl9pPr marL="3657600" indent="0" algn="ctr">
               <a:buNone/>
-              <a:defRPr sz="1600"/>
+              <a:defRPr sz="2000"/>
             </a:lvl9pPr>
           </a:lstStyle>
           <a:p>
             <a:r>
-              <a:rPr lang="en-US"/>
+              <a:rPr lang="en-US" dirty="0"/>
               <a:t>Click to edit Master subtitle style</a:t>
             </a:r>
+          </a:p>
+        </p:txBody>
+      </p:sp>
+      <p:sp>
+        <p:nvSpPr>
+          <p:cNvPr id="4" name="Date Placeholder 3"/>
+          <p:cNvSpPr>
+            <a:spLocks noGrp="1"/>
+          </p:cNvSpPr>
+          <p:nvPr>
+            <p:ph type="dt" sz="half" idx="10"/>
+          </p:nvPr>
+        </p:nvSpPr>
+        <p:spPr/>
+        <p:txBody>
+          <a:bodyPr/>
+          <a:lstStyle/>
+          <a:p>
+            <a:r>
+              <a:rPr lang="en-US"/>
+              <a:t>A.Y. 2017/18</a:t>
+            </a:r>
             <a:endParaRPr lang="en-GB"/>
           </a:p>
         </p:txBody>
       </p:sp>
       <p:sp>
         <p:nvSpPr>
-          <p:cNvPr id="4" name="Date Placeholder 3">
-            <a:extLst>
-              <a:ext uri="{FF2B5EF4-FFF2-40B4-BE49-F238E27FC236}">
-                <a16:creationId xmlns:a16="http://schemas.microsoft.com/office/drawing/2014/main" id="{B429BE2C-474D-46DD-8E52-A1CE001D6842}"/>
-              </a:ext>
-            </a:extLst>
-          </p:cNvPr>
-          <p:cNvSpPr>
-            <a:spLocks noGrp="1"/>
-          </p:cNvSpPr>
-          <p:nvPr>
-            <p:ph type="dt" sz="half" idx="10"/>
+          <p:cNvPr id="5" name="Footer Placeholder 4"/>
+          <p:cNvSpPr>
+            <a:spLocks noGrp="1"/>
+          </p:cNvSpPr>
+          <p:nvPr>
+            <p:ph type="ftr" sz="quarter" idx="11"/>
           </p:nvPr>
         </p:nvSpPr>
         <p:spPr/>
@@ -261,48 +913,16 @@
           <a:bodyPr/>
           <a:lstStyle/>
           <a:p>
-            <a:fld id="{B7F08270-7370-41CB-990F-74387E732ADF}" type="datetimeFigureOut">
-              <a:rPr lang="en-GB" smtClean="0"/>
-              <a:t>18/10/2017</a:t>
-            </a:fld>
-            <a:endParaRPr lang="en-GB"/>
-          </a:p>
-        </p:txBody>
-      </p:sp>
-      <p:sp>
-        <p:nvSpPr>
-          <p:cNvPr id="5" name="Footer Placeholder 4">
-            <a:extLst>
-              <a:ext uri="{FF2B5EF4-FFF2-40B4-BE49-F238E27FC236}">
-                <a16:creationId xmlns:a16="http://schemas.microsoft.com/office/drawing/2014/main" id="{02FA41F7-FC87-4EF1-AE48-9AF8C843E9A7}"/>
-              </a:ext>
-            </a:extLst>
-          </p:cNvPr>
-          <p:cNvSpPr>
-            <a:spLocks noGrp="1"/>
-          </p:cNvSpPr>
-          <p:nvPr>
-            <p:ph type="ftr" sz="quarter" idx="11"/>
-          </p:nvPr>
-        </p:nvSpPr>
-        <p:spPr/>
-        <p:txBody>
-          <a:bodyPr/>
-          <a:lstStyle/>
-          <a:p>
-            <a:endParaRPr lang="en-GB"/>
-          </a:p>
-        </p:txBody>
-      </p:sp>
-      <p:sp>
-        <p:nvSpPr>
-          <p:cNvPr id="6" name="Slide Number Placeholder 5">
-            <a:extLst>
-              <a:ext uri="{FF2B5EF4-FFF2-40B4-BE49-F238E27FC236}">
-                <a16:creationId xmlns:a16="http://schemas.microsoft.com/office/drawing/2014/main" id="{DE694B59-A180-4D51-9887-EA8311066FF9}"/>
-              </a:ext>
-            </a:extLst>
-          </p:cNvPr>
+            <a:r>
+              <a:rPr lang="en-GB"/>
+              <a:t>IMS – A6</a:t>
+            </a:r>
+          </a:p>
+        </p:txBody>
+      </p:sp>
+      <p:sp>
+        <p:nvSpPr>
+          <p:cNvPr id="6" name="Slide Number Placeholder 5"/>
           <p:cNvSpPr>
             <a:spLocks noGrp="1"/>
           </p:cNvSpPr>
@@ -323,10 +943,48 @@
           </a:p>
         </p:txBody>
       </p:sp>
+      <p:cxnSp>
+        <p:nvCxnSpPr>
+          <p:cNvPr id="9" name="Straight Connector 8"/>
+          <p:cNvCxnSpPr/>
+          <p:nvPr/>
+        </p:nvCxnSpPr>
+        <p:spPr>
+          <a:xfrm>
+            <a:off x="1207658" y="4343400"/>
+            <a:ext cx="9875520" cy="0"/>
+          </a:xfrm>
+          <a:prstGeom prst="line">
+            <a:avLst/>
+          </a:prstGeom>
+          <a:ln w="6350">
+            <a:solidFill>
+              <a:schemeClr val="tx1">
+                <a:lumMod val="50000"/>
+                <a:lumOff val="50000"/>
+              </a:schemeClr>
+            </a:solidFill>
+          </a:ln>
+        </p:spPr>
+        <p:style>
+          <a:lnRef idx="1">
+            <a:schemeClr val="accent1"/>
+          </a:lnRef>
+          <a:fillRef idx="0">
+            <a:schemeClr val="accent1"/>
+          </a:fillRef>
+          <a:effectRef idx="0">
+            <a:schemeClr val="accent1"/>
+          </a:effectRef>
+          <a:fontRef idx="minor">
+            <a:schemeClr val="tx1"/>
+          </a:fontRef>
+        </p:style>
+      </p:cxnSp>
     </p:spTree>
     <p:extLst>
       <p:ext uri="{BB962C8B-B14F-4D97-AF65-F5344CB8AC3E}">
-        <p14:creationId xmlns:p14="http://schemas.microsoft.com/office/powerpoint/2010/main" val="1971396119"/>
+        <p14:creationId xmlns:p14="http://schemas.microsoft.com/office/powerpoint/2010/main" val="1467279933"/>
       </p:ext>
     </p:extLst>
   </p:cSld>
@@ -355,13 +1013,7 @@
       </p:grpSpPr>
       <p:sp>
         <p:nvSpPr>
-          <p:cNvPr id="2" name="Title 1">
-            <a:extLst>
-              <a:ext uri="{FF2B5EF4-FFF2-40B4-BE49-F238E27FC236}">
-                <a16:creationId xmlns:a16="http://schemas.microsoft.com/office/drawing/2014/main" id="{AC0EF7AE-5CDE-44C4-8369-9D1DEA55DA7A}"/>
-              </a:ext>
-            </a:extLst>
-          </p:cNvPr>
+          <p:cNvPr id="2" name="Title 1"/>
           <p:cNvSpPr>
             <a:spLocks noGrp="1"/>
           </p:cNvSpPr>
@@ -378,131 +1030,110 @@
               <a:rPr lang="en-US"/>
               <a:t>Click to edit Master title style</a:t>
             </a:r>
+            <a:endParaRPr lang="en-US" dirty="0"/>
+          </a:p>
+        </p:txBody>
+      </p:sp>
+      <p:sp>
+        <p:nvSpPr>
+          <p:cNvPr id="3" name="Vertical Text Placeholder 2"/>
+          <p:cNvSpPr>
+            <a:spLocks noGrp="1"/>
+          </p:cNvSpPr>
+          <p:nvPr>
+            <p:ph type="body" orient="vert" idx="1"/>
+          </p:nvPr>
+        </p:nvSpPr>
+        <p:spPr/>
+        <p:txBody>
+          <a:bodyPr vert="eaVert" lIns="45720" tIns="0" rIns="45720" bIns="0"/>
+          <a:lstStyle/>
+          <a:p>
+            <a:pPr lvl="0"/>
+            <a:r>
+              <a:rPr lang="en-US"/>
+              <a:t>Edit Master text styles</a:t>
+            </a:r>
+          </a:p>
+          <a:p>
+            <a:pPr lvl="1"/>
+            <a:r>
+              <a:rPr lang="en-US"/>
+              <a:t>Second level</a:t>
+            </a:r>
+          </a:p>
+          <a:p>
+            <a:pPr lvl="2"/>
+            <a:r>
+              <a:rPr lang="en-US"/>
+              <a:t>Third level</a:t>
+            </a:r>
+          </a:p>
+          <a:p>
+            <a:pPr lvl="3"/>
+            <a:r>
+              <a:rPr lang="en-US"/>
+              <a:t>Fourth level</a:t>
+            </a:r>
+          </a:p>
+          <a:p>
+            <a:pPr lvl="4"/>
+            <a:r>
+              <a:rPr lang="en-US"/>
+              <a:t>Fifth level</a:t>
+            </a:r>
+            <a:endParaRPr lang="en-US" dirty="0"/>
+          </a:p>
+        </p:txBody>
+      </p:sp>
+      <p:sp>
+        <p:nvSpPr>
+          <p:cNvPr id="4" name="Date Placeholder 3"/>
+          <p:cNvSpPr>
+            <a:spLocks noGrp="1"/>
+          </p:cNvSpPr>
+          <p:nvPr>
+            <p:ph type="dt" sz="half" idx="10"/>
+          </p:nvPr>
+        </p:nvSpPr>
+        <p:spPr/>
+        <p:txBody>
+          <a:bodyPr/>
+          <a:lstStyle/>
+          <a:p>
+            <a:r>
+              <a:rPr lang="en-US"/>
+              <a:t>A.Y. 2017/18</a:t>
+            </a:r>
             <a:endParaRPr lang="en-GB"/>
           </a:p>
         </p:txBody>
       </p:sp>
       <p:sp>
         <p:nvSpPr>
-          <p:cNvPr id="3" name="Vertical Text Placeholder 2">
-            <a:extLst>
-              <a:ext uri="{FF2B5EF4-FFF2-40B4-BE49-F238E27FC236}">
-                <a16:creationId xmlns:a16="http://schemas.microsoft.com/office/drawing/2014/main" id="{026E4060-EA13-495A-B8AB-2936468399BB}"/>
-              </a:ext>
-            </a:extLst>
-          </p:cNvPr>
-          <p:cNvSpPr>
-            <a:spLocks noGrp="1"/>
-          </p:cNvSpPr>
-          <p:nvPr>
-            <p:ph type="body" orient="vert" idx="1"/>
+          <p:cNvPr id="5" name="Footer Placeholder 4"/>
+          <p:cNvSpPr>
+            <a:spLocks noGrp="1"/>
+          </p:cNvSpPr>
+          <p:nvPr>
+            <p:ph type="ftr" sz="quarter" idx="11"/>
           </p:nvPr>
         </p:nvSpPr>
         <p:spPr/>
         <p:txBody>
-          <a:bodyPr vert="eaVert"/>
-          <a:lstStyle/>
-          <a:p>
-            <a:pPr lvl="0"/>
-            <a:r>
-              <a:rPr lang="en-US"/>
-              <a:t>Edit Master text styles</a:t>
-            </a:r>
-          </a:p>
-          <a:p>
-            <a:pPr lvl="1"/>
-            <a:r>
-              <a:rPr lang="en-US"/>
-              <a:t>Second level</a:t>
-            </a:r>
-          </a:p>
-          <a:p>
-            <a:pPr lvl="2"/>
-            <a:r>
-              <a:rPr lang="en-US"/>
-              <a:t>Third level</a:t>
-            </a:r>
-          </a:p>
-          <a:p>
-            <a:pPr lvl="3"/>
-            <a:r>
-              <a:rPr lang="en-US"/>
-              <a:t>Fourth level</a:t>
-            </a:r>
-          </a:p>
-          <a:p>
-            <a:pPr lvl="4"/>
-            <a:r>
-              <a:rPr lang="en-US"/>
-              <a:t>Fifth level</a:t>
-            </a:r>
-            <a:endParaRPr lang="en-GB"/>
-          </a:p>
-        </p:txBody>
-      </p:sp>
-      <p:sp>
-        <p:nvSpPr>
-          <p:cNvPr id="4" name="Date Placeholder 3">
-            <a:extLst>
-              <a:ext uri="{FF2B5EF4-FFF2-40B4-BE49-F238E27FC236}">
-                <a16:creationId xmlns:a16="http://schemas.microsoft.com/office/drawing/2014/main" id="{E2DE2618-3777-4BB5-9774-92347E79BA6E}"/>
-              </a:ext>
-            </a:extLst>
-          </p:cNvPr>
-          <p:cNvSpPr>
-            <a:spLocks noGrp="1"/>
-          </p:cNvSpPr>
-          <p:nvPr>
-            <p:ph type="dt" sz="half" idx="10"/>
-          </p:nvPr>
-        </p:nvSpPr>
-        <p:spPr/>
-        <p:txBody>
-          <a:bodyPr/>
-          <a:lstStyle/>
-          <a:p>
-            <a:fld id="{B7F08270-7370-41CB-990F-74387E732ADF}" type="datetimeFigureOut">
-              <a:rPr lang="en-GB" smtClean="0"/>
-              <a:t>18/10/2017</a:t>
-            </a:fld>
-            <a:endParaRPr lang="en-GB"/>
-          </a:p>
-        </p:txBody>
-      </p:sp>
-      <p:sp>
-        <p:nvSpPr>
-          <p:cNvPr id="5" name="Footer Placeholder 4">
-            <a:extLst>
-              <a:ext uri="{FF2B5EF4-FFF2-40B4-BE49-F238E27FC236}">
-                <a16:creationId xmlns:a16="http://schemas.microsoft.com/office/drawing/2014/main" id="{DB41B4C3-4AAB-4C7B-A29C-3F605A0AF7AD}"/>
-              </a:ext>
-            </a:extLst>
-          </p:cNvPr>
-          <p:cNvSpPr>
-            <a:spLocks noGrp="1"/>
-          </p:cNvSpPr>
-          <p:nvPr>
-            <p:ph type="ftr" sz="quarter" idx="11"/>
-          </p:nvPr>
-        </p:nvSpPr>
-        <p:spPr/>
-        <p:txBody>
-          <a:bodyPr/>
-          <a:lstStyle/>
-          <a:p>
-            <a:endParaRPr lang="en-GB"/>
-          </a:p>
-        </p:txBody>
-      </p:sp>
-      <p:sp>
-        <p:nvSpPr>
-          <p:cNvPr id="6" name="Slide Number Placeholder 5">
-            <a:extLst>
-              <a:ext uri="{FF2B5EF4-FFF2-40B4-BE49-F238E27FC236}">
-                <a16:creationId xmlns:a16="http://schemas.microsoft.com/office/drawing/2014/main" id="{257C8721-37F2-49D2-B9C9-C7424CB2ADDE}"/>
-              </a:ext>
-            </a:extLst>
-          </p:cNvPr>
+          <a:bodyPr/>
+          <a:lstStyle/>
+          <a:p>
+            <a:r>
+              <a:rPr lang="en-GB"/>
+              <a:t>IMS – A6</a:t>
+            </a:r>
+          </a:p>
+        </p:txBody>
+      </p:sp>
+      <p:sp>
+        <p:nvSpPr>
+          <p:cNvPr id="6" name="Slide Number Placeholder 5"/>
           <p:cNvSpPr>
             <a:spLocks noGrp="1"/>
           </p:cNvSpPr>
@@ -526,7 +1157,7 @@
     </p:spTree>
     <p:extLst>
       <p:ext uri="{BB962C8B-B14F-4D97-AF65-F5344CB8AC3E}">
-        <p14:creationId xmlns:p14="http://schemas.microsoft.com/office/powerpoint/2010/main" val="204511341"/>
+        <p14:creationId xmlns:p14="http://schemas.microsoft.com/office/powerpoint/2010/main" val="2773826367"/>
       </p:ext>
     </p:extLst>
   </p:cSld>
@@ -537,7 +1168,7 @@
 </file>
 
 <file path=ppt/slideLayouts/slideLayout11.xml><?xml version="1.0" encoding="utf-8"?>
-<p:sldLayout xmlns:a="http://schemas.openxmlformats.org/drawingml/2006/main" xmlns:r="http://schemas.openxmlformats.org/officeDocument/2006/relationships" xmlns:p="http://schemas.openxmlformats.org/presentationml/2006/main" type="vertTitleAndTx" preserve="1">
+<p:sldLayout xmlns:a="http://schemas.openxmlformats.org/drawingml/2006/main" xmlns:r="http://schemas.openxmlformats.org/officeDocument/2006/relationships" xmlns:p="http://schemas.openxmlformats.org/presentationml/2006/main" showMasterSp="0" type="vertTitleAndTx" preserve="1">
   <p:cSld name="Vertical Title and Text">
     <p:spTree>
       <p:nvGrpSpPr>
@@ -555,24 +1186,94 @@
       </p:grpSpPr>
       <p:sp>
         <p:nvSpPr>
-          <p:cNvPr id="2" name="Vertical Title 1">
-            <a:extLst>
-              <a:ext uri="{FF2B5EF4-FFF2-40B4-BE49-F238E27FC236}">
-                <a16:creationId xmlns:a16="http://schemas.microsoft.com/office/drawing/2014/main" id="{5199D805-69B6-4D9B-9107-79221503A137}"/>
-              </a:ext>
-            </a:extLst>
-          </p:cNvPr>
-          <p:cNvSpPr>
-            <a:spLocks noGrp="1"/>
-          </p:cNvSpPr>
-          <p:nvPr>
-            <p:ph type="title" orient="vert"/>
-          </p:nvPr>
+          <p:cNvPr id="7" name="Rectangle 6"/>
+          <p:cNvSpPr/>
+          <p:nvPr/>
         </p:nvSpPr>
         <p:spPr>
           <a:xfrm>
-            <a:off x="8724900" y="365125"/>
-            <a:ext cx="2628900" cy="5811838"/>
+            <a:off x="3175" y="6400800"/>
+            <a:ext cx="12188825" cy="457200"/>
+          </a:xfrm>
+          <a:prstGeom prst="rect">
+            <a:avLst/>
+          </a:prstGeom>
+          <a:solidFill>
+            <a:schemeClr val="accent2"/>
+          </a:solidFill>
+          <a:ln>
+            <a:noFill/>
+          </a:ln>
+        </p:spPr>
+        <p:style>
+          <a:lnRef idx="2">
+            <a:schemeClr val="accent1">
+              <a:shade val="50000"/>
+            </a:schemeClr>
+          </a:lnRef>
+          <a:fillRef idx="1">
+            <a:schemeClr val="accent1"/>
+          </a:fillRef>
+          <a:effectRef idx="0">
+            <a:schemeClr val="accent1"/>
+          </a:effectRef>
+          <a:fontRef idx="minor">
+            <a:schemeClr val="lt1"/>
+          </a:fontRef>
+        </p:style>
+      </p:sp>
+      <p:sp>
+        <p:nvSpPr>
+          <p:cNvPr id="8" name="Rectangle 7"/>
+          <p:cNvSpPr/>
+          <p:nvPr/>
+        </p:nvSpPr>
+        <p:spPr>
+          <a:xfrm>
+            <a:off x="15" y="6334316"/>
+            <a:ext cx="12188825" cy="64008"/>
+          </a:xfrm>
+          <a:prstGeom prst="rect">
+            <a:avLst/>
+          </a:prstGeom>
+          <a:solidFill>
+            <a:schemeClr val="accent1"/>
+          </a:solidFill>
+          <a:ln>
+            <a:noFill/>
+          </a:ln>
+        </p:spPr>
+        <p:style>
+          <a:lnRef idx="2">
+            <a:schemeClr val="accent1">
+              <a:shade val="50000"/>
+            </a:schemeClr>
+          </a:lnRef>
+          <a:fillRef idx="1">
+            <a:schemeClr val="accent1"/>
+          </a:fillRef>
+          <a:effectRef idx="0">
+            <a:schemeClr val="accent1"/>
+          </a:effectRef>
+          <a:fontRef idx="minor">
+            <a:schemeClr val="lt1"/>
+          </a:fontRef>
+        </p:style>
+      </p:sp>
+      <p:sp>
+        <p:nvSpPr>
+          <p:cNvPr id="2" name="Vertical Title 1"/>
+          <p:cNvSpPr>
+            <a:spLocks noGrp="1"/>
+          </p:cNvSpPr>
+          <p:nvPr>
+            <p:ph type="title" orient="vert"/>
+          </p:nvPr>
+        </p:nvSpPr>
+        <p:spPr>
+          <a:xfrm>
+            <a:off x="8724900" y="412302"/>
+            <a:ext cx="2628900" cy="5759898"/>
           </a:xfrm>
         </p:spPr>
         <p:txBody>
@@ -583,19 +1284,13 @@
               <a:rPr lang="en-US"/>
               <a:t>Click to edit Master title style</a:t>
             </a:r>
-            <a:endParaRPr lang="en-GB"/>
-          </a:p>
-        </p:txBody>
-      </p:sp>
-      <p:sp>
-        <p:nvSpPr>
-          <p:cNvPr id="3" name="Vertical Text Placeholder 2">
-            <a:extLst>
-              <a:ext uri="{FF2B5EF4-FFF2-40B4-BE49-F238E27FC236}">
-                <a16:creationId xmlns:a16="http://schemas.microsoft.com/office/drawing/2014/main" id="{AF11D7BD-F482-4D9E-AB2E-37B14F67A75A}"/>
-              </a:ext>
-            </a:extLst>
-          </p:cNvPr>
+            <a:endParaRPr lang="en-US" dirty="0"/>
+          </a:p>
+        </p:txBody>
+      </p:sp>
+      <p:sp>
+        <p:nvSpPr>
+          <p:cNvPr id="3" name="Vertical Text Placeholder 2"/>
           <p:cNvSpPr>
             <a:spLocks noGrp="1"/>
           </p:cNvSpPr>
@@ -605,12 +1300,12 @@
         </p:nvSpPr>
         <p:spPr>
           <a:xfrm>
-            <a:off x="838200" y="365125"/>
-            <a:ext cx="7734300" cy="5811838"/>
+            <a:off x="838200" y="412302"/>
+            <a:ext cx="7734300" cy="5759898"/>
           </a:xfrm>
         </p:spPr>
         <p:txBody>
-          <a:bodyPr vert="eaVert"/>
+          <a:bodyPr vert="eaVert" lIns="45720" tIns="0" rIns="45720" bIns="0"/>
           <a:lstStyle/>
           <a:p>
             <a:pPr lvl="0"/>
@@ -646,24 +1341,41 @@
               <a:rPr lang="en-US"/>
               <a:t>Fifth level</a:t>
             </a:r>
+            <a:endParaRPr lang="en-US" dirty="0"/>
+          </a:p>
+        </p:txBody>
+      </p:sp>
+      <p:sp>
+        <p:nvSpPr>
+          <p:cNvPr id="4" name="Date Placeholder 3"/>
+          <p:cNvSpPr>
+            <a:spLocks noGrp="1"/>
+          </p:cNvSpPr>
+          <p:nvPr>
+            <p:ph type="dt" sz="half" idx="10"/>
+          </p:nvPr>
+        </p:nvSpPr>
+        <p:spPr/>
+        <p:txBody>
+          <a:bodyPr/>
+          <a:lstStyle/>
+          <a:p>
+            <a:r>
+              <a:rPr lang="en-US"/>
+              <a:t>A.Y. 2017/18</a:t>
+            </a:r>
             <a:endParaRPr lang="en-GB"/>
           </a:p>
         </p:txBody>
       </p:sp>
       <p:sp>
         <p:nvSpPr>
-          <p:cNvPr id="4" name="Date Placeholder 3">
-            <a:extLst>
-              <a:ext uri="{FF2B5EF4-FFF2-40B4-BE49-F238E27FC236}">
-                <a16:creationId xmlns:a16="http://schemas.microsoft.com/office/drawing/2014/main" id="{6803FE42-1891-4D4A-AA49-078D92F3F27C}"/>
-              </a:ext>
-            </a:extLst>
-          </p:cNvPr>
-          <p:cNvSpPr>
-            <a:spLocks noGrp="1"/>
-          </p:cNvSpPr>
-          <p:nvPr>
-            <p:ph type="dt" sz="half" idx="10"/>
+          <p:cNvPr id="5" name="Footer Placeholder 4"/>
+          <p:cNvSpPr>
+            <a:spLocks noGrp="1"/>
+          </p:cNvSpPr>
+          <p:nvPr>
+            <p:ph type="ftr" sz="quarter" idx="11"/>
           </p:nvPr>
         </p:nvSpPr>
         <p:spPr/>
@@ -671,48 +1383,16 @@
           <a:bodyPr/>
           <a:lstStyle/>
           <a:p>
-            <a:fld id="{B7F08270-7370-41CB-990F-74387E732ADF}" type="datetimeFigureOut">
-              <a:rPr lang="en-GB" smtClean="0"/>
-              <a:t>18/10/2017</a:t>
-            </a:fld>
-            <a:endParaRPr lang="en-GB"/>
-          </a:p>
-        </p:txBody>
-      </p:sp>
-      <p:sp>
-        <p:nvSpPr>
-          <p:cNvPr id="5" name="Footer Placeholder 4">
-            <a:extLst>
-              <a:ext uri="{FF2B5EF4-FFF2-40B4-BE49-F238E27FC236}">
-                <a16:creationId xmlns:a16="http://schemas.microsoft.com/office/drawing/2014/main" id="{49336E9E-FEB6-4448-8B5C-ABCDB0C4BADD}"/>
-              </a:ext>
-            </a:extLst>
-          </p:cNvPr>
-          <p:cNvSpPr>
-            <a:spLocks noGrp="1"/>
-          </p:cNvSpPr>
-          <p:nvPr>
-            <p:ph type="ftr" sz="quarter" idx="11"/>
-          </p:nvPr>
-        </p:nvSpPr>
-        <p:spPr/>
-        <p:txBody>
-          <a:bodyPr/>
-          <a:lstStyle/>
-          <a:p>
-            <a:endParaRPr lang="en-GB"/>
-          </a:p>
-        </p:txBody>
-      </p:sp>
-      <p:sp>
-        <p:nvSpPr>
-          <p:cNvPr id="6" name="Slide Number Placeholder 5">
-            <a:extLst>
-              <a:ext uri="{FF2B5EF4-FFF2-40B4-BE49-F238E27FC236}">
-                <a16:creationId xmlns:a16="http://schemas.microsoft.com/office/drawing/2014/main" id="{D782AB9C-16D8-4CA7-A249-FD41D45CB4C8}"/>
-              </a:ext>
-            </a:extLst>
-          </p:cNvPr>
+            <a:r>
+              <a:rPr lang="en-GB"/>
+              <a:t>IMS – A6</a:t>
+            </a:r>
+          </a:p>
+        </p:txBody>
+      </p:sp>
+      <p:sp>
+        <p:nvSpPr>
+          <p:cNvPr id="6" name="Slide Number Placeholder 5"/>
           <p:cNvSpPr>
             <a:spLocks noGrp="1"/>
           </p:cNvSpPr>
@@ -736,7 +1416,7 @@
     </p:spTree>
     <p:extLst>
       <p:ext uri="{BB962C8B-B14F-4D97-AF65-F5344CB8AC3E}">
-        <p14:creationId xmlns:p14="http://schemas.microsoft.com/office/powerpoint/2010/main" val="2672268255"/>
+        <p14:creationId xmlns:p14="http://schemas.microsoft.com/office/powerpoint/2010/main" val="1064620048"/>
       </p:ext>
     </p:extLst>
   </p:cSld>
@@ -765,13 +1445,7 @@
       </p:grpSpPr>
       <p:sp>
         <p:nvSpPr>
-          <p:cNvPr id="2" name="Title 1">
-            <a:extLst>
-              <a:ext uri="{FF2B5EF4-FFF2-40B4-BE49-F238E27FC236}">
-                <a16:creationId xmlns:a16="http://schemas.microsoft.com/office/drawing/2014/main" id="{D929FA83-B990-4472-87C2-251FC0537808}"/>
-              </a:ext>
-            </a:extLst>
-          </p:cNvPr>
+          <p:cNvPr id="2" name="Title 1"/>
           <p:cNvSpPr>
             <a:spLocks noGrp="1"/>
           </p:cNvSpPr>
@@ -788,19 +1462,13 @@
               <a:rPr lang="en-US"/>
               <a:t>Click to edit Master title style</a:t>
             </a:r>
-            <a:endParaRPr lang="en-GB"/>
-          </a:p>
-        </p:txBody>
-      </p:sp>
-      <p:sp>
-        <p:nvSpPr>
-          <p:cNvPr id="3" name="Content Placeholder 2">
-            <a:extLst>
-              <a:ext uri="{FF2B5EF4-FFF2-40B4-BE49-F238E27FC236}">
-                <a16:creationId xmlns:a16="http://schemas.microsoft.com/office/drawing/2014/main" id="{AE5AFDDA-3F8E-410B-A25A-CB975D97E1AD}"/>
-              </a:ext>
-            </a:extLst>
-          </p:cNvPr>
+            <a:endParaRPr lang="en-US" dirty="0"/>
+          </a:p>
+        </p:txBody>
+      </p:sp>
+      <p:sp>
+        <p:nvSpPr>
+          <p:cNvPr id="3" name="Content Placeholder 2"/>
           <p:cNvSpPr>
             <a:spLocks noGrp="1"/>
           </p:cNvSpPr>
@@ -808,57 +1476,71 @@
             <p:ph idx="1"/>
           </p:nvPr>
         </p:nvSpPr>
-        <p:spPr/>
-        <p:txBody>
-          <a:bodyPr/>
-          <a:lstStyle/>
+        <p:spPr>
+          <a:xfrm>
+            <a:off x="1097280" y="2064637"/>
+            <a:ext cx="10058400" cy="4023360"/>
+          </a:xfrm>
+        </p:spPr>
+        <p:txBody>
+          <a:bodyPr/>
+          <a:lstStyle>
+            <a:lvl1pPr>
+              <a:defRPr sz="3000"/>
+            </a:lvl1pPr>
+            <a:lvl2pPr>
+              <a:defRPr sz="2700"/>
+            </a:lvl2pPr>
+            <a:lvl3pPr>
+              <a:defRPr sz="2500"/>
+            </a:lvl3pPr>
+            <a:lvl4pPr>
+              <a:defRPr sz="2300"/>
+            </a:lvl4pPr>
+            <a:lvl5pPr>
+              <a:defRPr sz="2000"/>
+            </a:lvl5pPr>
+          </a:lstStyle>
           <a:p>
             <a:pPr lvl="0"/>
             <a:r>
-              <a:rPr lang="en-US"/>
+              <a:rPr lang="en-US" dirty="0"/>
               <a:t>Edit Master text styles</a:t>
             </a:r>
           </a:p>
           <a:p>
             <a:pPr lvl="1"/>
             <a:r>
-              <a:rPr lang="en-US"/>
+              <a:rPr lang="en-US" dirty="0"/>
               <a:t>Second level</a:t>
             </a:r>
           </a:p>
           <a:p>
             <a:pPr lvl="2"/>
             <a:r>
-              <a:rPr lang="en-US"/>
+              <a:rPr lang="en-US" dirty="0"/>
               <a:t>Third level</a:t>
             </a:r>
           </a:p>
           <a:p>
             <a:pPr lvl="3"/>
             <a:r>
-              <a:rPr lang="en-US"/>
+              <a:rPr lang="en-US" dirty="0"/>
               <a:t>Fourth level</a:t>
             </a:r>
           </a:p>
           <a:p>
             <a:pPr lvl="4"/>
             <a:r>
-              <a:rPr lang="en-US"/>
+              <a:rPr lang="en-US" dirty="0"/>
               <a:t>Fifth level</a:t>
             </a:r>
-            <a:endParaRPr lang="en-GB"/>
-          </a:p>
-        </p:txBody>
-      </p:sp>
-      <p:sp>
-        <p:nvSpPr>
-          <p:cNvPr id="4" name="Date Placeholder 3">
-            <a:extLst>
-              <a:ext uri="{FF2B5EF4-FFF2-40B4-BE49-F238E27FC236}">
-                <a16:creationId xmlns:a16="http://schemas.microsoft.com/office/drawing/2014/main" id="{D5D58D55-D28A-4C9C-AFC5-B75F01EB57B3}"/>
-              </a:ext>
-            </a:extLst>
-          </p:cNvPr>
+          </a:p>
+        </p:txBody>
+      </p:sp>
+      <p:sp>
+        <p:nvSpPr>
+          <p:cNvPr id="4" name="Date Placeholder 3"/>
           <p:cNvSpPr>
             <a:spLocks noGrp="1"/>
           </p:cNvSpPr>
@@ -866,28 +1548,31 @@
             <p:ph type="dt" sz="half" idx="10"/>
           </p:nvPr>
         </p:nvSpPr>
-        <p:spPr/>
-        <p:txBody>
-          <a:bodyPr/>
-          <a:lstStyle/>
-          <a:p>
-            <a:fld id="{B7F08270-7370-41CB-990F-74387E732ADF}" type="datetimeFigureOut">
-              <a:rPr lang="en-GB" smtClean="0"/>
-              <a:t>18/10/2017</a:t>
-            </a:fld>
-            <a:endParaRPr lang="en-GB"/>
-          </a:p>
-        </p:txBody>
-      </p:sp>
-      <p:sp>
-        <p:nvSpPr>
-          <p:cNvPr id="5" name="Footer Placeholder 4">
-            <a:extLst>
-              <a:ext uri="{FF2B5EF4-FFF2-40B4-BE49-F238E27FC236}">
-                <a16:creationId xmlns:a16="http://schemas.microsoft.com/office/drawing/2014/main" id="{ACDB26DF-A1F6-416B-9961-E8794C562C78}"/>
-              </a:ext>
-            </a:extLst>
-          </p:cNvPr>
+        <p:spPr>
+          <a:xfrm>
+            <a:off x="1097280" y="6420596"/>
+            <a:ext cx="2472271" cy="365125"/>
+          </a:xfrm>
+        </p:spPr>
+        <p:txBody>
+          <a:bodyPr/>
+          <a:lstStyle>
+            <a:lvl1pPr>
+              <a:defRPr sz="1500"/>
+            </a:lvl1pPr>
+          </a:lstStyle>
+          <a:p>
+            <a:r>
+              <a:rPr lang="en-US" dirty="0"/>
+              <a:t>A.Y. 2017/18</a:t>
+            </a:r>
+            <a:endParaRPr lang="en-GB" dirty="0"/>
+          </a:p>
+        </p:txBody>
+      </p:sp>
+      <p:sp>
+        <p:nvSpPr>
+          <p:cNvPr id="5" name="Footer Placeholder 4"/>
           <p:cNvSpPr>
             <a:spLocks noGrp="1"/>
           </p:cNvSpPr>
@@ -895,24 +1580,31 @@
             <p:ph type="ftr" sz="quarter" idx="11"/>
           </p:nvPr>
         </p:nvSpPr>
-        <p:spPr/>
-        <p:txBody>
-          <a:bodyPr/>
-          <a:lstStyle/>
-          <a:p>
-            <a:endParaRPr lang="en-GB"/>
-          </a:p>
-        </p:txBody>
-      </p:sp>
-      <p:sp>
-        <p:nvSpPr>
-          <p:cNvPr id="6" name="Slide Number Placeholder 5">
-            <a:extLst>
-              <a:ext uri="{FF2B5EF4-FFF2-40B4-BE49-F238E27FC236}">
-                <a16:creationId xmlns:a16="http://schemas.microsoft.com/office/drawing/2014/main" id="{33FAE960-8AD4-4A61-9414-8210AE132BC1}"/>
-              </a:ext>
-            </a:extLst>
-          </p:cNvPr>
+        <p:spPr>
+          <a:xfrm>
+            <a:off x="3686185" y="6420596"/>
+            <a:ext cx="4822804" cy="365125"/>
+          </a:xfrm>
+        </p:spPr>
+        <p:txBody>
+          <a:bodyPr/>
+          <a:lstStyle>
+            <a:lvl1pPr>
+              <a:defRPr sz="1500"/>
+            </a:lvl1pPr>
+          </a:lstStyle>
+          <a:p>
+            <a:r>
+              <a:rPr lang="it-IT" dirty="0"/>
+              <a:t>IMS – A6</a:t>
+            </a:r>
+            <a:endParaRPr lang="en-GB" dirty="0"/>
+          </a:p>
+        </p:txBody>
+      </p:sp>
+      <p:sp>
+        <p:nvSpPr>
+          <p:cNvPr id="6" name="Slide Number Placeholder 5"/>
           <p:cNvSpPr>
             <a:spLocks noGrp="1"/>
           </p:cNvSpPr>
@@ -920,23 +1612,33 @@
             <p:ph type="sldNum" sz="quarter" idx="12"/>
           </p:nvPr>
         </p:nvSpPr>
-        <p:spPr/>
-        <p:txBody>
-          <a:bodyPr/>
-          <a:lstStyle/>
+        <p:spPr>
+          <a:xfrm>
+            <a:off x="9900458" y="6420596"/>
+            <a:ext cx="1312025" cy="365125"/>
+          </a:xfrm>
+        </p:spPr>
+        <p:txBody>
+          <a:bodyPr/>
+          <a:lstStyle>
+            <a:lvl1pPr>
+              <a:defRPr sz="1500"/>
+            </a:lvl1pPr>
+          </a:lstStyle>
           <a:p>
             <a:fld id="{E63C5663-C309-400D-BD5F-8327758EFEBB}" type="slidenum">
               <a:rPr lang="en-GB" smtClean="0"/>
+              <a:pPr/>
               <a:t>‹#›</a:t>
             </a:fld>
-            <a:endParaRPr lang="en-GB"/>
+            <a:endParaRPr lang="en-GB" dirty="0"/>
           </a:p>
         </p:txBody>
       </p:sp>
     </p:spTree>
     <p:extLst>
       <p:ext uri="{BB962C8B-B14F-4D97-AF65-F5344CB8AC3E}">
-        <p14:creationId xmlns:p14="http://schemas.microsoft.com/office/powerpoint/2010/main" val="1851805139"/>
+        <p14:creationId xmlns:p14="http://schemas.microsoft.com/office/powerpoint/2010/main" val="688764947"/>
       </p:ext>
     </p:extLst>
   </p:cSld>
@@ -947,8 +1649,16 @@
 </file>
 
 <file path=ppt/slideLayouts/slideLayout3.xml><?xml version="1.0" encoding="utf-8"?>
-<p:sldLayout xmlns:a="http://schemas.openxmlformats.org/drawingml/2006/main" xmlns:r="http://schemas.openxmlformats.org/officeDocument/2006/relationships" xmlns:p="http://schemas.openxmlformats.org/presentationml/2006/main" type="secHead" preserve="1">
+<p:sldLayout xmlns:a="http://schemas.openxmlformats.org/drawingml/2006/main" xmlns:r="http://schemas.openxmlformats.org/officeDocument/2006/relationships" xmlns:p="http://schemas.openxmlformats.org/presentationml/2006/main" showMasterSp="0" type="secHead" preserve="1">
   <p:cSld name="Section Header">
+    <p:bg>
+      <p:bgPr>
+        <a:solidFill>
+          <a:schemeClr val="bg1"/>
+        </a:solidFill>
+        <a:effectLst/>
+      </p:bgPr>
+    </p:bg>
     <p:spTree>
       <p:nvGrpSpPr>
         <p:cNvPr id="1" name=""/>
@@ -965,80 +1675,157 @@
       </p:grpSpPr>
       <p:sp>
         <p:nvSpPr>
-          <p:cNvPr id="2" name="Title 1">
-            <a:extLst>
-              <a:ext uri="{FF2B5EF4-FFF2-40B4-BE49-F238E27FC236}">
-                <a16:creationId xmlns:a16="http://schemas.microsoft.com/office/drawing/2014/main" id="{28468D9A-9C6D-4FC7-A7CF-956AC9EFCC05}"/>
-              </a:ext>
-            </a:extLst>
-          </p:cNvPr>
-          <p:cNvSpPr>
-            <a:spLocks noGrp="1"/>
-          </p:cNvSpPr>
-          <p:nvPr>
-            <p:ph type="title"/>
-          </p:nvPr>
+          <p:cNvPr id="7" name="Rectangle 6"/>
+          <p:cNvSpPr/>
+          <p:nvPr/>
         </p:nvSpPr>
         <p:spPr>
           <a:xfrm>
-            <a:off x="831850" y="1709738"/>
-            <a:ext cx="10515600" cy="2852737"/>
+            <a:off x="3175" y="6400800"/>
+            <a:ext cx="12188825" cy="457200"/>
+          </a:xfrm>
+          <a:prstGeom prst="rect">
+            <a:avLst/>
+          </a:prstGeom>
+          <a:solidFill>
+            <a:schemeClr val="accent2"/>
+          </a:solidFill>
+          <a:ln>
+            <a:noFill/>
+          </a:ln>
+        </p:spPr>
+        <p:style>
+          <a:lnRef idx="2">
+            <a:schemeClr val="accent1">
+              <a:shade val="50000"/>
+            </a:schemeClr>
+          </a:lnRef>
+          <a:fillRef idx="1">
+            <a:schemeClr val="accent1"/>
+          </a:fillRef>
+          <a:effectRef idx="0">
+            <a:schemeClr val="accent1"/>
+          </a:effectRef>
+          <a:fontRef idx="minor">
+            <a:schemeClr val="lt1"/>
+          </a:fontRef>
+        </p:style>
+      </p:sp>
+      <p:sp>
+        <p:nvSpPr>
+          <p:cNvPr id="8" name="Rectangle 7"/>
+          <p:cNvSpPr/>
+          <p:nvPr/>
+        </p:nvSpPr>
+        <p:spPr>
+          <a:xfrm>
+            <a:off x="15" y="6334316"/>
+            <a:ext cx="12188825" cy="64008"/>
+          </a:xfrm>
+          <a:prstGeom prst="rect">
+            <a:avLst/>
+          </a:prstGeom>
+          <a:solidFill>
+            <a:schemeClr val="accent1"/>
+          </a:solidFill>
+          <a:ln>
+            <a:noFill/>
+          </a:ln>
+        </p:spPr>
+        <p:style>
+          <a:lnRef idx="2">
+            <a:schemeClr val="accent1">
+              <a:shade val="50000"/>
+            </a:schemeClr>
+          </a:lnRef>
+          <a:fillRef idx="1">
+            <a:schemeClr val="accent1"/>
+          </a:fillRef>
+          <a:effectRef idx="0">
+            <a:schemeClr val="accent1"/>
+          </a:effectRef>
+          <a:fontRef idx="minor">
+            <a:schemeClr val="lt1"/>
+          </a:fontRef>
+        </p:style>
+      </p:sp>
+      <p:sp>
+        <p:nvSpPr>
+          <p:cNvPr id="2" name="Title 1"/>
+          <p:cNvSpPr>
+            <a:spLocks noGrp="1"/>
+          </p:cNvSpPr>
+          <p:nvPr>
+            <p:ph type="title"/>
+          </p:nvPr>
+        </p:nvSpPr>
+        <p:spPr>
+          <a:xfrm>
+            <a:off x="1097280" y="758952"/>
+            <a:ext cx="10058400" cy="3566160"/>
           </a:xfrm>
         </p:spPr>
         <p:txBody>
-          <a:bodyPr anchor="b"/>
+          <a:bodyPr anchor="b" anchorCtr="0">
+            <a:normAutofit/>
+          </a:bodyPr>
           <a:lstStyle>
             <a:lvl1pPr>
-              <a:defRPr sz="6000"/>
-            </a:lvl1pPr>
-          </a:lstStyle>
-          <a:p>
-            <a:r>
-              <a:rPr lang="en-US"/>
-              <a:t>Click to edit Master title style</a:t>
-            </a:r>
-            <a:endParaRPr lang="en-GB"/>
-          </a:p>
-        </p:txBody>
-      </p:sp>
-      <p:sp>
-        <p:nvSpPr>
-          <p:cNvPr id="3" name="Text Placeholder 2">
-            <a:extLst>
-              <a:ext uri="{FF2B5EF4-FFF2-40B4-BE49-F238E27FC236}">
-                <a16:creationId xmlns:a16="http://schemas.microsoft.com/office/drawing/2014/main" id="{3676EF7A-BEBA-4624-853E-0A3159BF52D3}"/>
-              </a:ext>
-            </a:extLst>
-          </p:cNvPr>
-          <p:cNvSpPr>
-            <a:spLocks noGrp="1"/>
-          </p:cNvSpPr>
-          <p:nvPr>
-            <p:ph type="body" idx="1"/>
-          </p:nvPr>
-        </p:nvSpPr>
-        <p:spPr>
-          <a:xfrm>
-            <a:off x="831850" y="4589463"/>
-            <a:ext cx="10515600" cy="1500187"/>
-          </a:xfrm>
-        </p:spPr>
-        <p:txBody>
-          <a:bodyPr/>
-          <a:lstStyle>
-            <a:lvl1pPr marL="0" indent="0">
-              <a:buNone/>
-              <a:defRPr sz="2400">
+              <a:lnSpc>
+                <a:spcPct val="85000"/>
+              </a:lnSpc>
+              <a:defRPr sz="8000" b="0">
                 <a:solidFill>
                   <a:schemeClr val="tx1">
-                    <a:tint val="75000"/>
+                    <a:lumMod val="85000"/>
+                    <a:lumOff val="15000"/>
                   </a:schemeClr>
                 </a:solidFill>
               </a:defRPr>
             </a:lvl1pPr>
+          </a:lstStyle>
+          <a:p>
+            <a:r>
+              <a:rPr lang="en-US"/>
+              <a:t>Click to edit Master title style</a:t>
+            </a:r>
+            <a:endParaRPr lang="en-US" dirty="0"/>
+          </a:p>
+        </p:txBody>
+      </p:sp>
+      <p:sp>
+        <p:nvSpPr>
+          <p:cNvPr id="3" name="Text Placeholder 2"/>
+          <p:cNvSpPr>
+            <a:spLocks noGrp="1"/>
+          </p:cNvSpPr>
+          <p:nvPr>
+            <p:ph type="body" idx="1"/>
+          </p:nvPr>
+        </p:nvSpPr>
+        <p:spPr>
+          <a:xfrm>
+            <a:off x="1097280" y="4453128"/>
+            <a:ext cx="10058400" cy="1143000"/>
+          </a:xfrm>
+        </p:spPr>
+        <p:txBody>
+          <a:bodyPr lIns="91440" rIns="91440" anchor="t" anchorCtr="0">
+            <a:normAutofit/>
+          </a:bodyPr>
+          <a:lstStyle>
+            <a:lvl1pPr marL="0" indent="0">
+              <a:buNone/>
+              <a:defRPr sz="2400" cap="all" spc="200" baseline="0">
+                <a:solidFill>
+                  <a:schemeClr val="tx2"/>
+                </a:solidFill>
+                <a:latin typeface="+mj-lt"/>
+              </a:defRPr>
+            </a:lvl1pPr>
             <a:lvl2pPr marL="457200" indent="0">
               <a:buNone/>
-              <a:defRPr sz="2000">
+              <a:defRPr sz="1800">
                 <a:solidFill>
                   <a:schemeClr val="tx1">
                     <a:tint val="75000"/>
@@ -1048,7 +1835,7 @@
             </a:lvl2pPr>
             <a:lvl3pPr marL="914400" indent="0">
               <a:buNone/>
-              <a:defRPr sz="1800">
+              <a:defRPr sz="1600">
                 <a:solidFill>
                   <a:schemeClr val="tx1">
                     <a:tint val="75000"/>
@@ -1058,7 +1845,7 @@
             </a:lvl3pPr>
             <a:lvl4pPr marL="1371600" indent="0">
               <a:buNone/>
-              <a:defRPr sz="1600">
+              <a:defRPr sz="1400">
                 <a:solidFill>
                   <a:schemeClr val="tx1">
                     <a:tint val="75000"/>
@@ -1068,7 +1855,7 @@
             </a:lvl4pPr>
             <a:lvl5pPr marL="1828800" indent="0">
               <a:buNone/>
-              <a:defRPr sz="1600">
+              <a:defRPr sz="1400">
                 <a:solidFill>
                   <a:schemeClr val="tx1">
                     <a:tint val="75000"/>
@@ -1078,7 +1865,7 @@
             </a:lvl5pPr>
             <a:lvl6pPr marL="2286000" indent="0">
               <a:buNone/>
-              <a:defRPr sz="1600">
+              <a:defRPr sz="1400">
                 <a:solidFill>
                   <a:schemeClr val="tx1">
                     <a:tint val="75000"/>
@@ -1088,7 +1875,7 @@
             </a:lvl6pPr>
             <a:lvl7pPr marL="2743200" indent="0">
               <a:buNone/>
-              <a:defRPr sz="1600">
+              <a:defRPr sz="1400">
                 <a:solidFill>
                   <a:schemeClr val="tx1">
                     <a:tint val="75000"/>
@@ -1098,7 +1885,7 @@
             </a:lvl7pPr>
             <a:lvl8pPr marL="3200400" indent="0">
               <a:buNone/>
-              <a:defRPr sz="1600">
+              <a:defRPr sz="1400">
                 <a:solidFill>
                   <a:schemeClr val="tx1">
                     <a:tint val="75000"/>
@@ -1108,7 +1895,7 @@
             </a:lvl8pPr>
             <a:lvl9pPr marL="3657600" indent="0">
               <a:buNone/>
-              <a:defRPr sz="1600">
+              <a:defRPr sz="1400">
                 <a:solidFill>
                   <a:schemeClr val="tx1">
                     <a:tint val="75000"/>
@@ -1128,13 +1915,7 @@
       </p:sp>
       <p:sp>
         <p:nvSpPr>
-          <p:cNvPr id="4" name="Date Placeholder 3">
-            <a:extLst>
-              <a:ext uri="{FF2B5EF4-FFF2-40B4-BE49-F238E27FC236}">
-                <a16:creationId xmlns:a16="http://schemas.microsoft.com/office/drawing/2014/main" id="{E140C879-A11A-4CBF-A514-7FDE85D19779}"/>
-              </a:ext>
-            </a:extLst>
-          </p:cNvPr>
+          <p:cNvPr id="4" name="Date Placeholder 3"/>
           <p:cNvSpPr>
             <a:spLocks noGrp="1"/>
           </p:cNvSpPr>
@@ -1147,23 +1928,17 @@
           <a:bodyPr/>
           <a:lstStyle/>
           <a:p>
-            <a:fld id="{B7F08270-7370-41CB-990F-74387E732ADF}" type="datetimeFigureOut">
-              <a:rPr lang="en-GB" smtClean="0"/>
-              <a:t>18/10/2017</a:t>
-            </a:fld>
+            <a:r>
+              <a:rPr lang="en-US"/>
+              <a:t>A.Y. 2017/18</a:t>
+            </a:r>
             <a:endParaRPr lang="en-GB"/>
           </a:p>
         </p:txBody>
       </p:sp>
       <p:sp>
         <p:nvSpPr>
-          <p:cNvPr id="5" name="Footer Placeholder 4">
-            <a:extLst>
-              <a:ext uri="{FF2B5EF4-FFF2-40B4-BE49-F238E27FC236}">
-                <a16:creationId xmlns:a16="http://schemas.microsoft.com/office/drawing/2014/main" id="{5658E8CC-7893-4E36-86A5-E0B441CC56DE}"/>
-              </a:ext>
-            </a:extLst>
-          </p:cNvPr>
+          <p:cNvPr id="5" name="Footer Placeholder 4"/>
           <p:cNvSpPr>
             <a:spLocks noGrp="1"/>
           </p:cNvSpPr>
@@ -1176,19 +1951,16 @@
           <a:bodyPr/>
           <a:lstStyle/>
           <a:p>
-            <a:endParaRPr lang="en-GB"/>
-          </a:p>
-        </p:txBody>
-      </p:sp>
-      <p:sp>
-        <p:nvSpPr>
-          <p:cNvPr id="6" name="Slide Number Placeholder 5">
-            <a:extLst>
-              <a:ext uri="{FF2B5EF4-FFF2-40B4-BE49-F238E27FC236}">
-                <a16:creationId xmlns:a16="http://schemas.microsoft.com/office/drawing/2014/main" id="{1464C1E9-C3F0-4587-9F76-33ECE53D4ED9}"/>
-              </a:ext>
-            </a:extLst>
-          </p:cNvPr>
+            <a:r>
+              <a:rPr lang="en-GB"/>
+              <a:t>IMS – A6</a:t>
+            </a:r>
+          </a:p>
+        </p:txBody>
+      </p:sp>
+      <p:sp>
+        <p:nvSpPr>
+          <p:cNvPr id="6" name="Slide Number Placeholder 5"/>
           <p:cNvSpPr>
             <a:spLocks noGrp="1"/>
           </p:cNvSpPr>
@@ -1209,10 +1981,48 @@
           </a:p>
         </p:txBody>
       </p:sp>
+      <p:cxnSp>
+        <p:nvCxnSpPr>
+          <p:cNvPr id="9" name="Straight Connector 8"/>
+          <p:cNvCxnSpPr/>
+          <p:nvPr/>
+        </p:nvCxnSpPr>
+        <p:spPr>
+          <a:xfrm>
+            <a:off x="1207658" y="4343400"/>
+            <a:ext cx="9875520" cy="0"/>
+          </a:xfrm>
+          <a:prstGeom prst="line">
+            <a:avLst/>
+          </a:prstGeom>
+          <a:ln w="6350">
+            <a:solidFill>
+              <a:schemeClr val="tx1">
+                <a:lumMod val="50000"/>
+                <a:lumOff val="50000"/>
+              </a:schemeClr>
+            </a:solidFill>
+          </a:ln>
+        </p:spPr>
+        <p:style>
+          <a:lnRef idx="1">
+            <a:schemeClr val="accent1"/>
+          </a:lnRef>
+          <a:fillRef idx="0">
+            <a:schemeClr val="accent1"/>
+          </a:fillRef>
+          <a:effectRef idx="0">
+            <a:schemeClr val="accent1"/>
+          </a:effectRef>
+          <a:fontRef idx="minor">
+            <a:schemeClr val="tx1"/>
+          </a:fontRef>
+        </p:style>
+      </p:cxnSp>
     </p:spTree>
     <p:extLst>
       <p:ext uri="{BB962C8B-B14F-4D97-AF65-F5344CB8AC3E}">
-        <p14:creationId xmlns:p14="http://schemas.microsoft.com/office/powerpoint/2010/main" val="1248418226"/>
+        <p14:creationId xmlns:p14="http://schemas.microsoft.com/office/powerpoint/2010/main" val="2568508953"/>
       </p:ext>
     </p:extLst>
   </p:cSld>
@@ -1241,116 +2051,46 @@
       </p:grpSpPr>
       <p:sp>
         <p:nvSpPr>
-          <p:cNvPr id="2" name="Title 1">
-            <a:extLst>
-              <a:ext uri="{FF2B5EF4-FFF2-40B4-BE49-F238E27FC236}">
-                <a16:creationId xmlns:a16="http://schemas.microsoft.com/office/drawing/2014/main" id="{E7AFE7D0-5F2E-4A88-8BD8-A6E16508527D}"/>
-              </a:ext>
-            </a:extLst>
-          </p:cNvPr>
+          <p:cNvPr id="8" name="Title 7"/>
           <p:cNvSpPr>
             <a:spLocks noGrp="1"/>
           </p:cNvSpPr>
           <p:nvPr>
             <p:ph type="title"/>
-          </p:nvPr>
-        </p:nvSpPr>
-        <p:spPr/>
-        <p:txBody>
-          <a:bodyPr/>
-          <a:lstStyle/>
-          <a:p>
-            <a:r>
-              <a:rPr lang="en-US"/>
-              <a:t>Click to edit Master title style</a:t>
-            </a:r>
-            <a:endParaRPr lang="en-GB"/>
-          </a:p>
-        </p:txBody>
-      </p:sp>
-      <p:sp>
-        <p:nvSpPr>
-          <p:cNvPr id="3" name="Content Placeholder 2">
-            <a:extLst>
-              <a:ext uri="{FF2B5EF4-FFF2-40B4-BE49-F238E27FC236}">
-                <a16:creationId xmlns:a16="http://schemas.microsoft.com/office/drawing/2014/main" id="{8CDA9E86-C299-4067-911D-FD76779B5F9C}"/>
-              </a:ext>
-            </a:extLst>
-          </p:cNvPr>
-          <p:cNvSpPr>
-            <a:spLocks noGrp="1"/>
-          </p:cNvSpPr>
-          <p:nvPr>
-            <p:ph sz="half" idx="1"/>
           </p:nvPr>
         </p:nvSpPr>
         <p:spPr>
           <a:xfrm>
-            <a:off x="838200" y="1825625"/>
-            <a:ext cx="5181600" cy="4351338"/>
+            <a:off x="1097280" y="286603"/>
+            <a:ext cx="10058400" cy="1450757"/>
           </a:xfrm>
         </p:spPr>
         <p:txBody>
           <a:bodyPr/>
           <a:lstStyle/>
           <a:p>
-            <a:pPr lvl="0"/>
-            <a:r>
-              <a:rPr lang="en-US"/>
-              <a:t>Edit Master text styles</a:t>
-            </a:r>
-          </a:p>
-          <a:p>
-            <a:pPr lvl="1"/>
-            <a:r>
-              <a:rPr lang="en-US"/>
-              <a:t>Second level</a:t>
-            </a:r>
-          </a:p>
-          <a:p>
-            <a:pPr lvl="2"/>
-            <a:r>
-              <a:rPr lang="en-US"/>
-              <a:t>Third level</a:t>
-            </a:r>
-          </a:p>
-          <a:p>
-            <a:pPr lvl="3"/>
-            <a:r>
-              <a:rPr lang="en-US"/>
-              <a:t>Fourth level</a:t>
-            </a:r>
-          </a:p>
-          <a:p>
-            <a:pPr lvl="4"/>
-            <a:r>
-              <a:rPr lang="en-US"/>
-              <a:t>Fifth level</a:t>
-            </a:r>
-            <a:endParaRPr lang="en-GB"/>
-          </a:p>
-        </p:txBody>
-      </p:sp>
-      <p:sp>
-        <p:nvSpPr>
-          <p:cNvPr id="4" name="Content Placeholder 3">
-            <a:extLst>
-              <a:ext uri="{FF2B5EF4-FFF2-40B4-BE49-F238E27FC236}">
-                <a16:creationId xmlns:a16="http://schemas.microsoft.com/office/drawing/2014/main" id="{A78353AC-5EC2-4C2F-BBDF-E72EE0DCB776}"/>
-              </a:ext>
-            </a:extLst>
-          </p:cNvPr>
-          <p:cNvSpPr>
-            <a:spLocks noGrp="1"/>
-          </p:cNvSpPr>
-          <p:nvPr>
-            <p:ph sz="half" idx="2"/>
+            <a:r>
+              <a:rPr lang="en-US"/>
+              <a:t>Click to edit Master title style</a:t>
+            </a:r>
+            <a:endParaRPr lang="en-US" dirty="0"/>
+          </a:p>
+        </p:txBody>
+      </p:sp>
+      <p:sp>
+        <p:nvSpPr>
+          <p:cNvPr id="3" name="Content Placeholder 2"/>
+          <p:cNvSpPr>
+            <a:spLocks noGrp="1"/>
+          </p:cNvSpPr>
+          <p:nvPr>
+            <p:ph sz="half" idx="1"/>
           </p:nvPr>
         </p:nvSpPr>
         <p:spPr>
           <a:xfrm>
-            <a:off x="6172200" y="1825625"/>
-            <a:ext cx="5181600" cy="4351338"/>
+            <a:off x="1097278" y="1845734"/>
+            <a:ext cx="4937760" cy="4023360"/>
           </a:xfrm>
         </p:spPr>
         <p:txBody>
@@ -1390,24 +2130,98 @@
               <a:rPr lang="en-US"/>
               <a:t>Fifth level</a:t>
             </a:r>
+            <a:endParaRPr lang="en-US" dirty="0"/>
+          </a:p>
+        </p:txBody>
+      </p:sp>
+      <p:sp>
+        <p:nvSpPr>
+          <p:cNvPr id="4" name="Content Placeholder 3"/>
+          <p:cNvSpPr>
+            <a:spLocks noGrp="1"/>
+          </p:cNvSpPr>
+          <p:nvPr>
+            <p:ph sz="half" idx="2"/>
+          </p:nvPr>
+        </p:nvSpPr>
+        <p:spPr>
+          <a:xfrm>
+            <a:off x="6217920" y="1845735"/>
+            <a:ext cx="4937760" cy="4023360"/>
+          </a:xfrm>
+        </p:spPr>
+        <p:txBody>
+          <a:bodyPr/>
+          <a:lstStyle/>
+          <a:p>
+            <a:pPr lvl="0"/>
+            <a:r>
+              <a:rPr lang="en-US"/>
+              <a:t>Edit Master text styles</a:t>
+            </a:r>
+          </a:p>
+          <a:p>
+            <a:pPr lvl="1"/>
+            <a:r>
+              <a:rPr lang="en-US"/>
+              <a:t>Second level</a:t>
+            </a:r>
+          </a:p>
+          <a:p>
+            <a:pPr lvl="2"/>
+            <a:r>
+              <a:rPr lang="en-US"/>
+              <a:t>Third level</a:t>
+            </a:r>
+          </a:p>
+          <a:p>
+            <a:pPr lvl="3"/>
+            <a:r>
+              <a:rPr lang="en-US"/>
+              <a:t>Fourth level</a:t>
+            </a:r>
+          </a:p>
+          <a:p>
+            <a:pPr lvl="4"/>
+            <a:r>
+              <a:rPr lang="en-US"/>
+              <a:t>Fifth level</a:t>
+            </a:r>
+            <a:endParaRPr lang="en-US" dirty="0"/>
+          </a:p>
+        </p:txBody>
+      </p:sp>
+      <p:sp>
+        <p:nvSpPr>
+          <p:cNvPr id="5" name="Date Placeholder 4"/>
+          <p:cNvSpPr>
+            <a:spLocks noGrp="1"/>
+          </p:cNvSpPr>
+          <p:nvPr>
+            <p:ph type="dt" sz="half" idx="10"/>
+          </p:nvPr>
+        </p:nvSpPr>
+        <p:spPr/>
+        <p:txBody>
+          <a:bodyPr/>
+          <a:lstStyle/>
+          <a:p>
+            <a:r>
+              <a:rPr lang="en-US"/>
+              <a:t>A.Y. 2017/18</a:t>
+            </a:r>
             <a:endParaRPr lang="en-GB"/>
           </a:p>
         </p:txBody>
       </p:sp>
       <p:sp>
         <p:nvSpPr>
-          <p:cNvPr id="5" name="Date Placeholder 4">
-            <a:extLst>
-              <a:ext uri="{FF2B5EF4-FFF2-40B4-BE49-F238E27FC236}">
-                <a16:creationId xmlns:a16="http://schemas.microsoft.com/office/drawing/2014/main" id="{8166046C-B3F4-47A6-B239-023E8D6454D7}"/>
-              </a:ext>
-            </a:extLst>
-          </p:cNvPr>
-          <p:cNvSpPr>
-            <a:spLocks noGrp="1"/>
-          </p:cNvSpPr>
-          <p:nvPr>
-            <p:ph type="dt" sz="half" idx="10"/>
+          <p:cNvPr id="6" name="Footer Placeholder 5"/>
+          <p:cNvSpPr>
+            <a:spLocks noGrp="1"/>
+          </p:cNvSpPr>
+          <p:nvPr>
+            <p:ph type="ftr" sz="quarter" idx="11"/>
           </p:nvPr>
         </p:nvSpPr>
         <p:spPr/>
@@ -1415,48 +2229,16 @@
           <a:bodyPr/>
           <a:lstStyle/>
           <a:p>
-            <a:fld id="{B7F08270-7370-41CB-990F-74387E732ADF}" type="datetimeFigureOut">
-              <a:rPr lang="en-GB" smtClean="0"/>
-              <a:t>18/10/2017</a:t>
-            </a:fld>
-            <a:endParaRPr lang="en-GB"/>
-          </a:p>
-        </p:txBody>
-      </p:sp>
-      <p:sp>
-        <p:nvSpPr>
-          <p:cNvPr id="6" name="Footer Placeholder 5">
-            <a:extLst>
-              <a:ext uri="{FF2B5EF4-FFF2-40B4-BE49-F238E27FC236}">
-                <a16:creationId xmlns:a16="http://schemas.microsoft.com/office/drawing/2014/main" id="{31055C59-BC1B-4250-B22A-FD113082D1E4}"/>
-              </a:ext>
-            </a:extLst>
-          </p:cNvPr>
-          <p:cNvSpPr>
-            <a:spLocks noGrp="1"/>
-          </p:cNvSpPr>
-          <p:nvPr>
-            <p:ph type="ftr" sz="quarter" idx="11"/>
-          </p:nvPr>
-        </p:nvSpPr>
-        <p:spPr/>
-        <p:txBody>
-          <a:bodyPr/>
-          <a:lstStyle/>
-          <a:p>
-            <a:endParaRPr lang="en-GB"/>
-          </a:p>
-        </p:txBody>
-      </p:sp>
-      <p:sp>
-        <p:nvSpPr>
-          <p:cNvPr id="7" name="Slide Number Placeholder 6">
-            <a:extLst>
-              <a:ext uri="{FF2B5EF4-FFF2-40B4-BE49-F238E27FC236}">
-                <a16:creationId xmlns:a16="http://schemas.microsoft.com/office/drawing/2014/main" id="{9E9A3BBA-F6CB-4B68-BEF3-D711379AA667}"/>
-              </a:ext>
-            </a:extLst>
-          </p:cNvPr>
+            <a:r>
+              <a:rPr lang="en-GB"/>
+              <a:t>IMS – A6</a:t>
+            </a:r>
+          </a:p>
+        </p:txBody>
+      </p:sp>
+      <p:sp>
+        <p:nvSpPr>
+          <p:cNvPr id="7" name="Slide Number Placeholder 6"/>
           <p:cNvSpPr>
             <a:spLocks noGrp="1"/>
           </p:cNvSpPr>
@@ -1480,7 +2262,7 @@
     </p:spTree>
     <p:extLst>
       <p:ext uri="{BB962C8B-B14F-4D97-AF65-F5344CB8AC3E}">
-        <p14:creationId xmlns:p14="http://schemas.microsoft.com/office/powerpoint/2010/main" val="2899567087"/>
+        <p14:creationId xmlns:p14="http://schemas.microsoft.com/office/powerpoint/2010/main" val="2949534222"/>
       </p:ext>
     </p:extLst>
   </p:cSld>
@@ -1509,13 +2291,7 @@
       </p:grpSpPr>
       <p:sp>
         <p:nvSpPr>
-          <p:cNvPr id="2" name="Title 1">
-            <a:extLst>
-              <a:ext uri="{FF2B5EF4-FFF2-40B4-BE49-F238E27FC236}">
-                <a16:creationId xmlns:a16="http://schemas.microsoft.com/office/drawing/2014/main" id="{F81E9613-F628-4EF7-9618-545FD4E86A2E}"/>
-              </a:ext>
-            </a:extLst>
-          </p:cNvPr>
+          <p:cNvPr id="10" name="Title 9"/>
           <p:cNvSpPr>
             <a:spLocks noGrp="1"/>
           </p:cNvSpPr>
@@ -1525,8 +2301,8 @@
         </p:nvSpPr>
         <p:spPr>
           <a:xfrm>
-            <a:off x="839788" y="365125"/>
-            <a:ext cx="10515600" cy="1325563"/>
+            <a:off x="1097280" y="286603"/>
+            <a:ext cx="10058400" cy="1450757"/>
           </a:xfrm>
         </p:spPr>
         <p:txBody>
@@ -1537,19 +2313,13 @@
               <a:rPr lang="en-US"/>
               <a:t>Click to edit Master title style</a:t>
             </a:r>
-            <a:endParaRPr lang="en-GB"/>
-          </a:p>
-        </p:txBody>
-      </p:sp>
-      <p:sp>
-        <p:nvSpPr>
-          <p:cNvPr id="3" name="Text Placeholder 2">
-            <a:extLst>
-              <a:ext uri="{FF2B5EF4-FFF2-40B4-BE49-F238E27FC236}">
-                <a16:creationId xmlns:a16="http://schemas.microsoft.com/office/drawing/2014/main" id="{F6E09516-19F6-43F8-B856-63BF57EFE366}"/>
-              </a:ext>
-            </a:extLst>
-          </p:cNvPr>
+            <a:endParaRPr lang="en-US" dirty="0"/>
+          </a:p>
+        </p:txBody>
+      </p:sp>
+      <p:sp>
+        <p:nvSpPr>
+          <p:cNvPr id="3" name="Text Placeholder 2"/>
           <p:cNvSpPr>
             <a:spLocks noGrp="1"/>
           </p:cNvSpPr>
@@ -1559,16 +2329,22 @@
         </p:nvSpPr>
         <p:spPr>
           <a:xfrm>
-            <a:off x="839788" y="1681163"/>
-            <a:ext cx="5157787" cy="823912"/>
+            <a:off x="1097280" y="1846052"/>
+            <a:ext cx="4937760" cy="736282"/>
           </a:xfrm>
         </p:spPr>
         <p:txBody>
-          <a:bodyPr anchor="b"/>
+          <a:bodyPr lIns="91440" rIns="91440" anchor="ctr">
+            <a:normAutofit/>
+          </a:bodyPr>
           <a:lstStyle>
             <a:lvl1pPr marL="0" indent="0">
               <a:buNone/>
-              <a:defRPr sz="2400" b="1"/>
+              <a:defRPr sz="2000" b="0" cap="all" baseline="0">
+                <a:solidFill>
+                  <a:schemeClr val="tx2"/>
+                </a:solidFill>
+              </a:defRPr>
             </a:lvl1pPr>
             <a:lvl2pPr marL="457200" indent="0">
               <a:buNone/>
@@ -1614,13 +2390,7 @@
       </p:sp>
       <p:sp>
         <p:nvSpPr>
-          <p:cNvPr id="4" name="Content Placeholder 3">
-            <a:extLst>
-              <a:ext uri="{FF2B5EF4-FFF2-40B4-BE49-F238E27FC236}">
-                <a16:creationId xmlns:a16="http://schemas.microsoft.com/office/drawing/2014/main" id="{8EAE4056-4AFD-4260-8AFA-EAC04307B354}"/>
-              </a:ext>
-            </a:extLst>
-          </p:cNvPr>
+          <p:cNvPr id="4" name="Content Placeholder 3"/>
           <p:cNvSpPr>
             <a:spLocks noGrp="1"/>
           </p:cNvSpPr>
@@ -1630,8 +2400,8 @@
         </p:nvSpPr>
         <p:spPr>
           <a:xfrm>
-            <a:off x="839788" y="2505075"/>
-            <a:ext cx="5157787" cy="3684588"/>
+            <a:off x="1097280" y="2582334"/>
+            <a:ext cx="4937760" cy="3378200"/>
           </a:xfrm>
         </p:spPr>
         <p:txBody>
@@ -1671,19 +2441,13 @@
               <a:rPr lang="en-US"/>
               <a:t>Fifth level</a:t>
             </a:r>
-            <a:endParaRPr lang="en-GB"/>
-          </a:p>
-        </p:txBody>
-      </p:sp>
-      <p:sp>
-        <p:nvSpPr>
-          <p:cNvPr id="5" name="Text Placeholder 4">
-            <a:extLst>
-              <a:ext uri="{FF2B5EF4-FFF2-40B4-BE49-F238E27FC236}">
-                <a16:creationId xmlns:a16="http://schemas.microsoft.com/office/drawing/2014/main" id="{49FE4C0A-D12C-4F54-BCD8-4D4F70D304E3}"/>
-              </a:ext>
-            </a:extLst>
-          </p:cNvPr>
+            <a:endParaRPr lang="en-US" dirty="0"/>
+          </a:p>
+        </p:txBody>
+      </p:sp>
+      <p:sp>
+        <p:nvSpPr>
+          <p:cNvPr id="5" name="Text Placeholder 4"/>
           <p:cNvSpPr>
             <a:spLocks noGrp="1"/>
           </p:cNvSpPr>
@@ -1693,16 +2457,22 @@
         </p:nvSpPr>
         <p:spPr>
           <a:xfrm>
-            <a:off x="6172200" y="1681163"/>
-            <a:ext cx="5183188" cy="823912"/>
+            <a:off x="6217920" y="1846052"/>
+            <a:ext cx="4937760" cy="736282"/>
           </a:xfrm>
         </p:spPr>
         <p:txBody>
-          <a:bodyPr anchor="b"/>
+          <a:bodyPr lIns="91440" rIns="91440" anchor="ctr">
+            <a:normAutofit/>
+          </a:bodyPr>
           <a:lstStyle>
             <a:lvl1pPr marL="0" indent="0">
               <a:buNone/>
-              <a:defRPr sz="2400" b="1"/>
+              <a:defRPr sz="2000" b="0" cap="all" baseline="0">
+                <a:solidFill>
+                  <a:schemeClr val="tx2"/>
+                </a:solidFill>
+              </a:defRPr>
             </a:lvl1pPr>
             <a:lvl2pPr marL="457200" indent="0">
               <a:buNone/>
@@ -1748,13 +2518,7 @@
       </p:sp>
       <p:sp>
         <p:nvSpPr>
-          <p:cNvPr id="6" name="Content Placeholder 5">
-            <a:extLst>
-              <a:ext uri="{FF2B5EF4-FFF2-40B4-BE49-F238E27FC236}">
-                <a16:creationId xmlns:a16="http://schemas.microsoft.com/office/drawing/2014/main" id="{DEF02BE6-C0DE-40C5-B76E-F9B364B4B235}"/>
-              </a:ext>
-            </a:extLst>
-          </p:cNvPr>
+          <p:cNvPr id="6" name="Content Placeholder 5"/>
           <p:cNvSpPr>
             <a:spLocks noGrp="1"/>
           </p:cNvSpPr>
@@ -1764,8 +2528,8 @@
         </p:nvSpPr>
         <p:spPr>
           <a:xfrm>
-            <a:off x="6172200" y="2505075"/>
-            <a:ext cx="5183188" cy="3684588"/>
+            <a:off x="6217920" y="2582334"/>
+            <a:ext cx="4937760" cy="3378200"/>
           </a:xfrm>
         </p:spPr>
         <p:txBody>
@@ -1805,24 +2569,41 @@
               <a:rPr lang="en-US"/>
               <a:t>Fifth level</a:t>
             </a:r>
+            <a:endParaRPr lang="en-US" dirty="0"/>
+          </a:p>
+        </p:txBody>
+      </p:sp>
+      <p:sp>
+        <p:nvSpPr>
+          <p:cNvPr id="7" name="Date Placeholder 6"/>
+          <p:cNvSpPr>
+            <a:spLocks noGrp="1"/>
+          </p:cNvSpPr>
+          <p:nvPr>
+            <p:ph type="dt" sz="half" idx="10"/>
+          </p:nvPr>
+        </p:nvSpPr>
+        <p:spPr/>
+        <p:txBody>
+          <a:bodyPr/>
+          <a:lstStyle/>
+          <a:p>
+            <a:r>
+              <a:rPr lang="en-US"/>
+              <a:t>A.Y. 2017/18</a:t>
+            </a:r>
             <a:endParaRPr lang="en-GB"/>
           </a:p>
         </p:txBody>
       </p:sp>
       <p:sp>
         <p:nvSpPr>
-          <p:cNvPr id="7" name="Date Placeholder 6">
-            <a:extLst>
-              <a:ext uri="{FF2B5EF4-FFF2-40B4-BE49-F238E27FC236}">
-                <a16:creationId xmlns:a16="http://schemas.microsoft.com/office/drawing/2014/main" id="{D2794FB1-EC3A-44FB-B2B9-1349BB2D4F7C}"/>
-              </a:ext>
-            </a:extLst>
-          </p:cNvPr>
-          <p:cNvSpPr>
-            <a:spLocks noGrp="1"/>
-          </p:cNvSpPr>
-          <p:nvPr>
-            <p:ph type="dt" sz="half" idx="10"/>
+          <p:cNvPr id="8" name="Footer Placeholder 7"/>
+          <p:cNvSpPr>
+            <a:spLocks noGrp="1"/>
+          </p:cNvSpPr>
+          <p:nvPr>
+            <p:ph type="ftr" sz="quarter" idx="11"/>
           </p:nvPr>
         </p:nvSpPr>
         <p:spPr/>
@@ -1830,48 +2611,16 @@
           <a:bodyPr/>
           <a:lstStyle/>
           <a:p>
-            <a:fld id="{B7F08270-7370-41CB-990F-74387E732ADF}" type="datetimeFigureOut">
-              <a:rPr lang="en-GB" smtClean="0"/>
-              <a:t>18/10/2017</a:t>
-            </a:fld>
-            <a:endParaRPr lang="en-GB"/>
-          </a:p>
-        </p:txBody>
-      </p:sp>
-      <p:sp>
-        <p:nvSpPr>
-          <p:cNvPr id="8" name="Footer Placeholder 7">
-            <a:extLst>
-              <a:ext uri="{FF2B5EF4-FFF2-40B4-BE49-F238E27FC236}">
-                <a16:creationId xmlns:a16="http://schemas.microsoft.com/office/drawing/2014/main" id="{81A9877E-1E3C-43FF-979F-7C06AF2AEC34}"/>
-              </a:ext>
-            </a:extLst>
-          </p:cNvPr>
-          <p:cNvSpPr>
-            <a:spLocks noGrp="1"/>
-          </p:cNvSpPr>
-          <p:nvPr>
-            <p:ph type="ftr" sz="quarter" idx="11"/>
-          </p:nvPr>
-        </p:nvSpPr>
-        <p:spPr/>
-        <p:txBody>
-          <a:bodyPr/>
-          <a:lstStyle/>
-          <a:p>
-            <a:endParaRPr lang="en-GB"/>
-          </a:p>
-        </p:txBody>
-      </p:sp>
-      <p:sp>
-        <p:nvSpPr>
-          <p:cNvPr id="9" name="Slide Number Placeholder 8">
-            <a:extLst>
-              <a:ext uri="{FF2B5EF4-FFF2-40B4-BE49-F238E27FC236}">
-                <a16:creationId xmlns:a16="http://schemas.microsoft.com/office/drawing/2014/main" id="{F0DE838F-8AFB-4B0A-88AC-EB4F86584340}"/>
-              </a:ext>
-            </a:extLst>
-          </p:cNvPr>
+            <a:r>
+              <a:rPr lang="en-GB"/>
+              <a:t>IMS – A6</a:t>
+            </a:r>
+          </a:p>
+        </p:txBody>
+      </p:sp>
+      <p:sp>
+        <p:nvSpPr>
+          <p:cNvPr id="9" name="Slide Number Placeholder 8"/>
           <p:cNvSpPr>
             <a:spLocks noGrp="1"/>
           </p:cNvSpPr>
@@ -1895,7 +2644,7 @@
     </p:spTree>
     <p:extLst>
       <p:ext uri="{BB962C8B-B14F-4D97-AF65-F5344CB8AC3E}">
-        <p14:creationId xmlns:p14="http://schemas.microsoft.com/office/powerpoint/2010/main" val="3051156993"/>
+        <p14:creationId xmlns:p14="http://schemas.microsoft.com/office/powerpoint/2010/main" val="3651371935"/>
       </p:ext>
     </p:extLst>
   </p:cSld>
@@ -1924,13 +2673,7 @@
       </p:grpSpPr>
       <p:sp>
         <p:nvSpPr>
-          <p:cNvPr id="2" name="Title 1">
-            <a:extLst>
-              <a:ext uri="{FF2B5EF4-FFF2-40B4-BE49-F238E27FC236}">
-                <a16:creationId xmlns:a16="http://schemas.microsoft.com/office/drawing/2014/main" id="{4FC2FABD-7AED-47F2-BDCC-8516219751BC}"/>
-              </a:ext>
-            </a:extLst>
-          </p:cNvPr>
+          <p:cNvPr id="2" name="Title 1"/>
           <p:cNvSpPr>
             <a:spLocks noGrp="1"/>
           </p:cNvSpPr>
@@ -1947,24 +2690,41 @@
               <a:rPr lang="en-US"/>
               <a:t>Click to edit Master title style</a:t>
             </a:r>
+            <a:endParaRPr lang="en-US" dirty="0"/>
+          </a:p>
+        </p:txBody>
+      </p:sp>
+      <p:sp>
+        <p:nvSpPr>
+          <p:cNvPr id="3" name="Date Placeholder 2"/>
+          <p:cNvSpPr>
+            <a:spLocks noGrp="1"/>
+          </p:cNvSpPr>
+          <p:nvPr>
+            <p:ph type="dt" sz="half" idx="10"/>
+          </p:nvPr>
+        </p:nvSpPr>
+        <p:spPr/>
+        <p:txBody>
+          <a:bodyPr/>
+          <a:lstStyle/>
+          <a:p>
+            <a:r>
+              <a:rPr lang="en-US"/>
+              <a:t>A.Y. 2017/18</a:t>
+            </a:r>
             <a:endParaRPr lang="en-GB"/>
           </a:p>
         </p:txBody>
       </p:sp>
       <p:sp>
         <p:nvSpPr>
-          <p:cNvPr id="3" name="Date Placeholder 2">
-            <a:extLst>
-              <a:ext uri="{FF2B5EF4-FFF2-40B4-BE49-F238E27FC236}">
-                <a16:creationId xmlns:a16="http://schemas.microsoft.com/office/drawing/2014/main" id="{0A810A57-20ED-4206-A42A-0EC11639445F}"/>
-              </a:ext>
-            </a:extLst>
-          </p:cNvPr>
-          <p:cNvSpPr>
-            <a:spLocks noGrp="1"/>
-          </p:cNvSpPr>
-          <p:nvPr>
-            <p:ph type="dt" sz="half" idx="10"/>
+          <p:cNvPr id="4" name="Footer Placeholder 3"/>
+          <p:cNvSpPr>
+            <a:spLocks noGrp="1"/>
+          </p:cNvSpPr>
+          <p:nvPr>
+            <p:ph type="ftr" sz="quarter" idx="11"/>
           </p:nvPr>
         </p:nvSpPr>
         <p:spPr/>
@@ -1972,48 +2732,16 @@
           <a:bodyPr/>
           <a:lstStyle/>
           <a:p>
-            <a:fld id="{B7F08270-7370-41CB-990F-74387E732ADF}" type="datetimeFigureOut">
-              <a:rPr lang="en-GB" smtClean="0"/>
-              <a:t>18/10/2017</a:t>
-            </a:fld>
-            <a:endParaRPr lang="en-GB"/>
-          </a:p>
-        </p:txBody>
-      </p:sp>
-      <p:sp>
-        <p:nvSpPr>
-          <p:cNvPr id="4" name="Footer Placeholder 3">
-            <a:extLst>
-              <a:ext uri="{FF2B5EF4-FFF2-40B4-BE49-F238E27FC236}">
-                <a16:creationId xmlns:a16="http://schemas.microsoft.com/office/drawing/2014/main" id="{B33A937A-22C2-47FA-A96D-FEF39C5DD44D}"/>
-              </a:ext>
-            </a:extLst>
-          </p:cNvPr>
-          <p:cNvSpPr>
-            <a:spLocks noGrp="1"/>
-          </p:cNvSpPr>
-          <p:nvPr>
-            <p:ph type="ftr" sz="quarter" idx="11"/>
-          </p:nvPr>
-        </p:nvSpPr>
-        <p:spPr/>
-        <p:txBody>
-          <a:bodyPr/>
-          <a:lstStyle/>
-          <a:p>
-            <a:endParaRPr lang="en-GB"/>
-          </a:p>
-        </p:txBody>
-      </p:sp>
-      <p:sp>
-        <p:nvSpPr>
-          <p:cNvPr id="5" name="Slide Number Placeholder 4">
-            <a:extLst>
-              <a:ext uri="{FF2B5EF4-FFF2-40B4-BE49-F238E27FC236}">
-                <a16:creationId xmlns:a16="http://schemas.microsoft.com/office/drawing/2014/main" id="{24A676F9-D623-4B94-9E43-B3817F39696E}"/>
-              </a:ext>
-            </a:extLst>
-          </p:cNvPr>
+            <a:r>
+              <a:rPr lang="en-GB"/>
+              <a:t>IMS – A6</a:t>
+            </a:r>
+          </a:p>
+        </p:txBody>
+      </p:sp>
+      <p:sp>
+        <p:nvSpPr>
+          <p:cNvPr id="5" name="Slide Number Placeholder 4"/>
           <p:cNvSpPr>
             <a:spLocks noGrp="1"/>
           </p:cNvSpPr>
@@ -2037,7 +2765,7 @@
     </p:spTree>
     <p:extLst>
       <p:ext uri="{BB962C8B-B14F-4D97-AF65-F5344CB8AC3E}">
-        <p14:creationId xmlns:p14="http://schemas.microsoft.com/office/powerpoint/2010/main" val="2021832484"/>
+        <p14:creationId xmlns:p14="http://schemas.microsoft.com/office/powerpoint/2010/main" val="3272244328"/>
       </p:ext>
     </p:extLst>
   </p:cSld>
@@ -2048,7 +2776,7 @@
 </file>
 
 <file path=ppt/slideLayouts/slideLayout7.xml><?xml version="1.0" encoding="utf-8"?>
-<p:sldLayout xmlns:a="http://schemas.openxmlformats.org/drawingml/2006/main" xmlns:r="http://schemas.openxmlformats.org/officeDocument/2006/relationships" xmlns:p="http://schemas.openxmlformats.org/presentationml/2006/main" type="blank" preserve="1">
+<p:sldLayout xmlns:a="http://schemas.openxmlformats.org/drawingml/2006/main" xmlns:r="http://schemas.openxmlformats.org/officeDocument/2006/relationships" xmlns:p="http://schemas.openxmlformats.org/presentationml/2006/main" showMasterSp="0" type="blank" preserve="1">
   <p:cSld name="Blank">
     <p:spTree>
       <p:nvGrpSpPr>
@@ -2066,13 +2794,83 @@
       </p:grpSpPr>
       <p:sp>
         <p:nvSpPr>
-          <p:cNvPr id="2" name="Date Placeholder 1">
-            <a:extLst>
-              <a:ext uri="{FF2B5EF4-FFF2-40B4-BE49-F238E27FC236}">
-                <a16:creationId xmlns:a16="http://schemas.microsoft.com/office/drawing/2014/main" id="{5C3F5A72-9F5B-4814-AAF1-BC13E484FC7A}"/>
-              </a:ext>
-            </a:extLst>
-          </p:cNvPr>
+          <p:cNvPr id="5" name="Rectangle 4"/>
+          <p:cNvSpPr/>
+          <p:nvPr/>
+        </p:nvSpPr>
+        <p:spPr>
+          <a:xfrm>
+            <a:off x="3175" y="6400800"/>
+            <a:ext cx="12188825" cy="457200"/>
+          </a:xfrm>
+          <a:prstGeom prst="rect">
+            <a:avLst/>
+          </a:prstGeom>
+          <a:solidFill>
+            <a:schemeClr val="accent2"/>
+          </a:solidFill>
+          <a:ln>
+            <a:noFill/>
+          </a:ln>
+        </p:spPr>
+        <p:style>
+          <a:lnRef idx="2">
+            <a:schemeClr val="accent1">
+              <a:shade val="50000"/>
+            </a:schemeClr>
+          </a:lnRef>
+          <a:fillRef idx="1">
+            <a:schemeClr val="accent1"/>
+          </a:fillRef>
+          <a:effectRef idx="0">
+            <a:schemeClr val="accent1"/>
+          </a:effectRef>
+          <a:fontRef idx="minor">
+            <a:schemeClr val="lt1"/>
+          </a:fontRef>
+        </p:style>
+      </p:sp>
+      <p:sp>
+        <p:nvSpPr>
+          <p:cNvPr id="6" name="Rectangle 5"/>
+          <p:cNvSpPr/>
+          <p:nvPr/>
+        </p:nvSpPr>
+        <p:spPr>
+          <a:xfrm>
+            <a:off x="15" y="6334316"/>
+            <a:ext cx="12188825" cy="64008"/>
+          </a:xfrm>
+          <a:prstGeom prst="rect">
+            <a:avLst/>
+          </a:prstGeom>
+          <a:solidFill>
+            <a:schemeClr val="accent1"/>
+          </a:solidFill>
+          <a:ln>
+            <a:noFill/>
+          </a:ln>
+        </p:spPr>
+        <p:style>
+          <a:lnRef idx="2">
+            <a:schemeClr val="accent1">
+              <a:shade val="50000"/>
+            </a:schemeClr>
+          </a:lnRef>
+          <a:fillRef idx="1">
+            <a:schemeClr val="accent1"/>
+          </a:fillRef>
+          <a:effectRef idx="0">
+            <a:schemeClr val="accent1"/>
+          </a:effectRef>
+          <a:fontRef idx="minor">
+            <a:schemeClr val="lt1"/>
+          </a:fontRef>
+        </p:style>
+      </p:sp>
+      <p:sp>
+        <p:nvSpPr>
+          <p:cNvPr id="7" name="Date Placeholder 6"/>
           <p:cNvSpPr>
             <a:spLocks noGrp="1"/>
           </p:cNvSpPr>
@@ -2085,23 +2883,17 @@
           <a:bodyPr/>
           <a:lstStyle/>
           <a:p>
-            <a:fld id="{B7F08270-7370-41CB-990F-74387E732ADF}" type="datetimeFigureOut">
-              <a:rPr lang="en-GB" smtClean="0"/>
-              <a:t>18/10/2017</a:t>
-            </a:fld>
+            <a:r>
+              <a:rPr lang="en-US"/>
+              <a:t>A.Y. 2017/18</a:t>
+            </a:r>
             <a:endParaRPr lang="en-GB"/>
           </a:p>
         </p:txBody>
       </p:sp>
       <p:sp>
         <p:nvSpPr>
-          <p:cNvPr id="3" name="Footer Placeholder 2">
-            <a:extLst>
-              <a:ext uri="{FF2B5EF4-FFF2-40B4-BE49-F238E27FC236}">
-                <a16:creationId xmlns:a16="http://schemas.microsoft.com/office/drawing/2014/main" id="{CD32F331-6972-4333-AF91-8472856F1D4F}"/>
-              </a:ext>
-            </a:extLst>
-          </p:cNvPr>
+          <p:cNvPr id="8" name="Footer Placeholder 7"/>
           <p:cNvSpPr>
             <a:spLocks noGrp="1"/>
           </p:cNvSpPr>
@@ -2112,21 +2904,26 @@
         <p:spPr/>
         <p:txBody>
           <a:bodyPr/>
-          <a:lstStyle/>
-          <a:p>
-            <a:endParaRPr lang="en-GB"/>
-          </a:p>
-        </p:txBody>
-      </p:sp>
-      <p:sp>
-        <p:nvSpPr>
-          <p:cNvPr id="4" name="Slide Number Placeholder 3">
-            <a:extLst>
-              <a:ext uri="{FF2B5EF4-FFF2-40B4-BE49-F238E27FC236}">
-                <a16:creationId xmlns:a16="http://schemas.microsoft.com/office/drawing/2014/main" id="{3BAE860D-9630-4462-A0A6-94A09DA9FCD5}"/>
-              </a:ext>
-            </a:extLst>
-          </p:cNvPr>
+          <a:lstStyle>
+            <a:lvl1pPr>
+              <a:defRPr>
+                <a:solidFill>
+                  <a:srgbClr val="FFFFFF"/>
+                </a:solidFill>
+              </a:defRPr>
+            </a:lvl1pPr>
+          </a:lstStyle>
+          <a:p>
+            <a:r>
+              <a:rPr lang="en-GB"/>
+              <a:t>IMS – A6</a:t>
+            </a:r>
+          </a:p>
+        </p:txBody>
+      </p:sp>
+      <p:sp>
+        <p:nvSpPr>
+          <p:cNvPr id="9" name="Slide Number Placeholder 8"/>
           <p:cNvSpPr>
             <a:spLocks noGrp="1"/>
           </p:cNvSpPr>
@@ -2150,7 +2947,7 @@
     </p:spTree>
     <p:extLst>
       <p:ext uri="{BB962C8B-B14F-4D97-AF65-F5344CB8AC3E}">
-        <p14:creationId xmlns:p14="http://schemas.microsoft.com/office/powerpoint/2010/main" val="4241096851"/>
+        <p14:creationId xmlns:p14="http://schemas.microsoft.com/office/powerpoint/2010/main" val="2665712015"/>
       </p:ext>
     </p:extLst>
   </p:cSld>
@@ -2161,7 +2958,7 @@
 </file>
 
 <file path=ppt/slideLayouts/slideLayout8.xml><?xml version="1.0" encoding="utf-8"?>
-<p:sldLayout xmlns:a="http://schemas.openxmlformats.org/drawingml/2006/main" xmlns:r="http://schemas.openxmlformats.org/officeDocument/2006/relationships" xmlns:p="http://schemas.openxmlformats.org/presentationml/2006/main" type="objTx" preserve="1">
+<p:sldLayout xmlns:a="http://schemas.openxmlformats.org/drawingml/2006/main" xmlns:r="http://schemas.openxmlformats.org/officeDocument/2006/relationships" xmlns:p="http://schemas.openxmlformats.org/presentationml/2006/main" showMasterSp="0" type="objTx" preserve="1">
   <p:cSld name="Content with Caption">
     <p:spTree>
       <p:nvGrpSpPr>
@@ -2179,31 +2976,107 @@
       </p:grpSpPr>
       <p:sp>
         <p:nvSpPr>
-          <p:cNvPr id="2" name="Title 1">
-            <a:extLst>
-              <a:ext uri="{FF2B5EF4-FFF2-40B4-BE49-F238E27FC236}">
-                <a16:creationId xmlns:a16="http://schemas.microsoft.com/office/drawing/2014/main" id="{61B30B5B-F82B-469E-A298-04DBE915CEEC}"/>
-              </a:ext>
-            </a:extLst>
-          </p:cNvPr>
-          <p:cNvSpPr>
-            <a:spLocks noGrp="1"/>
-          </p:cNvSpPr>
-          <p:nvPr>
-            <p:ph type="title"/>
-          </p:nvPr>
+          <p:cNvPr id="8" name="Rectangle 7"/>
+          <p:cNvSpPr/>
+          <p:nvPr/>
         </p:nvSpPr>
         <p:spPr>
           <a:xfrm>
-            <a:off x="839788" y="457200"/>
-            <a:ext cx="3932237" cy="1600200"/>
+            <a:off x="16" y="0"/>
+            <a:ext cx="4050791" cy="6858000"/>
+          </a:xfrm>
+          <a:prstGeom prst="rect">
+            <a:avLst/>
+          </a:prstGeom>
+          <a:solidFill>
+            <a:schemeClr val="accent2"/>
+          </a:solidFill>
+          <a:ln>
+            <a:noFill/>
+          </a:ln>
+        </p:spPr>
+        <p:style>
+          <a:lnRef idx="2">
+            <a:schemeClr val="accent1">
+              <a:shade val="50000"/>
+            </a:schemeClr>
+          </a:lnRef>
+          <a:fillRef idx="1">
+            <a:schemeClr val="accent1"/>
+          </a:fillRef>
+          <a:effectRef idx="0">
+            <a:schemeClr val="accent1"/>
+          </a:effectRef>
+          <a:fontRef idx="minor">
+            <a:schemeClr val="lt1"/>
+          </a:fontRef>
+        </p:style>
+      </p:sp>
+      <p:sp>
+        <p:nvSpPr>
+          <p:cNvPr id="9" name="Rectangle 8"/>
+          <p:cNvSpPr/>
+          <p:nvPr/>
+        </p:nvSpPr>
+        <p:spPr>
+          <a:xfrm>
+            <a:off x="4040071" y="0"/>
+            <a:ext cx="64008" cy="6858000"/>
+          </a:xfrm>
+          <a:prstGeom prst="rect">
+            <a:avLst/>
+          </a:prstGeom>
+          <a:solidFill>
+            <a:schemeClr val="accent1"/>
+          </a:solidFill>
+          <a:ln>
+            <a:noFill/>
+          </a:ln>
+        </p:spPr>
+        <p:style>
+          <a:lnRef idx="2">
+            <a:schemeClr val="accent1">
+              <a:shade val="50000"/>
+            </a:schemeClr>
+          </a:lnRef>
+          <a:fillRef idx="1">
+            <a:schemeClr val="accent1"/>
+          </a:fillRef>
+          <a:effectRef idx="0">
+            <a:schemeClr val="accent1"/>
+          </a:effectRef>
+          <a:fontRef idx="minor">
+            <a:schemeClr val="lt1"/>
+          </a:fontRef>
+        </p:style>
+      </p:sp>
+      <p:sp>
+        <p:nvSpPr>
+          <p:cNvPr id="2" name="Title 1"/>
+          <p:cNvSpPr>
+            <a:spLocks noGrp="1"/>
+          </p:cNvSpPr>
+          <p:nvPr>
+            <p:ph type="title"/>
+          </p:nvPr>
+        </p:nvSpPr>
+        <p:spPr>
+          <a:xfrm>
+            <a:off x="457200" y="594359"/>
+            <a:ext cx="3200400" cy="2286000"/>
           </a:xfrm>
         </p:spPr>
         <p:txBody>
-          <a:bodyPr anchor="b"/>
+          <a:bodyPr anchor="b">
+            <a:normAutofit/>
+          </a:bodyPr>
           <a:lstStyle>
             <a:lvl1pPr>
-              <a:defRPr sz="3200"/>
+              <a:defRPr sz="3600" b="0">
+                <a:solidFill>
+                  <a:srgbClr val="FFFFFF"/>
+                </a:solidFill>
+              </a:defRPr>
             </a:lvl1pPr>
           </a:lstStyle>
           <a:p>
@@ -2211,19 +3084,13 @@
               <a:rPr lang="en-US"/>
               <a:t>Click to edit Master title style</a:t>
             </a:r>
-            <a:endParaRPr lang="en-GB"/>
-          </a:p>
-        </p:txBody>
-      </p:sp>
-      <p:sp>
-        <p:nvSpPr>
-          <p:cNvPr id="3" name="Content Placeholder 2">
-            <a:extLst>
-              <a:ext uri="{FF2B5EF4-FFF2-40B4-BE49-F238E27FC236}">
-                <a16:creationId xmlns:a16="http://schemas.microsoft.com/office/drawing/2014/main" id="{207B7BB3-5D66-489E-AFDF-3D9A3F694588}"/>
-              </a:ext>
-            </a:extLst>
-          </p:cNvPr>
+            <a:endParaRPr lang="en-US" dirty="0"/>
+          </a:p>
+        </p:txBody>
+      </p:sp>
+      <p:sp>
+        <p:nvSpPr>
+          <p:cNvPr id="3" name="Content Placeholder 2"/>
           <p:cNvSpPr>
             <a:spLocks noGrp="1"/>
           </p:cNvSpPr>
@@ -2233,224 +3100,211 @@
         </p:nvSpPr>
         <p:spPr>
           <a:xfrm>
-            <a:off x="5183188" y="987425"/>
-            <a:ext cx="6172200" cy="4873625"/>
+            <a:off x="4800600" y="731520"/>
+            <a:ext cx="6492240" cy="5257800"/>
           </a:xfrm>
         </p:spPr>
         <p:txBody>
           <a:bodyPr/>
+          <a:lstStyle/>
+          <a:p>
+            <a:pPr lvl="0"/>
+            <a:r>
+              <a:rPr lang="en-US"/>
+              <a:t>Edit Master text styles</a:t>
+            </a:r>
+          </a:p>
+          <a:p>
+            <a:pPr lvl="1"/>
+            <a:r>
+              <a:rPr lang="en-US"/>
+              <a:t>Second level</a:t>
+            </a:r>
+          </a:p>
+          <a:p>
+            <a:pPr lvl="2"/>
+            <a:r>
+              <a:rPr lang="en-US"/>
+              <a:t>Third level</a:t>
+            </a:r>
+          </a:p>
+          <a:p>
+            <a:pPr lvl="3"/>
+            <a:r>
+              <a:rPr lang="en-US"/>
+              <a:t>Fourth level</a:t>
+            </a:r>
+          </a:p>
+          <a:p>
+            <a:pPr lvl="4"/>
+            <a:r>
+              <a:rPr lang="en-US"/>
+              <a:t>Fifth level</a:t>
+            </a:r>
+            <a:endParaRPr lang="en-US" dirty="0"/>
+          </a:p>
+        </p:txBody>
+      </p:sp>
+      <p:sp>
+        <p:nvSpPr>
+          <p:cNvPr id="4" name="Text Placeholder 3"/>
+          <p:cNvSpPr>
+            <a:spLocks noGrp="1"/>
+          </p:cNvSpPr>
+          <p:nvPr>
+            <p:ph type="body" sz="half" idx="2"/>
+          </p:nvPr>
+        </p:nvSpPr>
+        <p:spPr>
+          <a:xfrm>
+            <a:off x="457200" y="2926080"/>
+            <a:ext cx="3200400" cy="3379124"/>
+          </a:xfrm>
+        </p:spPr>
+        <p:txBody>
+          <a:bodyPr lIns="91440" rIns="91440">
+            <a:normAutofit/>
+          </a:bodyPr>
+          <a:lstStyle>
+            <a:lvl1pPr marL="0" indent="0">
+              <a:buNone/>
+              <a:defRPr sz="1500">
+                <a:solidFill>
+                  <a:srgbClr val="FFFFFF"/>
+                </a:solidFill>
+              </a:defRPr>
+            </a:lvl1pPr>
+            <a:lvl2pPr marL="457200" indent="0">
+              <a:buNone/>
+              <a:defRPr sz="1200"/>
+            </a:lvl2pPr>
+            <a:lvl3pPr marL="914400" indent="0">
+              <a:buNone/>
+              <a:defRPr sz="1000"/>
+            </a:lvl3pPr>
+            <a:lvl4pPr marL="1371600" indent="0">
+              <a:buNone/>
+              <a:defRPr sz="900"/>
+            </a:lvl4pPr>
+            <a:lvl5pPr marL="1828800" indent="0">
+              <a:buNone/>
+              <a:defRPr sz="900"/>
+            </a:lvl5pPr>
+            <a:lvl6pPr marL="2286000" indent="0">
+              <a:buNone/>
+              <a:defRPr sz="900"/>
+            </a:lvl6pPr>
+            <a:lvl7pPr marL="2743200" indent="0">
+              <a:buNone/>
+              <a:defRPr sz="900"/>
+            </a:lvl7pPr>
+            <a:lvl8pPr marL="3200400" indent="0">
+              <a:buNone/>
+              <a:defRPr sz="900"/>
+            </a:lvl8pPr>
+            <a:lvl9pPr marL="3657600" indent="0">
+              <a:buNone/>
+              <a:defRPr sz="900"/>
+            </a:lvl9pPr>
+          </a:lstStyle>
+          <a:p>
+            <a:pPr lvl="0"/>
+            <a:r>
+              <a:rPr lang="en-US"/>
+              <a:t>Edit Master text styles</a:t>
+            </a:r>
+          </a:p>
+        </p:txBody>
+      </p:sp>
+      <p:sp>
+        <p:nvSpPr>
+          <p:cNvPr id="5" name="Date Placeholder 4"/>
+          <p:cNvSpPr>
+            <a:spLocks noGrp="1"/>
+          </p:cNvSpPr>
+          <p:nvPr>
+            <p:ph type="dt" sz="half" idx="10"/>
+          </p:nvPr>
+        </p:nvSpPr>
+        <p:spPr>
+          <a:xfrm>
+            <a:off x="465512" y="6459785"/>
+            <a:ext cx="2618510" cy="365125"/>
+          </a:xfrm>
+        </p:spPr>
+        <p:txBody>
+          <a:bodyPr/>
+          <a:lstStyle>
+            <a:lvl1pPr algn="l">
+              <a:defRPr/>
+            </a:lvl1pPr>
+          </a:lstStyle>
+          <a:p>
+            <a:r>
+              <a:rPr lang="en-US"/>
+              <a:t>A.Y. 2017/18</a:t>
+            </a:r>
+            <a:endParaRPr lang="en-GB"/>
+          </a:p>
+        </p:txBody>
+      </p:sp>
+      <p:sp>
+        <p:nvSpPr>
+          <p:cNvPr id="6" name="Footer Placeholder 5"/>
+          <p:cNvSpPr>
+            <a:spLocks noGrp="1"/>
+          </p:cNvSpPr>
+          <p:nvPr>
+            <p:ph type="ftr" sz="quarter" idx="11"/>
+          </p:nvPr>
+        </p:nvSpPr>
+        <p:spPr>
+          <a:xfrm>
+            <a:off x="4800600" y="6459785"/>
+            <a:ext cx="4648200" cy="365125"/>
+          </a:xfrm>
+        </p:spPr>
+        <p:txBody>
+          <a:bodyPr/>
+          <a:lstStyle>
+            <a:lvl1pPr algn="l">
+              <a:defRPr>
+                <a:solidFill>
+                  <a:schemeClr val="tx2"/>
+                </a:solidFill>
+              </a:defRPr>
+            </a:lvl1pPr>
+          </a:lstStyle>
+          <a:p>
+            <a:r>
+              <a:rPr lang="en-GB"/>
+              <a:t>IMS – A6</a:t>
+            </a:r>
+          </a:p>
+        </p:txBody>
+      </p:sp>
+      <p:sp>
+        <p:nvSpPr>
+          <p:cNvPr id="7" name="Slide Number Placeholder 6"/>
+          <p:cNvSpPr>
+            <a:spLocks noGrp="1"/>
+          </p:cNvSpPr>
+          <p:nvPr>
+            <p:ph type="sldNum" sz="quarter" idx="12"/>
+          </p:nvPr>
+        </p:nvSpPr>
+        <p:spPr/>
+        <p:txBody>
+          <a:bodyPr/>
           <a:lstStyle>
             <a:lvl1pPr>
-              <a:defRPr sz="3200"/>
+              <a:defRPr>
+                <a:solidFill>
+                  <a:schemeClr val="tx2"/>
+                </a:solidFill>
+              </a:defRPr>
             </a:lvl1pPr>
-            <a:lvl2pPr>
-              <a:defRPr sz="2800"/>
-            </a:lvl2pPr>
-            <a:lvl3pPr>
-              <a:defRPr sz="2400"/>
-            </a:lvl3pPr>
-            <a:lvl4pPr>
-              <a:defRPr sz="2000"/>
-            </a:lvl4pPr>
-            <a:lvl5pPr>
-              <a:defRPr sz="2000"/>
-            </a:lvl5pPr>
-            <a:lvl6pPr>
-              <a:defRPr sz="2000"/>
-            </a:lvl6pPr>
-            <a:lvl7pPr>
-              <a:defRPr sz="2000"/>
-            </a:lvl7pPr>
-            <a:lvl8pPr>
-              <a:defRPr sz="2000"/>
-            </a:lvl8pPr>
-            <a:lvl9pPr>
-              <a:defRPr sz="2000"/>
-            </a:lvl9pPr>
           </a:lstStyle>
-          <a:p>
-            <a:pPr lvl="0"/>
-            <a:r>
-              <a:rPr lang="en-US"/>
-              <a:t>Edit Master text styles</a:t>
-            </a:r>
-          </a:p>
-          <a:p>
-            <a:pPr lvl="1"/>
-            <a:r>
-              <a:rPr lang="en-US"/>
-              <a:t>Second level</a:t>
-            </a:r>
-          </a:p>
-          <a:p>
-            <a:pPr lvl="2"/>
-            <a:r>
-              <a:rPr lang="en-US"/>
-              <a:t>Third level</a:t>
-            </a:r>
-          </a:p>
-          <a:p>
-            <a:pPr lvl="3"/>
-            <a:r>
-              <a:rPr lang="en-US"/>
-              <a:t>Fourth level</a:t>
-            </a:r>
-          </a:p>
-          <a:p>
-            <a:pPr lvl="4"/>
-            <a:r>
-              <a:rPr lang="en-US"/>
-              <a:t>Fifth level</a:t>
-            </a:r>
-            <a:endParaRPr lang="en-GB"/>
-          </a:p>
-        </p:txBody>
-      </p:sp>
-      <p:sp>
-        <p:nvSpPr>
-          <p:cNvPr id="4" name="Text Placeholder 3">
-            <a:extLst>
-              <a:ext uri="{FF2B5EF4-FFF2-40B4-BE49-F238E27FC236}">
-                <a16:creationId xmlns:a16="http://schemas.microsoft.com/office/drawing/2014/main" id="{CF79AC1D-8F30-4EE0-AE31-8DEF4C3280D2}"/>
-              </a:ext>
-            </a:extLst>
-          </p:cNvPr>
-          <p:cNvSpPr>
-            <a:spLocks noGrp="1"/>
-          </p:cNvSpPr>
-          <p:nvPr>
-            <p:ph type="body" sz="half" idx="2"/>
-          </p:nvPr>
-        </p:nvSpPr>
-        <p:spPr>
-          <a:xfrm>
-            <a:off x="839788" y="2057400"/>
-            <a:ext cx="3932237" cy="3811588"/>
-          </a:xfrm>
-        </p:spPr>
-        <p:txBody>
-          <a:bodyPr/>
-          <a:lstStyle>
-            <a:lvl1pPr marL="0" indent="0">
-              <a:buNone/>
-              <a:defRPr sz="1600"/>
-            </a:lvl1pPr>
-            <a:lvl2pPr marL="457200" indent="0">
-              <a:buNone/>
-              <a:defRPr sz="1400"/>
-            </a:lvl2pPr>
-            <a:lvl3pPr marL="914400" indent="0">
-              <a:buNone/>
-              <a:defRPr sz="1200"/>
-            </a:lvl3pPr>
-            <a:lvl4pPr marL="1371600" indent="0">
-              <a:buNone/>
-              <a:defRPr sz="1000"/>
-            </a:lvl4pPr>
-            <a:lvl5pPr marL="1828800" indent="0">
-              <a:buNone/>
-              <a:defRPr sz="1000"/>
-            </a:lvl5pPr>
-            <a:lvl6pPr marL="2286000" indent="0">
-              <a:buNone/>
-              <a:defRPr sz="1000"/>
-            </a:lvl6pPr>
-            <a:lvl7pPr marL="2743200" indent="0">
-              <a:buNone/>
-              <a:defRPr sz="1000"/>
-            </a:lvl7pPr>
-            <a:lvl8pPr marL="3200400" indent="0">
-              <a:buNone/>
-              <a:defRPr sz="1000"/>
-            </a:lvl8pPr>
-            <a:lvl9pPr marL="3657600" indent="0">
-              <a:buNone/>
-              <a:defRPr sz="1000"/>
-            </a:lvl9pPr>
-          </a:lstStyle>
-          <a:p>
-            <a:pPr lvl="0"/>
-            <a:r>
-              <a:rPr lang="en-US"/>
-              <a:t>Edit Master text styles</a:t>
-            </a:r>
-          </a:p>
-        </p:txBody>
-      </p:sp>
-      <p:sp>
-        <p:nvSpPr>
-          <p:cNvPr id="5" name="Date Placeholder 4">
-            <a:extLst>
-              <a:ext uri="{FF2B5EF4-FFF2-40B4-BE49-F238E27FC236}">
-                <a16:creationId xmlns:a16="http://schemas.microsoft.com/office/drawing/2014/main" id="{6F23EB88-94A7-40A4-8E08-E71E762A42DF}"/>
-              </a:ext>
-            </a:extLst>
-          </p:cNvPr>
-          <p:cNvSpPr>
-            <a:spLocks noGrp="1"/>
-          </p:cNvSpPr>
-          <p:nvPr>
-            <p:ph type="dt" sz="half" idx="10"/>
-          </p:nvPr>
-        </p:nvSpPr>
-        <p:spPr/>
-        <p:txBody>
-          <a:bodyPr/>
-          <a:lstStyle/>
-          <a:p>
-            <a:fld id="{B7F08270-7370-41CB-990F-74387E732ADF}" type="datetimeFigureOut">
-              <a:rPr lang="en-GB" smtClean="0"/>
-              <a:t>18/10/2017</a:t>
-            </a:fld>
-            <a:endParaRPr lang="en-GB"/>
-          </a:p>
-        </p:txBody>
-      </p:sp>
-      <p:sp>
-        <p:nvSpPr>
-          <p:cNvPr id="6" name="Footer Placeholder 5">
-            <a:extLst>
-              <a:ext uri="{FF2B5EF4-FFF2-40B4-BE49-F238E27FC236}">
-                <a16:creationId xmlns:a16="http://schemas.microsoft.com/office/drawing/2014/main" id="{180DB5C2-E19D-4C46-8880-9DC4BE3DFF53}"/>
-              </a:ext>
-            </a:extLst>
-          </p:cNvPr>
-          <p:cNvSpPr>
-            <a:spLocks noGrp="1"/>
-          </p:cNvSpPr>
-          <p:nvPr>
-            <p:ph type="ftr" sz="quarter" idx="11"/>
-          </p:nvPr>
-        </p:nvSpPr>
-        <p:spPr/>
-        <p:txBody>
-          <a:bodyPr/>
-          <a:lstStyle/>
-          <a:p>
-            <a:endParaRPr lang="en-GB"/>
-          </a:p>
-        </p:txBody>
-      </p:sp>
-      <p:sp>
-        <p:nvSpPr>
-          <p:cNvPr id="7" name="Slide Number Placeholder 6">
-            <a:extLst>
-              <a:ext uri="{FF2B5EF4-FFF2-40B4-BE49-F238E27FC236}">
-                <a16:creationId xmlns:a16="http://schemas.microsoft.com/office/drawing/2014/main" id="{71B50DFA-E98F-4A57-A687-24FF8D1E0ACF}"/>
-              </a:ext>
-            </a:extLst>
-          </p:cNvPr>
-          <p:cNvSpPr>
-            <a:spLocks noGrp="1"/>
-          </p:cNvSpPr>
-          <p:nvPr>
-            <p:ph type="sldNum" sz="quarter" idx="12"/>
-          </p:nvPr>
-        </p:nvSpPr>
-        <p:spPr/>
-        <p:txBody>
-          <a:bodyPr/>
-          <a:lstStyle/>
           <a:p>
             <a:fld id="{E63C5663-C309-400D-BD5F-8327758EFEBB}" type="slidenum">
               <a:rPr lang="en-GB" smtClean="0"/>
@@ -2463,7 +3317,7 @@
     </p:spTree>
     <p:extLst>
       <p:ext uri="{BB962C8B-B14F-4D97-AF65-F5344CB8AC3E}">
-        <p14:creationId xmlns:p14="http://schemas.microsoft.com/office/powerpoint/2010/main" val="529200480"/>
+        <p14:creationId xmlns:p14="http://schemas.microsoft.com/office/powerpoint/2010/main" val="4068921065"/>
       </p:ext>
     </p:extLst>
   </p:cSld>
@@ -2474,7 +3328,7 @@
 </file>
 
 <file path=ppt/slideLayouts/slideLayout9.xml><?xml version="1.0" encoding="utf-8"?>
-<p:sldLayout xmlns:a="http://schemas.openxmlformats.org/drawingml/2006/main" xmlns:r="http://schemas.openxmlformats.org/officeDocument/2006/relationships" xmlns:p="http://schemas.openxmlformats.org/presentationml/2006/main" type="picTx" preserve="1">
+<p:sldLayout xmlns:a="http://schemas.openxmlformats.org/drawingml/2006/main" xmlns:r="http://schemas.openxmlformats.org/officeDocument/2006/relationships" xmlns:p="http://schemas.openxmlformats.org/presentationml/2006/main" showMasterSp="0" type="picTx" preserve="1">
   <p:cSld name="Picture with Caption">
     <p:spTree>
       <p:nvGrpSpPr>
@@ -2492,31 +3346,107 @@
       </p:grpSpPr>
       <p:sp>
         <p:nvSpPr>
-          <p:cNvPr id="2" name="Title 1">
-            <a:extLst>
-              <a:ext uri="{FF2B5EF4-FFF2-40B4-BE49-F238E27FC236}">
-                <a16:creationId xmlns:a16="http://schemas.microsoft.com/office/drawing/2014/main" id="{3F549A99-9AC1-400A-8785-B44BF7326AFE}"/>
-              </a:ext>
-            </a:extLst>
-          </p:cNvPr>
-          <p:cNvSpPr>
-            <a:spLocks noGrp="1"/>
-          </p:cNvSpPr>
-          <p:nvPr>
-            <p:ph type="title"/>
-          </p:nvPr>
+          <p:cNvPr id="8" name="Rectangle 7"/>
+          <p:cNvSpPr/>
+          <p:nvPr/>
         </p:nvSpPr>
         <p:spPr>
           <a:xfrm>
-            <a:off x="839788" y="457200"/>
-            <a:ext cx="3932237" cy="1600200"/>
+            <a:off x="0" y="4953000"/>
+            <a:ext cx="12188825" cy="1905000"/>
+          </a:xfrm>
+          <a:prstGeom prst="rect">
+            <a:avLst/>
+          </a:prstGeom>
+          <a:solidFill>
+            <a:schemeClr val="accent2"/>
+          </a:solidFill>
+          <a:ln>
+            <a:noFill/>
+          </a:ln>
+        </p:spPr>
+        <p:style>
+          <a:lnRef idx="2">
+            <a:schemeClr val="accent1">
+              <a:shade val="50000"/>
+            </a:schemeClr>
+          </a:lnRef>
+          <a:fillRef idx="1">
+            <a:schemeClr val="accent1"/>
+          </a:fillRef>
+          <a:effectRef idx="0">
+            <a:schemeClr val="accent1"/>
+          </a:effectRef>
+          <a:fontRef idx="minor">
+            <a:schemeClr val="lt1"/>
+          </a:fontRef>
+        </p:style>
+      </p:sp>
+      <p:sp>
+        <p:nvSpPr>
+          <p:cNvPr id="9" name="Rectangle 8"/>
+          <p:cNvSpPr/>
+          <p:nvPr/>
+        </p:nvSpPr>
+        <p:spPr>
+          <a:xfrm>
+            <a:off x="15" y="4915076"/>
+            <a:ext cx="12188825" cy="64008"/>
+          </a:xfrm>
+          <a:prstGeom prst="rect">
+            <a:avLst/>
+          </a:prstGeom>
+          <a:solidFill>
+            <a:schemeClr val="accent1"/>
+          </a:solidFill>
+          <a:ln>
+            <a:noFill/>
+          </a:ln>
+        </p:spPr>
+        <p:style>
+          <a:lnRef idx="2">
+            <a:schemeClr val="accent1">
+              <a:shade val="50000"/>
+            </a:schemeClr>
+          </a:lnRef>
+          <a:fillRef idx="1">
+            <a:schemeClr val="accent1"/>
+          </a:fillRef>
+          <a:effectRef idx="0">
+            <a:schemeClr val="accent1"/>
+          </a:effectRef>
+          <a:fontRef idx="minor">
+            <a:schemeClr val="lt1"/>
+          </a:fontRef>
+        </p:style>
+      </p:sp>
+      <p:sp>
+        <p:nvSpPr>
+          <p:cNvPr id="2" name="Title 1"/>
+          <p:cNvSpPr>
+            <a:spLocks noGrp="1"/>
+          </p:cNvSpPr>
+          <p:nvPr>
+            <p:ph type="title"/>
+          </p:nvPr>
+        </p:nvSpPr>
+        <p:spPr>
+          <a:xfrm>
+            <a:off x="1097280" y="5074920"/>
+            <a:ext cx="10113645" cy="822960"/>
           </a:xfrm>
         </p:spPr>
         <p:txBody>
-          <a:bodyPr anchor="b"/>
+          <a:bodyPr lIns="91440" tIns="0" rIns="91440" bIns="0" anchor="b">
+            <a:noAutofit/>
+          </a:bodyPr>
           <a:lstStyle>
             <a:lvl1pPr>
-              <a:defRPr sz="3200"/>
+              <a:defRPr sz="3600" b="0">
+                <a:solidFill>
+                  <a:srgbClr val="FFFFFF"/>
+                </a:solidFill>
+              </a:defRPr>
             </a:lvl1pPr>
           </a:lstStyle>
           <a:p>
@@ -2524,21 +3454,15 @@
               <a:rPr lang="en-US"/>
               <a:t>Click to edit Master title style</a:t>
             </a:r>
-            <a:endParaRPr lang="en-GB"/>
-          </a:p>
-        </p:txBody>
-      </p:sp>
-      <p:sp>
-        <p:nvSpPr>
-          <p:cNvPr id="3" name="Picture Placeholder 2">
-            <a:extLst>
-              <a:ext uri="{FF2B5EF4-FFF2-40B4-BE49-F238E27FC236}">
-                <a16:creationId xmlns:a16="http://schemas.microsoft.com/office/drawing/2014/main" id="{926FA283-AA4B-4649-AED9-88E8C50B9591}"/>
-              </a:ext>
-            </a:extLst>
-          </p:cNvPr>
-          <p:cNvSpPr>
-            <a:spLocks noGrp="1"/>
+            <a:endParaRPr lang="en-US" dirty="0"/>
+          </a:p>
+        </p:txBody>
+      </p:sp>
+      <p:sp>
+        <p:nvSpPr>
+          <p:cNvPr id="3" name="Picture Placeholder 2"/>
+          <p:cNvSpPr>
+            <a:spLocks noGrp="1" noChangeAspect="1"/>
           </p:cNvSpPr>
           <p:nvPr>
             <p:ph type="pic" idx="1"/>
@@ -2546,12 +3470,17 @@
         </p:nvSpPr>
         <p:spPr>
           <a:xfrm>
-            <a:off x="5183188" y="987425"/>
-            <a:ext cx="6172200" cy="4873625"/>
+            <a:off x="15" y="0"/>
+            <a:ext cx="12191985" cy="4915076"/>
           </a:xfrm>
+          <a:solidFill>
+            <a:schemeClr val="bg2">
+              <a:lumMod val="90000"/>
+            </a:schemeClr>
+          </a:solidFill>
         </p:spPr>
         <p:txBody>
-          <a:bodyPr/>
+          <a:bodyPr lIns="457200" tIns="457200" anchor="t"/>
           <a:lstStyle>
             <a:lvl1pPr marL="0" indent="0">
               <a:buNone/>
@@ -2591,19 +3520,17 @@
             </a:lvl9pPr>
           </a:lstStyle>
           <a:p>
-            <a:endParaRPr lang="en-GB"/>
-          </a:p>
-        </p:txBody>
-      </p:sp>
-      <p:sp>
-        <p:nvSpPr>
-          <p:cNvPr id="4" name="Text Placeholder 3">
-            <a:extLst>
-              <a:ext uri="{FF2B5EF4-FFF2-40B4-BE49-F238E27FC236}">
-                <a16:creationId xmlns:a16="http://schemas.microsoft.com/office/drawing/2014/main" id="{1853BA87-211E-4326-9605-B2A00F4CBA3A}"/>
-              </a:ext>
-            </a:extLst>
-          </p:cNvPr>
+            <a:r>
+              <a:rPr lang="en-US"/>
+              <a:t>Click icon to add picture</a:t>
+            </a:r>
+            <a:endParaRPr lang="en-US" dirty="0"/>
+          </a:p>
+        </p:txBody>
+      </p:sp>
+      <p:sp>
+        <p:nvSpPr>
+          <p:cNvPr id="4" name="Text Placeholder 3"/>
           <p:cNvSpPr>
             <a:spLocks noGrp="1"/>
           </p:cNvSpPr>
@@ -2613,48 +3540,60 @@
         </p:nvSpPr>
         <p:spPr>
           <a:xfrm>
-            <a:off x="839788" y="2057400"/>
-            <a:ext cx="3932237" cy="3811588"/>
+            <a:off x="1097280" y="5907024"/>
+            <a:ext cx="10113264" cy="594360"/>
           </a:xfrm>
         </p:spPr>
         <p:txBody>
-          <a:bodyPr/>
+          <a:bodyPr lIns="91440" tIns="0" rIns="91440" bIns="0">
+            <a:normAutofit/>
+          </a:bodyPr>
           <a:lstStyle>
             <a:lvl1pPr marL="0" indent="0">
-              <a:buNone/>
-              <a:defRPr sz="1600"/>
+              <a:spcBef>
+                <a:spcPts val="0"/>
+              </a:spcBef>
+              <a:spcAft>
+                <a:spcPts val="600"/>
+              </a:spcAft>
+              <a:buNone/>
+              <a:defRPr sz="1500">
+                <a:solidFill>
+                  <a:srgbClr val="FFFFFF"/>
+                </a:solidFill>
+              </a:defRPr>
             </a:lvl1pPr>
             <a:lvl2pPr marL="457200" indent="0">
               <a:buNone/>
-              <a:defRPr sz="1400"/>
+              <a:defRPr sz="1200"/>
             </a:lvl2pPr>
             <a:lvl3pPr marL="914400" indent="0">
               <a:buNone/>
-              <a:defRPr sz="1200"/>
+              <a:defRPr sz="1000"/>
             </a:lvl3pPr>
             <a:lvl4pPr marL="1371600" indent="0">
               <a:buNone/>
-              <a:defRPr sz="1000"/>
+              <a:defRPr sz="900"/>
             </a:lvl4pPr>
             <a:lvl5pPr marL="1828800" indent="0">
               <a:buNone/>
-              <a:defRPr sz="1000"/>
+              <a:defRPr sz="900"/>
             </a:lvl5pPr>
             <a:lvl6pPr marL="2286000" indent="0">
               <a:buNone/>
-              <a:defRPr sz="1000"/>
+              <a:defRPr sz="900"/>
             </a:lvl6pPr>
             <a:lvl7pPr marL="2743200" indent="0">
               <a:buNone/>
-              <a:defRPr sz="1000"/>
+              <a:defRPr sz="900"/>
             </a:lvl7pPr>
             <a:lvl8pPr marL="3200400" indent="0">
               <a:buNone/>
-              <a:defRPr sz="1000"/>
+              <a:defRPr sz="900"/>
             </a:lvl8pPr>
             <a:lvl9pPr marL="3657600" indent="0">
               <a:buNone/>
-              <a:defRPr sz="1000"/>
+              <a:defRPr sz="900"/>
             </a:lvl9pPr>
           </a:lstStyle>
           <a:p>
@@ -2668,13 +3607,7 @@
       </p:sp>
       <p:sp>
         <p:nvSpPr>
-          <p:cNvPr id="5" name="Date Placeholder 4">
-            <a:extLst>
-              <a:ext uri="{FF2B5EF4-FFF2-40B4-BE49-F238E27FC236}">
-                <a16:creationId xmlns:a16="http://schemas.microsoft.com/office/drawing/2014/main" id="{9D4D2E3D-5CDC-4EEF-9014-919CA6801345}"/>
-              </a:ext>
-            </a:extLst>
-          </p:cNvPr>
+          <p:cNvPr id="5" name="Date Placeholder 4"/>
           <p:cNvSpPr>
             <a:spLocks noGrp="1"/>
           </p:cNvSpPr>
@@ -2687,23 +3620,17 @@
           <a:bodyPr/>
           <a:lstStyle/>
           <a:p>
-            <a:fld id="{B7F08270-7370-41CB-990F-74387E732ADF}" type="datetimeFigureOut">
-              <a:rPr lang="en-GB" smtClean="0"/>
-              <a:t>18/10/2017</a:t>
-            </a:fld>
+            <a:r>
+              <a:rPr lang="en-US"/>
+              <a:t>A.Y. 2017/18</a:t>
+            </a:r>
             <a:endParaRPr lang="en-GB"/>
           </a:p>
         </p:txBody>
       </p:sp>
       <p:sp>
         <p:nvSpPr>
-          <p:cNvPr id="6" name="Footer Placeholder 5">
-            <a:extLst>
-              <a:ext uri="{FF2B5EF4-FFF2-40B4-BE49-F238E27FC236}">
-                <a16:creationId xmlns:a16="http://schemas.microsoft.com/office/drawing/2014/main" id="{68BFE301-CBDB-4D7B-AC86-FF51B9FA28F0}"/>
-              </a:ext>
-            </a:extLst>
-          </p:cNvPr>
+          <p:cNvPr id="6" name="Footer Placeholder 5"/>
           <p:cNvSpPr>
             <a:spLocks noGrp="1"/>
           </p:cNvSpPr>
@@ -2716,19 +3643,16 @@
           <a:bodyPr/>
           <a:lstStyle/>
           <a:p>
-            <a:endParaRPr lang="en-GB"/>
-          </a:p>
-        </p:txBody>
-      </p:sp>
-      <p:sp>
-        <p:nvSpPr>
-          <p:cNvPr id="7" name="Slide Number Placeholder 6">
-            <a:extLst>
-              <a:ext uri="{FF2B5EF4-FFF2-40B4-BE49-F238E27FC236}">
-                <a16:creationId xmlns:a16="http://schemas.microsoft.com/office/drawing/2014/main" id="{F5F1BBE8-4FE1-4F20-A5F3-EDE02B2E7492}"/>
-              </a:ext>
-            </a:extLst>
-          </p:cNvPr>
+            <a:r>
+              <a:rPr lang="en-GB"/>
+              <a:t>IMS – A6</a:t>
+            </a:r>
+          </a:p>
+        </p:txBody>
+      </p:sp>
+      <p:sp>
+        <p:nvSpPr>
+          <p:cNvPr id="7" name="Slide Number Placeholder 6"/>
           <p:cNvSpPr>
             <a:spLocks noGrp="1"/>
           </p:cNvSpPr>
@@ -2752,7 +3676,7 @@
     </p:spTree>
     <p:extLst>
       <p:ext uri="{BB962C8B-B14F-4D97-AF65-F5344CB8AC3E}">
-        <p14:creationId xmlns:p14="http://schemas.microsoft.com/office/powerpoint/2010/main" val="1255407842"/>
+        <p14:creationId xmlns:p14="http://schemas.microsoft.com/office/powerpoint/2010/main" val="2796749503"/>
       </p:ext>
     </p:extLst>
   </p:cSld>
@@ -2786,31 +3710,101 @@
       </p:grpSpPr>
       <p:sp>
         <p:nvSpPr>
-          <p:cNvPr id="2" name="Title Placeholder 1">
-            <a:extLst>
-              <a:ext uri="{FF2B5EF4-FFF2-40B4-BE49-F238E27FC236}">
-                <a16:creationId xmlns:a16="http://schemas.microsoft.com/office/drawing/2014/main" id="{7F44F312-C4F2-4339-8F1E-4D4711AFD9AD}"/>
-              </a:ext>
-            </a:extLst>
-          </p:cNvPr>
-          <p:cNvSpPr>
-            <a:spLocks noGrp="1"/>
-          </p:cNvSpPr>
-          <p:nvPr>
-            <p:ph type="title"/>
-          </p:nvPr>
+          <p:cNvPr id="7" name="Rectangle 6"/>
+          <p:cNvSpPr/>
+          <p:nvPr/>
         </p:nvSpPr>
         <p:spPr>
           <a:xfrm>
-            <a:off x="838200" y="365125"/>
-            <a:ext cx="10515600" cy="1325563"/>
+            <a:off x="1" y="6400800"/>
+            <a:ext cx="12192000" cy="457200"/>
+          </a:xfrm>
+          <a:prstGeom prst="rect">
+            <a:avLst/>
+          </a:prstGeom>
+          <a:solidFill>
+            <a:schemeClr val="accent2"/>
+          </a:solidFill>
+          <a:ln>
+            <a:noFill/>
+          </a:ln>
+        </p:spPr>
+        <p:style>
+          <a:lnRef idx="2">
+            <a:schemeClr val="accent1">
+              <a:shade val="50000"/>
+            </a:schemeClr>
+          </a:lnRef>
+          <a:fillRef idx="1">
+            <a:schemeClr val="accent1"/>
+          </a:fillRef>
+          <a:effectRef idx="0">
+            <a:schemeClr val="accent1"/>
+          </a:effectRef>
+          <a:fontRef idx="minor">
+            <a:schemeClr val="lt1"/>
+          </a:fontRef>
+        </p:style>
+      </p:sp>
+      <p:sp>
+        <p:nvSpPr>
+          <p:cNvPr id="9" name="Rectangle 8"/>
+          <p:cNvSpPr/>
+          <p:nvPr/>
+        </p:nvSpPr>
+        <p:spPr>
+          <a:xfrm>
+            <a:off x="15" y="6334316"/>
+            <a:ext cx="12191985" cy="66484"/>
+          </a:xfrm>
+          <a:prstGeom prst="rect">
+            <a:avLst/>
+          </a:prstGeom>
+          <a:solidFill>
+            <a:schemeClr val="accent1"/>
+          </a:solidFill>
+          <a:ln>
+            <a:noFill/>
+          </a:ln>
+        </p:spPr>
+        <p:style>
+          <a:lnRef idx="2">
+            <a:schemeClr val="accent1">
+              <a:shade val="50000"/>
+            </a:schemeClr>
+          </a:lnRef>
+          <a:fillRef idx="1">
+            <a:schemeClr val="accent1"/>
+          </a:fillRef>
+          <a:effectRef idx="0">
+            <a:schemeClr val="accent1"/>
+          </a:effectRef>
+          <a:fontRef idx="minor">
+            <a:schemeClr val="lt1"/>
+          </a:fontRef>
+        </p:style>
+      </p:sp>
+      <p:sp>
+        <p:nvSpPr>
+          <p:cNvPr id="2" name="Title Placeholder 1"/>
+          <p:cNvSpPr>
+            <a:spLocks noGrp="1"/>
+          </p:cNvSpPr>
+          <p:nvPr>
+            <p:ph type="title"/>
+          </p:nvPr>
+        </p:nvSpPr>
+        <p:spPr>
+          <a:xfrm>
+            <a:off x="1097280" y="286603"/>
+            <a:ext cx="10058400" cy="1450757"/>
           </a:xfrm>
           <a:prstGeom prst="rect">
             <a:avLst/>
           </a:prstGeom>
         </p:spPr>
         <p:txBody>
-          <a:bodyPr vert="horz" lIns="91440" tIns="45720" rIns="91440" bIns="45720" rtlCol="0" anchor="ctr">
+          <a:bodyPr vert="horz" lIns="91440" tIns="45720" rIns="91440" bIns="45720" rtlCol="0" anchor="b">
             <a:normAutofit/>
           </a:bodyPr>
           <a:lstStyle/>
@@ -2819,19 +3813,13 @@
               <a:rPr lang="en-US"/>
               <a:t>Click to edit Master title style</a:t>
             </a:r>
-            <a:endParaRPr lang="en-GB"/>
-          </a:p>
-        </p:txBody>
-      </p:sp>
-      <p:sp>
-        <p:nvSpPr>
-          <p:cNvPr id="3" name="Text Placeholder 2">
-            <a:extLst>
-              <a:ext uri="{FF2B5EF4-FFF2-40B4-BE49-F238E27FC236}">
-                <a16:creationId xmlns:a16="http://schemas.microsoft.com/office/drawing/2014/main" id="{9F855E0D-1249-4400-9F6E-AA5C2BFC2901}"/>
-              </a:ext>
-            </a:extLst>
-          </p:cNvPr>
+            <a:endParaRPr lang="en-US" dirty="0"/>
+          </a:p>
+        </p:txBody>
+      </p:sp>
+      <p:sp>
+        <p:nvSpPr>
+          <p:cNvPr id="3" name="Text Placeholder 2"/>
           <p:cNvSpPr>
             <a:spLocks noGrp="1"/>
           </p:cNvSpPr>
@@ -2841,15 +3829,15 @@
         </p:nvSpPr>
         <p:spPr>
           <a:xfrm>
-            <a:off x="838200" y="1825625"/>
-            <a:ext cx="10515600" cy="4351338"/>
+            <a:off x="1097280" y="1845734"/>
+            <a:ext cx="10058400" cy="4023360"/>
           </a:xfrm>
           <a:prstGeom prst="rect">
             <a:avLst/>
           </a:prstGeom>
         </p:spPr>
         <p:txBody>
-          <a:bodyPr vert="horz" lIns="91440" tIns="45720" rIns="91440" bIns="45720" rtlCol="0">
+          <a:bodyPr vert="horz" lIns="0" tIns="45720" rIns="0" bIns="45720" rtlCol="0">
             <a:normAutofit/>
           </a:bodyPr>
           <a:lstStyle/>
@@ -2887,19 +3875,13 @@
               <a:rPr lang="en-US"/>
               <a:t>Fifth level</a:t>
             </a:r>
-            <a:endParaRPr lang="en-GB"/>
-          </a:p>
-        </p:txBody>
-      </p:sp>
-      <p:sp>
-        <p:nvSpPr>
-          <p:cNvPr id="4" name="Date Placeholder 3">
-            <a:extLst>
-              <a:ext uri="{FF2B5EF4-FFF2-40B4-BE49-F238E27FC236}">
-                <a16:creationId xmlns:a16="http://schemas.microsoft.com/office/drawing/2014/main" id="{35586EDA-DF87-4512-9603-8289FAFA282B}"/>
-              </a:ext>
-            </a:extLst>
-          </p:cNvPr>
+            <a:endParaRPr lang="en-US" dirty="0"/>
+          </a:p>
+        </p:txBody>
+      </p:sp>
+      <p:sp>
+        <p:nvSpPr>
+          <p:cNvPr id="4" name="Date Placeholder 3"/>
           <p:cNvSpPr>
             <a:spLocks noGrp="1"/>
           </p:cNvSpPr>
@@ -2909,8 +3891,8 @@
         </p:nvSpPr>
         <p:spPr>
           <a:xfrm>
-            <a:off x="838200" y="6356350"/>
-            <a:ext cx="2743200" cy="365125"/>
+            <a:off x="1097280" y="6459785"/>
+            <a:ext cx="2472271" cy="365125"/>
           </a:xfrm>
           <a:prstGeom prst="rect">
             <a:avLst/>
@@ -2920,33 +3902,25 @@
           <a:bodyPr vert="horz" lIns="91440" tIns="45720" rIns="91440" bIns="45720" rtlCol="0" anchor="ctr"/>
           <a:lstStyle>
             <a:lvl1pPr algn="l">
-              <a:defRPr sz="1200">
+              <a:defRPr sz="900">
                 <a:solidFill>
-                  <a:schemeClr val="tx1">
-                    <a:tint val="75000"/>
-                  </a:schemeClr>
+                  <a:srgbClr val="FFFFFF"/>
                 </a:solidFill>
               </a:defRPr>
             </a:lvl1pPr>
           </a:lstStyle>
           <a:p>
-            <a:fld id="{B7F08270-7370-41CB-990F-74387E732ADF}" type="datetimeFigureOut">
-              <a:rPr lang="en-GB" smtClean="0"/>
-              <a:t>18/10/2017</a:t>
-            </a:fld>
+            <a:r>
+              <a:rPr lang="en-US"/>
+              <a:t>A.Y. 2017/18</a:t>
+            </a:r>
             <a:endParaRPr lang="en-GB"/>
           </a:p>
         </p:txBody>
       </p:sp>
       <p:sp>
         <p:nvSpPr>
-          <p:cNvPr id="5" name="Footer Placeholder 4">
-            <a:extLst>
-              <a:ext uri="{FF2B5EF4-FFF2-40B4-BE49-F238E27FC236}">
-                <a16:creationId xmlns:a16="http://schemas.microsoft.com/office/drawing/2014/main" id="{A0A11738-7E44-4641-9443-B30B409D1D8C}"/>
-              </a:ext>
-            </a:extLst>
-          </p:cNvPr>
+          <p:cNvPr id="5" name="Footer Placeholder 4"/>
           <p:cNvSpPr>
             <a:spLocks noGrp="1"/>
           </p:cNvSpPr>
@@ -2956,8 +3930,8 @@
         </p:nvSpPr>
         <p:spPr>
           <a:xfrm>
-            <a:off x="4038600" y="6356350"/>
-            <a:ext cx="4114800" cy="365125"/>
+            <a:off x="3686185" y="6459785"/>
+            <a:ext cx="4822804" cy="365125"/>
           </a:xfrm>
           <a:prstGeom prst="rect">
             <a:avLst/>
@@ -2967,29 +3941,24 @@
           <a:bodyPr vert="horz" lIns="91440" tIns="45720" rIns="91440" bIns="45720" rtlCol="0" anchor="ctr"/>
           <a:lstStyle>
             <a:lvl1pPr algn="ctr">
-              <a:defRPr sz="1200">
+              <a:defRPr sz="900" cap="all" baseline="0">
                 <a:solidFill>
-                  <a:schemeClr val="tx1">
-                    <a:tint val="75000"/>
-                  </a:schemeClr>
+                  <a:srgbClr val="FFFFFF"/>
                 </a:solidFill>
               </a:defRPr>
             </a:lvl1pPr>
           </a:lstStyle>
           <a:p>
-            <a:endParaRPr lang="en-GB"/>
-          </a:p>
-        </p:txBody>
-      </p:sp>
-      <p:sp>
-        <p:nvSpPr>
-          <p:cNvPr id="6" name="Slide Number Placeholder 5">
-            <a:extLst>
-              <a:ext uri="{FF2B5EF4-FFF2-40B4-BE49-F238E27FC236}">
-                <a16:creationId xmlns:a16="http://schemas.microsoft.com/office/drawing/2014/main" id="{5179DD4C-7F0B-4294-A6FB-A7DE6AF0790E}"/>
-              </a:ext>
-            </a:extLst>
-          </p:cNvPr>
+            <a:r>
+              <a:rPr lang="en-GB"/>
+              <a:t>IMS – A6</a:t>
+            </a:r>
+          </a:p>
+        </p:txBody>
+      </p:sp>
+      <p:sp>
+        <p:nvSpPr>
+          <p:cNvPr id="6" name="Slide Number Placeholder 5"/>
           <p:cNvSpPr>
             <a:spLocks noGrp="1"/>
           </p:cNvSpPr>
@@ -2999,8 +3968,8 @@
         </p:nvSpPr>
         <p:spPr>
           <a:xfrm>
-            <a:off x="8610600" y="6356350"/>
-            <a:ext cx="2743200" cy="365125"/>
+            <a:off x="9900458" y="6459785"/>
+            <a:ext cx="1312025" cy="365125"/>
           </a:xfrm>
           <a:prstGeom prst="rect">
             <a:avLst/>
@@ -3010,11 +3979,9 @@
           <a:bodyPr vert="horz" lIns="91440" tIns="45720" rIns="91440" bIns="45720" rtlCol="0" anchor="ctr"/>
           <a:lstStyle>
             <a:lvl1pPr algn="r">
-              <a:defRPr sz="1200">
+              <a:defRPr sz="1050">
                 <a:solidFill>
-                  <a:schemeClr val="tx1">
-                    <a:tint val="75000"/>
-                  </a:schemeClr>
+                  <a:srgbClr val="FFFFFF"/>
                 </a:solidFill>
               </a:defRPr>
             </a:lvl1pPr>
@@ -3028,40 +3995,82 @@
           </a:p>
         </p:txBody>
       </p:sp>
+      <p:cxnSp>
+        <p:nvCxnSpPr>
+          <p:cNvPr id="10" name="Straight Connector 9"/>
+          <p:cNvCxnSpPr/>
+          <p:nvPr/>
+        </p:nvCxnSpPr>
+        <p:spPr>
+          <a:xfrm>
+            <a:off x="1193532" y="1737845"/>
+            <a:ext cx="9966960" cy="0"/>
+          </a:xfrm>
+          <a:prstGeom prst="line">
+            <a:avLst/>
+          </a:prstGeom>
+          <a:ln w="6350">
+            <a:solidFill>
+              <a:schemeClr val="tx1">
+                <a:lumMod val="50000"/>
+                <a:lumOff val="50000"/>
+              </a:schemeClr>
+            </a:solidFill>
+          </a:ln>
+        </p:spPr>
+        <p:style>
+          <a:lnRef idx="1">
+            <a:schemeClr val="accent1"/>
+          </a:lnRef>
+          <a:fillRef idx="0">
+            <a:schemeClr val="accent1"/>
+          </a:fillRef>
+          <a:effectRef idx="0">
+            <a:schemeClr val="accent1"/>
+          </a:effectRef>
+          <a:fontRef idx="minor">
+            <a:schemeClr val="tx1"/>
+          </a:fontRef>
+        </p:style>
+      </p:cxnSp>
     </p:spTree>
     <p:extLst>
       <p:ext uri="{BB962C8B-B14F-4D97-AF65-F5344CB8AC3E}">
-        <p14:creationId xmlns:p14="http://schemas.microsoft.com/office/powerpoint/2010/main" val="1192815713"/>
+        <p14:creationId xmlns:p14="http://schemas.microsoft.com/office/powerpoint/2010/main" val="333675079"/>
       </p:ext>
     </p:extLst>
   </p:cSld>
   <p:clrMap bg1="lt1" tx1="dk1" bg2="lt2" tx2="dk2" accent1="accent1" accent2="accent2" accent3="accent3" accent4="accent4" accent5="accent5" accent6="accent6" hlink="hlink" folHlink="folHlink"/>
   <p:sldLayoutIdLst>
-    <p:sldLayoutId id="2147483649" r:id="rId1"/>
-    <p:sldLayoutId id="2147483650" r:id="rId2"/>
-    <p:sldLayoutId id="2147483651" r:id="rId3"/>
-    <p:sldLayoutId id="2147483652" r:id="rId4"/>
-    <p:sldLayoutId id="2147483653" r:id="rId5"/>
-    <p:sldLayoutId id="2147483654" r:id="rId6"/>
-    <p:sldLayoutId id="2147483655" r:id="rId7"/>
-    <p:sldLayoutId id="2147483656" r:id="rId8"/>
-    <p:sldLayoutId id="2147483657" r:id="rId9"/>
-    <p:sldLayoutId id="2147483658" r:id="rId10"/>
-    <p:sldLayoutId id="2147483659" r:id="rId11"/>
+    <p:sldLayoutId id="2147483721" r:id="rId1"/>
+    <p:sldLayoutId id="2147483722" r:id="rId2"/>
+    <p:sldLayoutId id="2147483723" r:id="rId3"/>
+    <p:sldLayoutId id="2147483724" r:id="rId4"/>
+    <p:sldLayoutId id="2147483725" r:id="rId5"/>
+    <p:sldLayoutId id="2147483726" r:id="rId6"/>
+    <p:sldLayoutId id="2147483727" r:id="rId7"/>
+    <p:sldLayoutId id="2147483728" r:id="rId8"/>
+    <p:sldLayoutId id="2147483729" r:id="rId9"/>
+    <p:sldLayoutId id="2147483730" r:id="rId10"/>
+    <p:sldLayoutId id="2147483731" r:id="rId11"/>
   </p:sldLayoutIdLst>
+  <p:hf hdr="0"/>
   <p:txStyles>
     <p:titleStyle>
       <a:lvl1pPr algn="l" defTabSz="914400" rtl="0" eaLnBrk="1" latinLnBrk="0" hangingPunct="1">
         <a:lnSpc>
-          <a:spcPct val="90000"/>
+          <a:spcPct val="85000"/>
         </a:lnSpc>
         <a:spcBef>
           <a:spcPct val="0"/>
         </a:spcBef>
         <a:buNone/>
-        <a:defRPr sz="4400" kern="1200">
+        <a:defRPr sz="4800" kern="1200" spc="-50" baseline="0">
           <a:solidFill>
-            <a:schemeClr val="tx1"/>
+            <a:schemeClr val="tx1">
+              <a:lumMod val="75000"/>
+              <a:lumOff val="25000"/>
+            </a:schemeClr>
           </a:solidFill>
           <a:latin typeface="+mj-lt"/>
           <a:ea typeface="+mj-ea"/>
@@ -3070,162 +4079,244 @@
       </a:lvl1pPr>
     </p:titleStyle>
     <p:bodyStyle>
-      <a:lvl1pPr marL="228600" indent="-228600" algn="l" defTabSz="914400" rtl="0" eaLnBrk="1" latinLnBrk="0" hangingPunct="1">
+      <a:lvl1pPr marL="91440" indent="-91440" algn="l" defTabSz="914400" rtl="0" eaLnBrk="1" latinLnBrk="0" hangingPunct="1">
         <a:lnSpc>
           <a:spcPct val="90000"/>
         </a:lnSpc>
         <a:spcBef>
-          <a:spcPts val="1000"/>
+          <a:spcPts val="1200"/>
         </a:spcBef>
-        <a:buFont typeface="Arial" panose="020B0604020202020204" pitchFamily="34" charset="0"/>
-        <a:buChar char="•"/>
-        <a:defRPr sz="2800" kern="1200">
+        <a:spcAft>
+          <a:spcPts val="200"/>
+        </a:spcAft>
+        <a:buClr>
+          <a:schemeClr val="accent1"/>
+        </a:buClr>
+        <a:buSzPct val="100000"/>
+        <a:buFont typeface="Calibri" panose="020F0502020204030204" pitchFamily="34" charset="0"/>
+        <a:buChar char=" "/>
+        <a:defRPr sz="2000" kern="1200">
           <a:solidFill>
-            <a:schemeClr val="tx1"/>
+            <a:schemeClr val="tx1">
+              <a:lumMod val="75000"/>
+              <a:lumOff val="25000"/>
+            </a:schemeClr>
           </a:solidFill>
           <a:latin typeface="+mn-lt"/>
           <a:ea typeface="+mn-ea"/>
           <a:cs typeface="+mn-cs"/>
         </a:defRPr>
       </a:lvl1pPr>
-      <a:lvl2pPr marL="685800" indent="-228600" algn="l" defTabSz="914400" rtl="0" eaLnBrk="1" latinLnBrk="0" hangingPunct="1">
+      <a:lvl2pPr marL="384048" indent="-182880" algn="l" defTabSz="914400" rtl="0" eaLnBrk="1" latinLnBrk="0" hangingPunct="1">
         <a:lnSpc>
           <a:spcPct val="90000"/>
         </a:lnSpc>
         <a:spcBef>
-          <a:spcPts val="500"/>
+          <a:spcPts val="200"/>
         </a:spcBef>
-        <a:buFont typeface="Arial" panose="020B0604020202020204" pitchFamily="34" charset="0"/>
-        <a:buChar char="•"/>
-        <a:defRPr sz="2400" kern="1200">
+        <a:spcAft>
+          <a:spcPts val="400"/>
+        </a:spcAft>
+        <a:buClr>
+          <a:schemeClr val="accent1"/>
+        </a:buClr>
+        <a:buFont typeface="Calibri" pitchFamily="34" charset="0"/>
+        <a:buChar char="◦"/>
+        <a:defRPr sz="1800" kern="1200">
           <a:solidFill>
-            <a:schemeClr val="tx1"/>
+            <a:schemeClr val="tx1">
+              <a:lumMod val="75000"/>
+              <a:lumOff val="25000"/>
+            </a:schemeClr>
           </a:solidFill>
           <a:latin typeface="+mn-lt"/>
           <a:ea typeface="+mn-ea"/>
           <a:cs typeface="+mn-cs"/>
         </a:defRPr>
       </a:lvl2pPr>
-      <a:lvl3pPr marL="1143000" indent="-228600" algn="l" defTabSz="914400" rtl="0" eaLnBrk="1" latinLnBrk="0" hangingPunct="1">
+      <a:lvl3pPr marL="566928" indent="-182880" algn="l" defTabSz="914400" rtl="0" eaLnBrk="1" latinLnBrk="0" hangingPunct="1">
         <a:lnSpc>
           <a:spcPct val="90000"/>
         </a:lnSpc>
         <a:spcBef>
-          <a:spcPts val="500"/>
+          <a:spcPts val="200"/>
         </a:spcBef>
-        <a:buFont typeface="Arial" panose="020B0604020202020204" pitchFamily="34" charset="0"/>
-        <a:buChar char="•"/>
-        <a:defRPr sz="2000" kern="1200">
+        <a:spcAft>
+          <a:spcPts val="400"/>
+        </a:spcAft>
+        <a:buClr>
+          <a:schemeClr val="accent1"/>
+        </a:buClr>
+        <a:buFont typeface="Calibri" pitchFamily="34" charset="0"/>
+        <a:buChar char="◦"/>
+        <a:defRPr sz="1400" kern="1200">
           <a:solidFill>
-            <a:schemeClr val="tx1"/>
+            <a:schemeClr val="tx1">
+              <a:lumMod val="75000"/>
+              <a:lumOff val="25000"/>
+            </a:schemeClr>
           </a:solidFill>
           <a:latin typeface="+mn-lt"/>
           <a:ea typeface="+mn-ea"/>
           <a:cs typeface="+mn-cs"/>
         </a:defRPr>
       </a:lvl3pPr>
-      <a:lvl4pPr marL="1600200" indent="-228600" algn="l" defTabSz="914400" rtl="0" eaLnBrk="1" latinLnBrk="0" hangingPunct="1">
+      <a:lvl4pPr marL="749808" indent="-182880" algn="l" defTabSz="914400" rtl="0" eaLnBrk="1" latinLnBrk="0" hangingPunct="1">
         <a:lnSpc>
           <a:spcPct val="90000"/>
         </a:lnSpc>
         <a:spcBef>
-          <a:spcPts val="500"/>
+          <a:spcPts val="200"/>
         </a:spcBef>
-        <a:buFont typeface="Arial" panose="020B0604020202020204" pitchFamily="34" charset="0"/>
-        <a:buChar char="•"/>
-        <a:defRPr sz="1800" kern="1200">
+        <a:spcAft>
+          <a:spcPts val="400"/>
+        </a:spcAft>
+        <a:buClr>
+          <a:schemeClr val="accent1"/>
+        </a:buClr>
+        <a:buFont typeface="Calibri" pitchFamily="34" charset="0"/>
+        <a:buChar char="◦"/>
+        <a:defRPr sz="1400" kern="1200">
           <a:solidFill>
-            <a:schemeClr val="tx1"/>
+            <a:schemeClr val="tx1">
+              <a:lumMod val="75000"/>
+              <a:lumOff val="25000"/>
+            </a:schemeClr>
           </a:solidFill>
           <a:latin typeface="+mn-lt"/>
           <a:ea typeface="+mn-ea"/>
           <a:cs typeface="+mn-cs"/>
         </a:defRPr>
       </a:lvl4pPr>
-      <a:lvl5pPr marL="2057400" indent="-228600" algn="l" defTabSz="914400" rtl="0" eaLnBrk="1" latinLnBrk="0" hangingPunct="1">
+      <a:lvl5pPr marL="932688" indent="-182880" algn="l" defTabSz="914400" rtl="0" eaLnBrk="1" latinLnBrk="0" hangingPunct="1">
         <a:lnSpc>
           <a:spcPct val="90000"/>
         </a:lnSpc>
         <a:spcBef>
-          <a:spcPts val="500"/>
+          <a:spcPts val="200"/>
         </a:spcBef>
-        <a:buFont typeface="Arial" panose="020B0604020202020204" pitchFamily="34" charset="0"/>
-        <a:buChar char="•"/>
-        <a:defRPr sz="1800" kern="1200">
+        <a:spcAft>
+          <a:spcPts val="400"/>
+        </a:spcAft>
+        <a:buClr>
+          <a:schemeClr val="accent1"/>
+        </a:buClr>
+        <a:buFont typeface="Calibri" pitchFamily="34" charset="0"/>
+        <a:buChar char="◦"/>
+        <a:defRPr sz="1400" kern="1200">
           <a:solidFill>
-            <a:schemeClr val="tx1"/>
+            <a:schemeClr val="tx1">
+              <a:lumMod val="75000"/>
+              <a:lumOff val="25000"/>
+            </a:schemeClr>
           </a:solidFill>
           <a:latin typeface="+mn-lt"/>
           <a:ea typeface="+mn-ea"/>
           <a:cs typeface="+mn-cs"/>
         </a:defRPr>
       </a:lvl5pPr>
-      <a:lvl6pPr marL="2514600" indent="-228600" algn="l" defTabSz="914400" rtl="0" eaLnBrk="1" latinLnBrk="0" hangingPunct="1">
+      <a:lvl6pPr marL="1100000" indent="-228600" algn="l" defTabSz="914400" rtl="0" eaLnBrk="1" latinLnBrk="0" hangingPunct="1">
         <a:lnSpc>
           <a:spcPct val="90000"/>
         </a:lnSpc>
         <a:spcBef>
-          <a:spcPts val="500"/>
+          <a:spcPts val="200"/>
         </a:spcBef>
-        <a:buFont typeface="Arial" panose="020B0604020202020204" pitchFamily="34" charset="0"/>
-        <a:buChar char="•"/>
-        <a:defRPr sz="1800" kern="1200">
+        <a:spcAft>
+          <a:spcPts val="400"/>
+        </a:spcAft>
+        <a:buClr>
+          <a:schemeClr val="accent1"/>
+        </a:buClr>
+        <a:buFont typeface="Calibri" pitchFamily="34" charset="0"/>
+        <a:buChar char="◦"/>
+        <a:defRPr sz="1400" kern="1200">
           <a:solidFill>
-            <a:schemeClr val="tx1"/>
+            <a:schemeClr val="tx1">
+              <a:lumMod val="75000"/>
+              <a:lumOff val="25000"/>
+            </a:schemeClr>
           </a:solidFill>
           <a:latin typeface="+mn-lt"/>
           <a:ea typeface="+mn-ea"/>
           <a:cs typeface="+mn-cs"/>
         </a:defRPr>
       </a:lvl6pPr>
-      <a:lvl7pPr marL="2971800" indent="-228600" algn="l" defTabSz="914400" rtl="0" eaLnBrk="1" latinLnBrk="0" hangingPunct="1">
+      <a:lvl7pPr marL="1300000" indent="-228600" algn="l" defTabSz="914400" rtl="0" eaLnBrk="1" latinLnBrk="0" hangingPunct="1">
         <a:lnSpc>
           <a:spcPct val="90000"/>
         </a:lnSpc>
         <a:spcBef>
-          <a:spcPts val="500"/>
+          <a:spcPts val="200"/>
         </a:spcBef>
-        <a:buFont typeface="Arial" panose="020B0604020202020204" pitchFamily="34" charset="0"/>
-        <a:buChar char="•"/>
-        <a:defRPr sz="1800" kern="1200">
+        <a:spcAft>
+          <a:spcPts val="400"/>
+        </a:spcAft>
+        <a:buClr>
+          <a:schemeClr val="accent1"/>
+        </a:buClr>
+        <a:buFont typeface="Calibri" pitchFamily="34" charset="0"/>
+        <a:buChar char="◦"/>
+        <a:defRPr sz="1400" kern="1200">
           <a:solidFill>
-            <a:schemeClr val="tx1"/>
+            <a:schemeClr val="tx1">
+              <a:lumMod val="75000"/>
+              <a:lumOff val="25000"/>
+            </a:schemeClr>
           </a:solidFill>
           <a:latin typeface="+mn-lt"/>
           <a:ea typeface="+mn-ea"/>
           <a:cs typeface="+mn-cs"/>
         </a:defRPr>
       </a:lvl7pPr>
-      <a:lvl8pPr marL="3429000" indent="-228600" algn="l" defTabSz="914400" rtl="0" eaLnBrk="1" latinLnBrk="0" hangingPunct="1">
+      <a:lvl8pPr marL="1500000" indent="-228600" algn="l" defTabSz="914400" rtl="0" eaLnBrk="1" latinLnBrk="0" hangingPunct="1">
         <a:lnSpc>
           <a:spcPct val="90000"/>
         </a:lnSpc>
         <a:spcBef>
-          <a:spcPts val="500"/>
+          <a:spcPts val="200"/>
         </a:spcBef>
-        <a:buFont typeface="Arial" panose="020B0604020202020204" pitchFamily="34" charset="0"/>
-        <a:buChar char="•"/>
-        <a:defRPr sz="1800" kern="1200">
+        <a:spcAft>
+          <a:spcPts val="400"/>
+        </a:spcAft>
+        <a:buClr>
+          <a:schemeClr val="accent1"/>
+        </a:buClr>
+        <a:buFont typeface="Calibri" pitchFamily="34" charset="0"/>
+        <a:buChar char="◦"/>
+        <a:defRPr sz="1400" kern="1200">
           <a:solidFill>
-            <a:schemeClr val="tx1"/>
+            <a:schemeClr val="tx1">
+              <a:lumMod val="75000"/>
+              <a:lumOff val="25000"/>
+            </a:schemeClr>
           </a:solidFill>
           <a:latin typeface="+mn-lt"/>
           <a:ea typeface="+mn-ea"/>
           <a:cs typeface="+mn-cs"/>
         </a:defRPr>
       </a:lvl8pPr>
-      <a:lvl9pPr marL="3886200" indent="-228600" algn="l" defTabSz="914400" rtl="0" eaLnBrk="1" latinLnBrk="0" hangingPunct="1">
+      <a:lvl9pPr marL="1700000" indent="-228600" algn="l" defTabSz="914400" rtl="0" eaLnBrk="1" latinLnBrk="0" hangingPunct="1">
         <a:lnSpc>
           <a:spcPct val="90000"/>
         </a:lnSpc>
         <a:spcBef>
-          <a:spcPts val="500"/>
+          <a:spcPts val="200"/>
         </a:spcBef>
-        <a:buFont typeface="Arial" panose="020B0604020202020204" pitchFamily="34" charset="0"/>
-        <a:buChar char="•"/>
-        <a:defRPr sz="1800" kern="1200">
+        <a:spcAft>
+          <a:spcPts val="400"/>
+        </a:spcAft>
+        <a:buClr>
+          <a:schemeClr val="accent1"/>
+        </a:buClr>
+        <a:buFont typeface="Calibri" pitchFamily="34" charset="0"/>
+        <a:buChar char="◦"/>
+        <a:defRPr sz="1400" kern="1200">
           <a:solidFill>
-            <a:schemeClr val="tx1"/>
+            <a:schemeClr val="tx1">
+              <a:lumMod val="75000"/>
+              <a:lumOff val="25000"/>
+            </a:schemeClr>
           </a:solidFill>
           <a:latin typeface="+mn-lt"/>
           <a:ea typeface="+mn-ea"/>
@@ -3396,12 +4487,20 @@
         </p:nvSpPr>
         <p:spPr/>
         <p:txBody>
-          <a:bodyPr/>
+          <a:bodyPr>
+            <a:normAutofit fontScale="85000" lnSpcReduction="20000"/>
+          </a:bodyPr>
           <a:lstStyle/>
           <a:p>
             <a:r>
               <a:rPr lang="it-IT" dirty="0"/>
-              <a:t>IMS Project – Group A6: Giulia Baldini, Emanuela Calabi, Mikel Grabocka</a:t>
+              <a:t>IMS Project – Group A6</a:t>
+            </a:r>
+          </a:p>
+          <a:p>
+            <a:r>
+              <a:rPr lang="it-IT" dirty="0"/>
+              <a:t>Giulia Baldini, Emanuela Calabi, Mikel Grabocka</a:t>
             </a:r>
           </a:p>
           <a:p>
@@ -3410,6 +4509,73 @@
               <a:t>24/10/2017</a:t>
             </a:r>
             <a:endParaRPr lang="en-GB" dirty="0"/>
+          </a:p>
+        </p:txBody>
+      </p:sp>
+      <p:sp>
+        <p:nvSpPr>
+          <p:cNvPr id="4" name="Date Placeholder 3">
+            <a:extLst>
+              <a:ext uri="{FF2B5EF4-FFF2-40B4-BE49-F238E27FC236}">
+                <a16:creationId xmlns:a16="http://schemas.microsoft.com/office/drawing/2014/main" id="{6A452B27-506E-486A-88DD-25DB601BB4CA}"/>
+              </a:ext>
+            </a:extLst>
+          </p:cNvPr>
+          <p:cNvSpPr>
+            <a:spLocks noGrp="1"/>
+          </p:cNvSpPr>
+          <p:nvPr>
+            <p:ph type="dt" sz="half" idx="10"/>
+          </p:nvPr>
+        </p:nvSpPr>
+        <p:spPr>
+          <a:xfrm>
+            <a:off x="1097280" y="6417581"/>
+            <a:ext cx="2472271" cy="365125"/>
+          </a:xfrm>
+        </p:spPr>
+        <p:txBody>
+          <a:bodyPr/>
+          <a:lstStyle/>
+          <a:p>
+            <a:r>
+              <a:rPr lang="en-US" sz="1500" dirty="0"/>
+              <a:t>A.Y. 2017/18</a:t>
+            </a:r>
+            <a:endParaRPr lang="en-GB" sz="1500" dirty="0"/>
+          </a:p>
+        </p:txBody>
+      </p:sp>
+      <p:sp>
+        <p:nvSpPr>
+          <p:cNvPr id="5" name="Footer Placeholder 4">
+            <a:extLst>
+              <a:ext uri="{FF2B5EF4-FFF2-40B4-BE49-F238E27FC236}">
+                <a16:creationId xmlns:a16="http://schemas.microsoft.com/office/drawing/2014/main" id="{157B7025-7245-4F8A-A2D3-CA8DC9051100}"/>
+              </a:ext>
+            </a:extLst>
+          </p:cNvPr>
+          <p:cNvSpPr>
+            <a:spLocks noGrp="1"/>
+          </p:cNvSpPr>
+          <p:nvPr>
+            <p:ph type="ftr" sz="quarter" idx="11"/>
+          </p:nvPr>
+        </p:nvSpPr>
+        <p:spPr>
+          <a:xfrm>
+            <a:off x="3686185" y="6431649"/>
+            <a:ext cx="4822804" cy="365125"/>
+          </a:xfrm>
+        </p:spPr>
+        <p:txBody>
+          <a:bodyPr/>
+          <a:lstStyle/>
+          <a:p>
+            <a:r>
+              <a:rPr lang="en-GB" sz="1500" dirty="0"/>
+              <a:t>IMS – A6</a:t>
+            </a:r>
           </a:p>
         </p:txBody>
       </p:sp>
@@ -3498,13 +4664,100 @@
             </a:pPr>
             <a:r>
               <a:rPr lang="it-IT" dirty="0"/>
-              <a:t>A new student of the Free University of Bolzano arrives in the city. He does not have any friends, and neither has been in South Tyrol before. However, he wants to discover the beauty of the villages and the environement in which he will live in for some years. He does not want to visit alone and does not have any information regarding what to see and how to get there. </a:t>
+              <a:t>A new student of the Free University of Bolzano arrives in the city. He does not have any friends, and neither has been in South Tyrol before. However, he wants to discover the beauty of the villages and the environement in which he will live in for some years. He does not want to visit alone and does not have any information regarding what to see and how to get there.</a:t>
             </a:r>
           </a:p>
           <a:p>
             <a:pPr marL="0" indent="0">
               <a:buNone/>
             </a:pPr>
+            <a:endParaRPr lang="en-GB" dirty="0"/>
+          </a:p>
+        </p:txBody>
+      </p:sp>
+      <p:sp>
+        <p:nvSpPr>
+          <p:cNvPr id="4" name="Date Placeholder 3">
+            <a:extLst>
+              <a:ext uri="{FF2B5EF4-FFF2-40B4-BE49-F238E27FC236}">
+                <a16:creationId xmlns:a16="http://schemas.microsoft.com/office/drawing/2014/main" id="{C667F777-85C0-426F-9900-3D205DC875AF}"/>
+              </a:ext>
+            </a:extLst>
+          </p:cNvPr>
+          <p:cNvSpPr>
+            <a:spLocks noGrp="1"/>
+          </p:cNvSpPr>
+          <p:nvPr>
+            <p:ph type="dt" sz="half" idx="10"/>
+          </p:nvPr>
+        </p:nvSpPr>
+        <p:spPr/>
+        <p:txBody>
+          <a:bodyPr/>
+          <a:lstStyle/>
+          <a:p>
+            <a:r>
+              <a:rPr lang="en-US" dirty="0"/>
+              <a:t>A.Y. 2017/18</a:t>
+            </a:r>
+            <a:endParaRPr lang="en-GB" dirty="0"/>
+          </a:p>
+        </p:txBody>
+      </p:sp>
+      <p:sp>
+        <p:nvSpPr>
+          <p:cNvPr id="5" name="Footer Placeholder 4">
+            <a:extLst>
+              <a:ext uri="{FF2B5EF4-FFF2-40B4-BE49-F238E27FC236}">
+                <a16:creationId xmlns:a16="http://schemas.microsoft.com/office/drawing/2014/main" id="{646F31C3-A230-4E4A-A441-3C9845499735}"/>
+              </a:ext>
+            </a:extLst>
+          </p:cNvPr>
+          <p:cNvSpPr>
+            <a:spLocks noGrp="1"/>
+          </p:cNvSpPr>
+          <p:nvPr>
+            <p:ph type="ftr" sz="quarter" idx="11"/>
+          </p:nvPr>
+        </p:nvSpPr>
+        <p:spPr/>
+        <p:txBody>
+          <a:bodyPr/>
+          <a:lstStyle/>
+          <a:p>
+            <a:r>
+              <a:rPr lang="it-IT"/>
+              <a:t>IMS – A6</a:t>
+            </a:r>
+            <a:endParaRPr lang="en-GB" dirty="0"/>
+          </a:p>
+        </p:txBody>
+      </p:sp>
+      <p:sp>
+        <p:nvSpPr>
+          <p:cNvPr id="6" name="Slide Number Placeholder 5">
+            <a:extLst>
+              <a:ext uri="{FF2B5EF4-FFF2-40B4-BE49-F238E27FC236}">
+                <a16:creationId xmlns:a16="http://schemas.microsoft.com/office/drawing/2014/main" id="{8057E4B4-8CAF-43DD-8E13-1013E9243368}"/>
+              </a:ext>
+            </a:extLst>
+          </p:cNvPr>
+          <p:cNvSpPr>
+            <a:spLocks noGrp="1"/>
+          </p:cNvSpPr>
+          <p:nvPr>
+            <p:ph type="sldNum" sz="quarter" idx="12"/>
+          </p:nvPr>
+        </p:nvSpPr>
+        <p:spPr/>
+        <p:txBody>
+          <a:bodyPr/>
+          <a:lstStyle/>
+          <a:p>
+            <a:fld id="{E63C5663-C309-400D-BD5F-8327758EFEBB}" type="slidenum">
+              <a:rPr lang="en-GB" smtClean="0"/>
+              <a:t>2</a:t>
+            </a:fld>
             <a:endParaRPr lang="en-GB" dirty="0"/>
           </a:p>
         </p:txBody>
@@ -3594,8 +4847,132 @@
             </a:pPr>
             <a:r>
               <a:rPr lang="it-IT" dirty="0"/>
-              <a:t>Our system will help new students and tourists to discover this beautiful region.</a:t>
-            </a:r>
+              <a:t>Our system will:</a:t>
+            </a:r>
+          </a:p>
+          <a:p>
+            <a:pPr>
+              <a:buFont typeface="Arial" panose="020B0604020202020204" pitchFamily="34" charset="0"/>
+              <a:buChar char="•"/>
+            </a:pPr>
+            <a:r>
+              <a:rPr lang="it-IT" dirty="0"/>
+              <a:t> Help new students and tourists discover the region</a:t>
+            </a:r>
+          </a:p>
+          <a:p>
+            <a:pPr>
+              <a:buFont typeface="Arial" panose="020B0604020202020204" pitchFamily="34" charset="0"/>
+              <a:buChar char="•"/>
+            </a:pPr>
+            <a:r>
+              <a:rPr lang="it-IT" dirty="0"/>
+              <a:t> Make it easier to meet new people</a:t>
+            </a:r>
+          </a:p>
+          <a:p>
+            <a:pPr>
+              <a:buFont typeface="Arial" panose="020B0604020202020204" pitchFamily="34" charset="0"/>
+              <a:buChar char="•"/>
+            </a:pPr>
+            <a:r>
+              <a:rPr lang="it-IT" dirty="0"/>
+              <a:t> Make activities affordable for students</a:t>
+            </a:r>
+          </a:p>
+          <a:p>
+            <a:pPr>
+              <a:buFont typeface="Arial" panose="020B0604020202020204" pitchFamily="34" charset="0"/>
+              <a:buChar char="•"/>
+            </a:pPr>
+            <a:endParaRPr lang="it-IT" dirty="0"/>
+          </a:p>
+        </p:txBody>
+      </p:sp>
+      <p:sp>
+        <p:nvSpPr>
+          <p:cNvPr id="4" name="Date Placeholder 3">
+            <a:extLst>
+              <a:ext uri="{FF2B5EF4-FFF2-40B4-BE49-F238E27FC236}">
+                <a16:creationId xmlns:a16="http://schemas.microsoft.com/office/drawing/2014/main" id="{E89CD802-A9B2-44A4-9B05-521831710354}"/>
+              </a:ext>
+            </a:extLst>
+          </p:cNvPr>
+          <p:cNvSpPr>
+            <a:spLocks noGrp="1"/>
+          </p:cNvSpPr>
+          <p:nvPr>
+            <p:ph type="dt" sz="half" idx="10"/>
+          </p:nvPr>
+        </p:nvSpPr>
+        <p:spPr/>
+        <p:txBody>
+          <a:bodyPr/>
+          <a:lstStyle/>
+          <a:p>
+            <a:r>
+              <a:rPr lang="en-US"/>
+              <a:t>A.Y. 2017/18</a:t>
+            </a:r>
+            <a:endParaRPr lang="en-GB" dirty="0"/>
+          </a:p>
+        </p:txBody>
+      </p:sp>
+      <p:sp>
+        <p:nvSpPr>
+          <p:cNvPr id="5" name="Footer Placeholder 4">
+            <a:extLst>
+              <a:ext uri="{FF2B5EF4-FFF2-40B4-BE49-F238E27FC236}">
+                <a16:creationId xmlns:a16="http://schemas.microsoft.com/office/drawing/2014/main" id="{A2B3A699-F20F-43DD-A646-DF2CFAACD8E2}"/>
+              </a:ext>
+            </a:extLst>
+          </p:cNvPr>
+          <p:cNvSpPr>
+            <a:spLocks noGrp="1"/>
+          </p:cNvSpPr>
+          <p:nvPr>
+            <p:ph type="ftr" sz="quarter" idx="11"/>
+          </p:nvPr>
+        </p:nvSpPr>
+        <p:spPr/>
+        <p:txBody>
+          <a:bodyPr/>
+          <a:lstStyle/>
+          <a:p>
+            <a:r>
+              <a:rPr lang="it-IT"/>
+              <a:t>IMS – A6</a:t>
+            </a:r>
+            <a:endParaRPr lang="en-GB" dirty="0"/>
+          </a:p>
+        </p:txBody>
+      </p:sp>
+      <p:sp>
+        <p:nvSpPr>
+          <p:cNvPr id="6" name="Slide Number Placeholder 5">
+            <a:extLst>
+              <a:ext uri="{FF2B5EF4-FFF2-40B4-BE49-F238E27FC236}">
+                <a16:creationId xmlns:a16="http://schemas.microsoft.com/office/drawing/2014/main" id="{600BC6BB-F68A-4021-994A-3985D0B8C07C}"/>
+              </a:ext>
+            </a:extLst>
+          </p:cNvPr>
+          <p:cNvSpPr>
+            <a:spLocks noGrp="1"/>
+          </p:cNvSpPr>
+          <p:nvPr>
+            <p:ph type="sldNum" sz="quarter" idx="12"/>
+          </p:nvPr>
+        </p:nvSpPr>
+        <p:spPr/>
+        <p:txBody>
+          <a:bodyPr/>
+          <a:lstStyle/>
+          <a:p>
+            <a:fld id="{E63C5663-C309-400D-BD5F-8327758EFEBB}" type="slidenum">
+              <a:rPr lang="en-GB" smtClean="0"/>
+              <a:t>3</a:t>
+            </a:fld>
+            <a:endParaRPr lang="en-GB" dirty="0"/>
           </a:p>
         </p:txBody>
       </p:sp>
@@ -3634,6 +5011,241 @@
           <p:cNvPr id="2" name="Title 1">
             <a:extLst>
               <a:ext uri="{FF2B5EF4-FFF2-40B4-BE49-F238E27FC236}">
+                <a16:creationId xmlns:a16="http://schemas.microsoft.com/office/drawing/2014/main" id="{1DAFD5BD-69A9-422C-979A-14784F4E5FD6}"/>
+              </a:ext>
+            </a:extLst>
+          </p:cNvPr>
+          <p:cNvSpPr>
+            <a:spLocks noGrp="1"/>
+          </p:cNvSpPr>
+          <p:nvPr>
+            <p:ph type="title"/>
+          </p:nvPr>
+        </p:nvSpPr>
+        <p:spPr/>
+        <p:txBody>
+          <a:bodyPr/>
+          <a:lstStyle/>
+          <a:p>
+            <a:r>
+              <a:rPr lang="it-IT" dirty="0"/>
+              <a:t>Stakeholders</a:t>
+            </a:r>
+            <a:endParaRPr lang="en-GB" dirty="0"/>
+          </a:p>
+        </p:txBody>
+      </p:sp>
+      <p:sp>
+        <p:nvSpPr>
+          <p:cNvPr id="3" name="Content Placeholder 2">
+            <a:extLst>
+              <a:ext uri="{FF2B5EF4-FFF2-40B4-BE49-F238E27FC236}">
+                <a16:creationId xmlns:a16="http://schemas.microsoft.com/office/drawing/2014/main" id="{9DCE78A5-499B-4557-AB6B-ADCC1FAE28CE}"/>
+              </a:ext>
+            </a:extLst>
+          </p:cNvPr>
+          <p:cNvSpPr>
+            <a:spLocks noGrp="1"/>
+          </p:cNvSpPr>
+          <p:nvPr>
+            <p:ph idx="1"/>
+          </p:nvPr>
+        </p:nvSpPr>
+        <p:spPr/>
+        <p:txBody>
+          <a:bodyPr/>
+          <a:lstStyle/>
+          <a:p>
+            <a:pPr>
+              <a:buFont typeface="Arial" panose="020B0604020202020204" pitchFamily="34" charset="0"/>
+              <a:buChar char="•"/>
+            </a:pPr>
+            <a:r>
+              <a:rPr lang="it-IT" dirty="0"/>
+              <a:t> Board of the association</a:t>
+            </a:r>
+          </a:p>
+          <a:p>
+            <a:pPr>
+              <a:buFont typeface="Arial" panose="020B0604020202020204" pitchFamily="34" charset="0"/>
+              <a:buChar char="•"/>
+            </a:pPr>
+            <a:r>
+              <a:rPr lang="it-IT" dirty="0"/>
+              <a:t> Members of the association</a:t>
+            </a:r>
+          </a:p>
+          <a:p>
+            <a:pPr>
+              <a:buFont typeface="Arial" panose="020B0604020202020204" pitchFamily="34" charset="0"/>
+              <a:buChar char="•"/>
+            </a:pPr>
+            <a:r>
+              <a:rPr lang="it-IT" dirty="0"/>
+              <a:t> New students</a:t>
+            </a:r>
+          </a:p>
+          <a:p>
+            <a:pPr>
+              <a:buFont typeface="Arial" panose="020B0604020202020204" pitchFamily="34" charset="0"/>
+              <a:buChar char="•"/>
+            </a:pPr>
+            <a:r>
+              <a:rPr lang="it-IT" dirty="0"/>
+              <a:t> Existing students</a:t>
+            </a:r>
+          </a:p>
+          <a:p>
+            <a:pPr>
+              <a:buFont typeface="Arial" panose="020B0604020202020204" pitchFamily="34" charset="0"/>
+              <a:buChar char="•"/>
+            </a:pPr>
+            <a:r>
+              <a:rPr lang="it-IT" dirty="0"/>
+              <a:t> Free University of Bozen-Bolzano</a:t>
+            </a:r>
+          </a:p>
+          <a:p>
+            <a:pPr>
+              <a:buFont typeface="Arial" panose="020B0604020202020204" pitchFamily="34" charset="0"/>
+              <a:buChar char="•"/>
+            </a:pPr>
+            <a:r>
+              <a:rPr lang="it-IT" dirty="0"/>
+              <a:t> Tourists</a:t>
+            </a:r>
+          </a:p>
+          <a:p>
+            <a:pPr>
+              <a:buFont typeface="Arial" panose="020B0604020202020204" pitchFamily="34" charset="0"/>
+              <a:buChar char="•"/>
+            </a:pPr>
+            <a:endParaRPr lang="en-GB" dirty="0"/>
+          </a:p>
+        </p:txBody>
+      </p:sp>
+      <p:sp>
+        <p:nvSpPr>
+          <p:cNvPr id="4" name="Date Placeholder 3">
+            <a:extLst>
+              <a:ext uri="{FF2B5EF4-FFF2-40B4-BE49-F238E27FC236}">
+                <a16:creationId xmlns:a16="http://schemas.microsoft.com/office/drawing/2014/main" id="{CB2F6A3D-ED40-4836-9259-4AD67B4FC13C}"/>
+              </a:ext>
+            </a:extLst>
+          </p:cNvPr>
+          <p:cNvSpPr>
+            <a:spLocks noGrp="1"/>
+          </p:cNvSpPr>
+          <p:nvPr>
+            <p:ph type="dt" sz="half" idx="10"/>
+          </p:nvPr>
+        </p:nvSpPr>
+        <p:spPr/>
+        <p:txBody>
+          <a:bodyPr/>
+          <a:lstStyle/>
+          <a:p>
+            <a:r>
+              <a:rPr lang="en-US"/>
+              <a:t>A.Y. 2017/18</a:t>
+            </a:r>
+            <a:endParaRPr lang="en-GB" dirty="0"/>
+          </a:p>
+        </p:txBody>
+      </p:sp>
+      <p:sp>
+        <p:nvSpPr>
+          <p:cNvPr id="5" name="Footer Placeholder 4">
+            <a:extLst>
+              <a:ext uri="{FF2B5EF4-FFF2-40B4-BE49-F238E27FC236}">
+                <a16:creationId xmlns:a16="http://schemas.microsoft.com/office/drawing/2014/main" id="{4E28CD82-FFC3-49A4-88D3-E51961A6677A}"/>
+              </a:ext>
+            </a:extLst>
+          </p:cNvPr>
+          <p:cNvSpPr>
+            <a:spLocks noGrp="1"/>
+          </p:cNvSpPr>
+          <p:nvPr>
+            <p:ph type="ftr" sz="quarter" idx="11"/>
+          </p:nvPr>
+        </p:nvSpPr>
+        <p:spPr/>
+        <p:txBody>
+          <a:bodyPr/>
+          <a:lstStyle/>
+          <a:p>
+            <a:r>
+              <a:rPr lang="it-IT"/>
+              <a:t>IMS – A6</a:t>
+            </a:r>
+            <a:endParaRPr lang="en-GB" dirty="0"/>
+          </a:p>
+        </p:txBody>
+      </p:sp>
+      <p:sp>
+        <p:nvSpPr>
+          <p:cNvPr id="6" name="Slide Number Placeholder 5">
+            <a:extLst>
+              <a:ext uri="{FF2B5EF4-FFF2-40B4-BE49-F238E27FC236}">
+                <a16:creationId xmlns:a16="http://schemas.microsoft.com/office/drawing/2014/main" id="{8CEEB3B3-7B22-48EA-B0AF-831C27E511EA}"/>
+              </a:ext>
+            </a:extLst>
+          </p:cNvPr>
+          <p:cNvSpPr>
+            <a:spLocks noGrp="1"/>
+          </p:cNvSpPr>
+          <p:nvPr>
+            <p:ph type="sldNum" sz="quarter" idx="12"/>
+          </p:nvPr>
+        </p:nvSpPr>
+        <p:spPr/>
+        <p:txBody>
+          <a:bodyPr/>
+          <a:lstStyle/>
+          <a:p>
+            <a:fld id="{E63C5663-C309-400D-BD5F-8327758EFEBB}" type="slidenum">
+              <a:rPr lang="en-GB" smtClean="0"/>
+              <a:t>4</a:t>
+            </a:fld>
+            <a:endParaRPr lang="en-GB" dirty="0"/>
+          </a:p>
+        </p:txBody>
+      </p:sp>
+    </p:spTree>
+    <p:extLst>
+      <p:ext uri="{BB962C8B-B14F-4D97-AF65-F5344CB8AC3E}">
+        <p14:creationId xmlns:p14="http://schemas.microsoft.com/office/powerpoint/2010/main" val="2891426059"/>
+      </p:ext>
+    </p:extLst>
+  </p:cSld>
+  <p:clrMapOvr>
+    <a:masterClrMapping/>
+  </p:clrMapOvr>
+</p:sld>
+</file>
+
+<file path=ppt/slides/slide5.xml><?xml version="1.0" encoding="utf-8"?>
+<p:sld xmlns:a="http://schemas.openxmlformats.org/drawingml/2006/main" xmlns:r="http://schemas.openxmlformats.org/officeDocument/2006/relationships" xmlns:p="http://schemas.openxmlformats.org/presentationml/2006/main">
+  <p:cSld>
+    <p:spTree>
+      <p:nvGrpSpPr>
+        <p:cNvPr id="1" name=""/>
+        <p:cNvGrpSpPr/>
+        <p:nvPr/>
+      </p:nvGrpSpPr>
+      <p:grpSpPr>
+        <a:xfrm>
+          <a:off x="0" y="0"/>
+          <a:ext cx="0" cy="0"/>
+          <a:chOff x="0" y="0"/>
+          <a:chExt cx="0" cy="0"/>
+        </a:xfrm>
+      </p:grpSpPr>
+      <p:sp>
+        <p:nvSpPr>
+          <p:cNvPr id="2" name="Title 1">
+            <a:extLst>
+              <a:ext uri="{FF2B5EF4-FFF2-40B4-BE49-F238E27FC236}">
                 <a16:creationId xmlns:a16="http://schemas.microsoft.com/office/drawing/2014/main" id="{3819C06B-DC08-4499-AA2C-488F3AB7B3C0}"/>
               </a:ext>
             </a:extLst>
@@ -3679,15 +5291,63 @@
           <a:bodyPr/>
           <a:lstStyle/>
           <a:p>
+            <a:pPr>
+              <a:buFont typeface="Arial" panose="020B0604020202020204" pitchFamily="34" charset="0"/>
+              <a:buChar char="•"/>
+            </a:pPr>
             <a:r>
               <a:rPr lang="it-IT" dirty="0"/>
-              <a:t>Registrazione utenti (??)</a:t>
-            </a:r>
-          </a:p>
-          <a:p>
+              <a:t> Information about trips and events in the South Tyrol area</a:t>
+            </a:r>
+          </a:p>
+          <a:p>
+            <a:pPr>
+              <a:buFont typeface="Arial" panose="020B0604020202020204" pitchFamily="34" charset="0"/>
+              <a:buChar char="•"/>
+            </a:pPr>
             <a:r>
               <a:rPr lang="it-IT" dirty="0"/>
-              <a:t>Vengo anch’io/Ich komme mit/I’ll come along/Vij dhe une</a:t>
+              <a:t> Possibility of registration for the activities</a:t>
+            </a:r>
+          </a:p>
+          <a:p>
+            <a:pPr>
+              <a:buFont typeface="Arial" panose="020B0604020202020204" pitchFamily="34" charset="0"/>
+              <a:buChar char="•"/>
+            </a:pPr>
+            <a:r>
+              <a:rPr lang="it-IT" dirty="0"/>
+              <a:t> Grouping of information based on tags</a:t>
+            </a:r>
+          </a:p>
+          <a:p>
+            <a:pPr>
+              <a:buFont typeface="Arial" panose="020B0604020202020204" pitchFamily="34" charset="0"/>
+              <a:buChar char="•"/>
+            </a:pPr>
+            <a:r>
+              <a:rPr lang="it-IT" dirty="0"/>
+              <a:t> Updates on the trip via E-Mail</a:t>
+            </a:r>
+          </a:p>
+          <a:p>
+            <a:pPr>
+              <a:buFont typeface="Arial" panose="020B0604020202020204" pitchFamily="34" charset="0"/>
+              <a:buChar char="•"/>
+            </a:pPr>
+            <a:r>
+              <a:rPr lang="it-IT" dirty="0"/>
+              <a:t> Activity calendar</a:t>
+            </a:r>
+          </a:p>
+          <a:p>
+            <a:pPr>
+              <a:buFont typeface="Arial" panose="020B0604020202020204" pitchFamily="34" charset="0"/>
+              <a:buChar char="•"/>
+            </a:pPr>
+            <a:r>
+              <a:rPr lang="it-IT" dirty="0"/>
+              <a:t> Newsletter</a:t>
             </a:r>
           </a:p>
           <a:p>
@@ -3697,9 +5357,93 @@
             <a:endParaRPr lang="it-IT" dirty="0"/>
           </a:p>
           <a:p>
-            <a:endParaRPr lang="it-IT" dirty="0"/>
-          </a:p>
-          <a:p>
+            <a:endParaRPr lang="en-GB" dirty="0"/>
+          </a:p>
+        </p:txBody>
+      </p:sp>
+      <p:sp>
+        <p:nvSpPr>
+          <p:cNvPr id="4" name="Date Placeholder 3">
+            <a:extLst>
+              <a:ext uri="{FF2B5EF4-FFF2-40B4-BE49-F238E27FC236}">
+                <a16:creationId xmlns:a16="http://schemas.microsoft.com/office/drawing/2014/main" id="{F97112AD-FA2C-421A-AF2E-C444ACCC4333}"/>
+              </a:ext>
+            </a:extLst>
+          </p:cNvPr>
+          <p:cNvSpPr>
+            <a:spLocks noGrp="1"/>
+          </p:cNvSpPr>
+          <p:nvPr>
+            <p:ph type="dt" sz="half" idx="10"/>
+          </p:nvPr>
+        </p:nvSpPr>
+        <p:spPr/>
+        <p:txBody>
+          <a:bodyPr/>
+          <a:lstStyle/>
+          <a:p>
+            <a:r>
+              <a:rPr lang="en-US"/>
+              <a:t>A.Y. 2017/18</a:t>
+            </a:r>
+            <a:endParaRPr lang="en-GB" dirty="0"/>
+          </a:p>
+        </p:txBody>
+      </p:sp>
+      <p:sp>
+        <p:nvSpPr>
+          <p:cNvPr id="5" name="Footer Placeholder 4">
+            <a:extLst>
+              <a:ext uri="{FF2B5EF4-FFF2-40B4-BE49-F238E27FC236}">
+                <a16:creationId xmlns:a16="http://schemas.microsoft.com/office/drawing/2014/main" id="{07D12AEC-BF2C-4379-8A77-BF7BA4F850C4}"/>
+              </a:ext>
+            </a:extLst>
+          </p:cNvPr>
+          <p:cNvSpPr>
+            <a:spLocks noGrp="1"/>
+          </p:cNvSpPr>
+          <p:nvPr>
+            <p:ph type="ftr" sz="quarter" idx="11"/>
+          </p:nvPr>
+        </p:nvSpPr>
+        <p:spPr/>
+        <p:txBody>
+          <a:bodyPr/>
+          <a:lstStyle/>
+          <a:p>
+            <a:r>
+              <a:rPr lang="it-IT"/>
+              <a:t>IMS – A6</a:t>
+            </a:r>
+            <a:endParaRPr lang="en-GB" dirty="0"/>
+          </a:p>
+        </p:txBody>
+      </p:sp>
+      <p:sp>
+        <p:nvSpPr>
+          <p:cNvPr id="6" name="Slide Number Placeholder 5">
+            <a:extLst>
+              <a:ext uri="{FF2B5EF4-FFF2-40B4-BE49-F238E27FC236}">
+                <a16:creationId xmlns:a16="http://schemas.microsoft.com/office/drawing/2014/main" id="{A1CCC2E9-E56C-4E4B-818F-AB2B92388B2F}"/>
+              </a:ext>
+            </a:extLst>
+          </p:cNvPr>
+          <p:cNvSpPr>
+            <a:spLocks noGrp="1"/>
+          </p:cNvSpPr>
+          <p:nvPr>
+            <p:ph type="sldNum" sz="quarter" idx="12"/>
+          </p:nvPr>
+        </p:nvSpPr>
+        <p:spPr/>
+        <p:txBody>
+          <a:bodyPr/>
+          <a:lstStyle/>
+          <a:p>
+            <a:fld id="{E63C5663-C309-400D-BD5F-8327758EFEBB}" type="slidenum">
+              <a:rPr lang="en-GB" smtClean="0"/>
+              <a:t>5</a:t>
+            </a:fld>
             <a:endParaRPr lang="en-GB" dirty="0"/>
           </a:p>
         </p:txBody>
@@ -3717,7 +5461,1030 @@
 </p:sld>
 </file>
 
+<file path=ppt/slides/slide6.xml><?xml version="1.0" encoding="utf-8"?>
+<p:sld xmlns:a="http://schemas.openxmlformats.org/drawingml/2006/main" xmlns:r="http://schemas.openxmlformats.org/officeDocument/2006/relationships" xmlns:p="http://schemas.openxmlformats.org/presentationml/2006/main">
+  <p:cSld>
+    <p:spTree>
+      <p:nvGrpSpPr>
+        <p:cNvPr id="1" name=""/>
+        <p:cNvGrpSpPr/>
+        <p:nvPr/>
+      </p:nvGrpSpPr>
+      <p:grpSpPr>
+        <a:xfrm>
+          <a:off x="0" y="0"/>
+          <a:ext cx="0" cy="0"/>
+          <a:chOff x="0" y="0"/>
+          <a:chExt cx="0" cy="0"/>
+        </a:xfrm>
+      </p:grpSpPr>
+      <p:sp>
+        <p:nvSpPr>
+          <p:cNvPr id="2" name="Title 1">
+            <a:extLst>
+              <a:ext uri="{FF2B5EF4-FFF2-40B4-BE49-F238E27FC236}">
+                <a16:creationId xmlns:a16="http://schemas.microsoft.com/office/drawing/2014/main" id="{E2C4F64D-572F-4B28-92C3-E561817EF049}"/>
+              </a:ext>
+            </a:extLst>
+          </p:cNvPr>
+          <p:cNvSpPr>
+            <a:spLocks noGrp="1"/>
+          </p:cNvSpPr>
+          <p:nvPr>
+            <p:ph type="title"/>
+          </p:nvPr>
+        </p:nvSpPr>
+        <p:spPr/>
+        <p:txBody>
+          <a:bodyPr/>
+          <a:lstStyle/>
+          <a:p>
+            <a:r>
+              <a:rPr lang="it-IT" dirty="0"/>
+              <a:t>Least viable product</a:t>
+            </a:r>
+            <a:endParaRPr lang="en-GB" dirty="0"/>
+          </a:p>
+        </p:txBody>
+      </p:sp>
+      <p:sp>
+        <p:nvSpPr>
+          <p:cNvPr id="3" name="Content Placeholder 2">
+            <a:extLst>
+              <a:ext uri="{FF2B5EF4-FFF2-40B4-BE49-F238E27FC236}">
+                <a16:creationId xmlns:a16="http://schemas.microsoft.com/office/drawing/2014/main" id="{6F061432-D0BE-4C00-93EA-16AFE9FE3C99}"/>
+              </a:ext>
+            </a:extLst>
+          </p:cNvPr>
+          <p:cNvSpPr>
+            <a:spLocks noGrp="1"/>
+          </p:cNvSpPr>
+          <p:nvPr>
+            <p:ph idx="1"/>
+          </p:nvPr>
+        </p:nvSpPr>
+        <p:spPr/>
+        <p:txBody>
+          <a:bodyPr/>
+          <a:lstStyle/>
+          <a:p>
+            <a:pPr marL="0" indent="0">
+              <a:buNone/>
+            </a:pPr>
+            <a:r>
+              <a:rPr lang="it-IT" dirty="0"/>
+              <a:t>Our minimum goal is to create an informative website about activities and events organized by the association. At this moment we are not interested in advanced features</a:t>
+            </a:r>
+          </a:p>
+          <a:p>
+            <a:pPr marL="0" indent="0">
+              <a:buNone/>
+            </a:pPr>
+            <a:r>
+              <a:rPr lang="it-IT" dirty="0"/>
+              <a:t> fully functional and responsive and captivating layout.</a:t>
+            </a:r>
+            <a:endParaRPr lang="en-GB" dirty="0"/>
+          </a:p>
+        </p:txBody>
+      </p:sp>
+      <p:sp>
+        <p:nvSpPr>
+          <p:cNvPr id="4" name="Date Placeholder 3">
+            <a:extLst>
+              <a:ext uri="{FF2B5EF4-FFF2-40B4-BE49-F238E27FC236}">
+                <a16:creationId xmlns:a16="http://schemas.microsoft.com/office/drawing/2014/main" id="{433CE613-3104-4C25-BD6F-954AAC43AFDD}"/>
+              </a:ext>
+            </a:extLst>
+          </p:cNvPr>
+          <p:cNvSpPr>
+            <a:spLocks noGrp="1"/>
+          </p:cNvSpPr>
+          <p:nvPr>
+            <p:ph type="dt" sz="half" idx="10"/>
+          </p:nvPr>
+        </p:nvSpPr>
+        <p:spPr/>
+        <p:txBody>
+          <a:bodyPr/>
+          <a:lstStyle/>
+          <a:p>
+            <a:r>
+              <a:rPr lang="en-US"/>
+              <a:t>A.Y. 2017/18</a:t>
+            </a:r>
+            <a:endParaRPr lang="en-GB" dirty="0"/>
+          </a:p>
+        </p:txBody>
+      </p:sp>
+      <p:sp>
+        <p:nvSpPr>
+          <p:cNvPr id="5" name="Footer Placeholder 4">
+            <a:extLst>
+              <a:ext uri="{FF2B5EF4-FFF2-40B4-BE49-F238E27FC236}">
+                <a16:creationId xmlns:a16="http://schemas.microsoft.com/office/drawing/2014/main" id="{6275E7EA-3714-4BC6-8FEB-8993580E5B01}"/>
+              </a:ext>
+            </a:extLst>
+          </p:cNvPr>
+          <p:cNvSpPr>
+            <a:spLocks noGrp="1"/>
+          </p:cNvSpPr>
+          <p:nvPr>
+            <p:ph type="ftr" sz="quarter" idx="11"/>
+          </p:nvPr>
+        </p:nvSpPr>
+        <p:spPr/>
+        <p:txBody>
+          <a:bodyPr/>
+          <a:lstStyle/>
+          <a:p>
+            <a:r>
+              <a:rPr lang="it-IT"/>
+              <a:t>IMS – A6</a:t>
+            </a:r>
+            <a:endParaRPr lang="en-GB" dirty="0"/>
+          </a:p>
+        </p:txBody>
+      </p:sp>
+      <p:sp>
+        <p:nvSpPr>
+          <p:cNvPr id="6" name="Slide Number Placeholder 5">
+            <a:extLst>
+              <a:ext uri="{FF2B5EF4-FFF2-40B4-BE49-F238E27FC236}">
+                <a16:creationId xmlns:a16="http://schemas.microsoft.com/office/drawing/2014/main" id="{E8807BFA-2F5D-4B89-8D81-B92195B812A1}"/>
+              </a:ext>
+            </a:extLst>
+          </p:cNvPr>
+          <p:cNvSpPr>
+            <a:spLocks noGrp="1"/>
+          </p:cNvSpPr>
+          <p:nvPr>
+            <p:ph type="sldNum" sz="quarter" idx="12"/>
+          </p:nvPr>
+        </p:nvSpPr>
+        <p:spPr/>
+        <p:txBody>
+          <a:bodyPr/>
+          <a:lstStyle/>
+          <a:p>
+            <a:fld id="{E63C5663-C309-400D-BD5F-8327758EFEBB}" type="slidenum">
+              <a:rPr lang="en-GB" smtClean="0"/>
+              <a:t>6</a:t>
+            </a:fld>
+            <a:endParaRPr lang="en-GB" dirty="0"/>
+          </a:p>
+        </p:txBody>
+      </p:sp>
+    </p:spTree>
+    <p:extLst>
+      <p:ext uri="{BB962C8B-B14F-4D97-AF65-F5344CB8AC3E}">
+        <p14:creationId xmlns:p14="http://schemas.microsoft.com/office/powerpoint/2010/main" val="859384887"/>
+      </p:ext>
+    </p:extLst>
+  </p:cSld>
+  <p:clrMapOvr>
+    <a:masterClrMapping/>
+  </p:clrMapOvr>
+</p:sld>
+</file>
+
+<file path=ppt/slides/slide7.xml><?xml version="1.0" encoding="utf-8"?>
+<p:sld xmlns:a="http://schemas.openxmlformats.org/drawingml/2006/main" xmlns:r="http://schemas.openxmlformats.org/officeDocument/2006/relationships" xmlns:p="http://schemas.openxmlformats.org/presentationml/2006/main">
+  <p:cSld>
+    <p:spTree>
+      <p:nvGrpSpPr>
+        <p:cNvPr id="1" name=""/>
+        <p:cNvGrpSpPr/>
+        <p:nvPr/>
+      </p:nvGrpSpPr>
+      <p:grpSpPr>
+        <a:xfrm>
+          <a:off x="0" y="0"/>
+          <a:ext cx="0" cy="0"/>
+          <a:chOff x="0" y="0"/>
+          <a:chExt cx="0" cy="0"/>
+        </a:xfrm>
+      </p:grpSpPr>
+      <p:sp>
+        <p:nvSpPr>
+          <p:cNvPr id="2" name="Title 1">
+            <a:extLst>
+              <a:ext uri="{FF2B5EF4-FFF2-40B4-BE49-F238E27FC236}">
+                <a16:creationId xmlns:a16="http://schemas.microsoft.com/office/drawing/2014/main" id="{81B58C9A-7E82-4272-8BAD-3AB607B1A249}"/>
+              </a:ext>
+            </a:extLst>
+          </p:cNvPr>
+          <p:cNvSpPr>
+            <a:spLocks noGrp="1"/>
+          </p:cNvSpPr>
+          <p:nvPr>
+            <p:ph type="title"/>
+          </p:nvPr>
+        </p:nvSpPr>
+        <p:spPr/>
+        <p:txBody>
+          <a:bodyPr/>
+          <a:lstStyle/>
+          <a:p>
+            <a:r>
+              <a:rPr lang="it-IT" dirty="0"/>
+              <a:t>External connection</a:t>
+            </a:r>
+            <a:endParaRPr lang="en-GB" dirty="0"/>
+          </a:p>
+        </p:txBody>
+      </p:sp>
+      <p:sp>
+        <p:nvSpPr>
+          <p:cNvPr id="3" name="Content Placeholder 2">
+            <a:extLst>
+              <a:ext uri="{FF2B5EF4-FFF2-40B4-BE49-F238E27FC236}">
+                <a16:creationId xmlns:a16="http://schemas.microsoft.com/office/drawing/2014/main" id="{97A8BAD4-C323-4BA6-9048-366B406B3294}"/>
+              </a:ext>
+            </a:extLst>
+          </p:cNvPr>
+          <p:cNvSpPr>
+            <a:spLocks noGrp="1"/>
+          </p:cNvSpPr>
+          <p:nvPr>
+            <p:ph idx="1"/>
+          </p:nvPr>
+        </p:nvSpPr>
+        <p:spPr>
+          <a:xfrm>
+            <a:off x="1097280" y="2064637"/>
+            <a:ext cx="10058400" cy="4023360"/>
+          </a:xfrm>
+        </p:spPr>
+        <p:txBody>
+          <a:bodyPr/>
+          <a:lstStyle/>
+          <a:p>
+            <a:pPr marL="0" indent="0">
+              <a:buNone/>
+            </a:pPr>
+            <a:r>
+              <a:rPr lang="it-IT" dirty="0"/>
+              <a:t>Social networks:</a:t>
+            </a:r>
+          </a:p>
+          <a:p>
+            <a:pPr lvl="1">
+              <a:buFont typeface="Arial" panose="020B0604020202020204" pitchFamily="34" charset="0"/>
+              <a:buChar char="•"/>
+            </a:pPr>
+            <a:r>
+              <a:rPr lang="it-IT" dirty="0"/>
+              <a:t> Facebook page</a:t>
+            </a:r>
+          </a:p>
+          <a:p>
+            <a:pPr lvl="1">
+              <a:buFont typeface="Arial" panose="020B0604020202020204" pitchFamily="34" charset="0"/>
+              <a:buChar char="•"/>
+            </a:pPr>
+            <a:r>
+              <a:rPr lang="it-IT" dirty="0"/>
+              <a:t> Twitter</a:t>
+            </a:r>
+          </a:p>
+          <a:p>
+            <a:pPr lvl="1">
+              <a:buFont typeface="Arial" panose="020B0604020202020204" pitchFamily="34" charset="0"/>
+              <a:buChar char="•"/>
+            </a:pPr>
+            <a:r>
+              <a:rPr lang="it-IT" dirty="0"/>
+              <a:t> Youtube</a:t>
+            </a:r>
+          </a:p>
+          <a:p>
+            <a:pPr marL="0" algn="just">
+              <a:buNone/>
+            </a:pPr>
+            <a:r>
+              <a:rPr lang="it-IT" dirty="0"/>
+              <a:t>Links to other website:</a:t>
+            </a:r>
+          </a:p>
+          <a:p>
+            <a:pPr lvl="1">
+              <a:buFont typeface="Arial" panose="020B0604020202020204" pitchFamily="34" charset="0"/>
+              <a:buChar char="•"/>
+            </a:pPr>
+            <a:r>
+              <a:rPr lang="it-IT" dirty="0"/>
+              <a:t> Unibz website</a:t>
+            </a:r>
+          </a:p>
+          <a:p>
+            <a:pPr lvl="1">
+              <a:buFont typeface="Arial" panose="020B0604020202020204" pitchFamily="34" charset="0"/>
+              <a:buChar char="•"/>
+            </a:pPr>
+            <a:r>
+              <a:rPr lang="it-IT" dirty="0"/>
+              <a:t> Province of Bolzano</a:t>
+            </a:r>
+          </a:p>
+          <a:p>
+            <a:pPr lvl="1">
+              <a:buFont typeface="Arial" panose="020B0604020202020204" pitchFamily="34" charset="0"/>
+              <a:buChar char="•"/>
+            </a:pPr>
+            <a:r>
+              <a:rPr lang="it-IT" dirty="0"/>
+              <a:t> South Tyrol mobility</a:t>
+            </a:r>
+          </a:p>
+          <a:p>
+            <a:pPr lvl="1">
+              <a:buFont typeface="Arial" panose="020B0604020202020204" pitchFamily="34" charset="0"/>
+              <a:buChar char="•"/>
+            </a:pPr>
+            <a:endParaRPr lang="en-GB" dirty="0"/>
+          </a:p>
+        </p:txBody>
+      </p:sp>
+      <p:sp>
+        <p:nvSpPr>
+          <p:cNvPr id="4" name="Date Placeholder 3">
+            <a:extLst>
+              <a:ext uri="{FF2B5EF4-FFF2-40B4-BE49-F238E27FC236}">
+                <a16:creationId xmlns:a16="http://schemas.microsoft.com/office/drawing/2014/main" id="{EEBC3FF7-2AC9-4CA6-BD4C-0B9ED5832437}"/>
+              </a:ext>
+            </a:extLst>
+          </p:cNvPr>
+          <p:cNvSpPr>
+            <a:spLocks noGrp="1"/>
+          </p:cNvSpPr>
+          <p:nvPr>
+            <p:ph type="dt" sz="half" idx="10"/>
+          </p:nvPr>
+        </p:nvSpPr>
+        <p:spPr/>
+        <p:txBody>
+          <a:bodyPr/>
+          <a:lstStyle/>
+          <a:p>
+            <a:r>
+              <a:rPr lang="en-US"/>
+              <a:t>A.Y. 2017/18</a:t>
+            </a:r>
+            <a:endParaRPr lang="en-GB" dirty="0"/>
+          </a:p>
+        </p:txBody>
+      </p:sp>
+      <p:sp>
+        <p:nvSpPr>
+          <p:cNvPr id="5" name="Footer Placeholder 4">
+            <a:extLst>
+              <a:ext uri="{FF2B5EF4-FFF2-40B4-BE49-F238E27FC236}">
+                <a16:creationId xmlns:a16="http://schemas.microsoft.com/office/drawing/2014/main" id="{D3D06435-0600-4922-9185-81544AB2D66F}"/>
+              </a:ext>
+            </a:extLst>
+          </p:cNvPr>
+          <p:cNvSpPr>
+            <a:spLocks noGrp="1"/>
+          </p:cNvSpPr>
+          <p:nvPr>
+            <p:ph type="ftr" sz="quarter" idx="11"/>
+          </p:nvPr>
+        </p:nvSpPr>
+        <p:spPr/>
+        <p:txBody>
+          <a:bodyPr/>
+          <a:lstStyle/>
+          <a:p>
+            <a:r>
+              <a:rPr lang="it-IT"/>
+              <a:t>IMS – A6</a:t>
+            </a:r>
+            <a:endParaRPr lang="en-GB" dirty="0"/>
+          </a:p>
+        </p:txBody>
+      </p:sp>
+      <p:sp>
+        <p:nvSpPr>
+          <p:cNvPr id="6" name="Slide Number Placeholder 5">
+            <a:extLst>
+              <a:ext uri="{FF2B5EF4-FFF2-40B4-BE49-F238E27FC236}">
+                <a16:creationId xmlns:a16="http://schemas.microsoft.com/office/drawing/2014/main" id="{1B5BFEE1-41F2-4C09-A6B2-4C42414036AC}"/>
+              </a:ext>
+            </a:extLst>
+          </p:cNvPr>
+          <p:cNvSpPr>
+            <a:spLocks noGrp="1"/>
+          </p:cNvSpPr>
+          <p:nvPr>
+            <p:ph type="sldNum" sz="quarter" idx="12"/>
+          </p:nvPr>
+        </p:nvSpPr>
+        <p:spPr/>
+        <p:txBody>
+          <a:bodyPr/>
+          <a:lstStyle/>
+          <a:p>
+            <a:fld id="{E63C5663-C309-400D-BD5F-8327758EFEBB}" type="slidenum">
+              <a:rPr lang="en-GB" smtClean="0"/>
+              <a:t>7</a:t>
+            </a:fld>
+            <a:endParaRPr lang="en-GB" dirty="0"/>
+          </a:p>
+        </p:txBody>
+      </p:sp>
+    </p:spTree>
+    <p:extLst>
+      <p:ext uri="{BB962C8B-B14F-4D97-AF65-F5344CB8AC3E}">
+        <p14:creationId xmlns:p14="http://schemas.microsoft.com/office/powerpoint/2010/main" val="1755632698"/>
+      </p:ext>
+    </p:extLst>
+  </p:cSld>
+  <p:clrMapOvr>
+    <a:masterClrMapping/>
+  </p:clrMapOvr>
+</p:sld>
+</file>
+
 <file path=ppt/theme/theme1.xml><?xml version="1.0" encoding="utf-8"?>
+<a:theme xmlns:a="http://schemas.openxmlformats.org/drawingml/2006/main" name="Retrospect">
+  <a:themeElements>
+    <a:clrScheme name="Retrospect">
+      <a:dk1>
+        <a:sysClr val="windowText" lastClr="000000"/>
+      </a:dk1>
+      <a:lt1>
+        <a:sysClr val="window" lastClr="FFFFFF"/>
+      </a:lt1>
+      <a:dk2>
+        <a:srgbClr val="455F51"/>
+      </a:dk2>
+      <a:lt2>
+        <a:srgbClr val="E2DFCC"/>
+      </a:lt2>
+      <a:accent1>
+        <a:srgbClr val="99CB38"/>
+      </a:accent1>
+      <a:accent2>
+        <a:srgbClr val="63A537"/>
+      </a:accent2>
+      <a:accent3>
+        <a:srgbClr val="37A76F"/>
+      </a:accent3>
+      <a:accent4>
+        <a:srgbClr val="44C1A3"/>
+      </a:accent4>
+      <a:accent5>
+        <a:srgbClr val="4EB3CF"/>
+      </a:accent5>
+      <a:accent6>
+        <a:srgbClr val="51C3F9"/>
+      </a:accent6>
+      <a:hlink>
+        <a:srgbClr val="6B9F25"/>
+      </a:hlink>
+      <a:folHlink>
+        <a:srgbClr val="B26B02"/>
+      </a:folHlink>
+    </a:clrScheme>
+    <a:fontScheme name="Retrospect">
+      <a:majorFont>
+        <a:latin typeface="Calibri Light" panose="020F0302020204030204"/>
+        <a:ea typeface=""/>
+        <a:cs typeface=""/>
+        <a:font script="Jpan" typeface="ＭＳ Ｐゴシック"/>
+        <a:font script="Hang" typeface="맑은 고딕"/>
+        <a:font script="Hans" typeface="宋体"/>
+        <a:font script="Hant" typeface="新細明體"/>
+        <a:font script="Arab" typeface="Times New Roman"/>
+        <a:font script="Hebr" typeface="Times New Roman"/>
+        <a:font script="Thai" typeface="Angsana New"/>
+        <a:font script="Ethi" typeface="Nyala"/>
+        <a:font script="Beng" typeface="Vrinda"/>
+        <a:font script="Gujr" typeface="Shruti"/>
+        <a:font script="Khmr" typeface="MoolBoran"/>
+        <a:font script="Knda" typeface="Tunga"/>
+        <a:font script="Guru" typeface="Raavi"/>
+        <a:font script="Cans" typeface="Euphemia"/>
+        <a:font script="Cher" typeface="Plantagenet Cherokee"/>
+        <a:font script="Yiii" typeface="Microsoft Yi Baiti"/>
+        <a:font script="Tibt" typeface="Microsoft Himalaya"/>
+        <a:font script="Thaa" typeface="MV Boli"/>
+        <a:font script="Deva" typeface="Mangal"/>
+        <a:font script="Telu" typeface="Gautami"/>
+        <a:font script="Taml" typeface="Latha"/>
+        <a:font script="Syrc" typeface="Estrangelo Edessa"/>
+        <a:font script="Orya" typeface="Kalinga"/>
+        <a:font script="Mlym" typeface="Kartika"/>
+        <a:font script="Laoo" typeface="DokChampa"/>
+        <a:font script="Sinh" typeface="Iskoola Pota"/>
+        <a:font script="Mong" typeface="Mongolian Baiti"/>
+        <a:font script="Viet" typeface="Times New Roman"/>
+        <a:font script="Uigh" typeface="Microsoft Uighur"/>
+        <a:font script="Geor" typeface="Sylfaen"/>
+      </a:majorFont>
+      <a:minorFont>
+        <a:latin typeface="Calibri" panose="020F0502020204030204"/>
+        <a:ea typeface=""/>
+        <a:cs typeface=""/>
+        <a:font script="Jpan" typeface="ＭＳ Ｐゴシック"/>
+        <a:font script="Hang" typeface="맑은 고딕"/>
+        <a:font script="Hans" typeface="宋体"/>
+        <a:font script="Hant" typeface="新細明體"/>
+        <a:font script="Arab" typeface="Arial"/>
+        <a:font script="Hebr" typeface="Arial"/>
+        <a:font script="Thai" typeface="Cordia New"/>
+        <a:font script="Ethi" typeface="Nyala"/>
+        <a:font script="Beng" typeface="Vrinda"/>
+        <a:font script="Gujr" typeface="Shruti"/>
+        <a:font script="Khmr" typeface="DaunPenh"/>
+        <a:font script="Knda" typeface="Tunga"/>
+        <a:font script="Guru" typeface="Raavi"/>
+        <a:font script="Cans" typeface="Euphemia"/>
+        <a:font script="Cher" typeface="Plantagenet Cherokee"/>
+        <a:font script="Yiii" typeface="Microsoft Yi Baiti"/>
+        <a:font script="Tibt" typeface="Microsoft Himalaya"/>
+        <a:font script="Thaa" typeface="MV Boli"/>
+        <a:font script="Deva" typeface="Mangal"/>
+        <a:font script="Telu" typeface="Gautami"/>
+        <a:font script="Taml" typeface="Latha"/>
+        <a:font script="Syrc" typeface="Estrangelo Edessa"/>
+        <a:font script="Orya" typeface="Kalinga"/>
+        <a:font script="Mlym" typeface="Kartika"/>
+        <a:font script="Laoo" typeface="DokChampa"/>
+        <a:font script="Sinh" typeface="Iskoola Pota"/>
+        <a:font script="Mong" typeface="Mongolian Baiti"/>
+        <a:font script="Viet" typeface="Arial"/>
+        <a:font script="Uigh" typeface="Microsoft Uighur"/>
+        <a:font script="Geor" typeface="Sylfaen"/>
+      </a:minorFont>
+    </a:fontScheme>
+    <a:fmtScheme name="Retrospect">
+      <a:fillStyleLst>
+        <a:solidFill>
+          <a:schemeClr val="phClr"/>
+        </a:solidFill>
+        <a:gradFill rotWithShape="1">
+          <a:gsLst>
+            <a:gs pos="0">
+              <a:schemeClr val="phClr">
+                <a:tint val="65000"/>
+                <a:shade val="92000"/>
+                <a:satMod val="130000"/>
+              </a:schemeClr>
+            </a:gs>
+            <a:gs pos="45000">
+              <a:schemeClr val="phClr">
+                <a:tint val="60000"/>
+                <a:shade val="99000"/>
+                <a:satMod val="120000"/>
+              </a:schemeClr>
+            </a:gs>
+            <a:gs pos="100000">
+              <a:schemeClr val="phClr">
+                <a:tint val="55000"/>
+                <a:satMod val="140000"/>
+              </a:schemeClr>
+            </a:gs>
+          </a:gsLst>
+          <a:path path="circle">
+            <a:fillToRect l="100000" t="100000" r="100000" b="100000"/>
+          </a:path>
+        </a:gradFill>
+        <a:gradFill rotWithShape="1">
+          <a:gsLst>
+            <a:gs pos="0">
+              <a:schemeClr val="phClr">
+                <a:shade val="85000"/>
+                <a:satMod val="130000"/>
+              </a:schemeClr>
+            </a:gs>
+            <a:gs pos="34000">
+              <a:schemeClr val="phClr">
+                <a:shade val="87000"/>
+                <a:satMod val="125000"/>
+              </a:schemeClr>
+            </a:gs>
+            <a:gs pos="70000">
+              <a:schemeClr val="phClr">
+                <a:tint val="100000"/>
+                <a:shade val="90000"/>
+                <a:satMod val="130000"/>
+              </a:schemeClr>
+            </a:gs>
+            <a:gs pos="100000">
+              <a:schemeClr val="phClr">
+                <a:tint val="100000"/>
+                <a:shade val="100000"/>
+                <a:satMod val="110000"/>
+              </a:schemeClr>
+            </a:gs>
+          </a:gsLst>
+          <a:path path="circle">
+            <a:fillToRect l="100000" t="100000" r="100000" b="100000"/>
+          </a:path>
+        </a:gradFill>
+      </a:fillStyleLst>
+      <a:lnStyleLst>
+        <a:ln w="12700" cap="flat" cmpd="sng" algn="ctr">
+          <a:solidFill>
+            <a:schemeClr val="phClr"/>
+          </a:solidFill>
+          <a:prstDash val="solid"/>
+        </a:ln>
+        <a:ln w="15875" cap="flat" cmpd="sng" algn="ctr">
+          <a:solidFill>
+            <a:schemeClr val="phClr"/>
+          </a:solidFill>
+          <a:prstDash val="solid"/>
+        </a:ln>
+        <a:ln w="25400" cap="flat" cmpd="sng" algn="ctr">
+          <a:solidFill>
+            <a:schemeClr val="phClr"/>
+          </a:solidFill>
+          <a:prstDash val="solid"/>
+        </a:ln>
+      </a:lnStyleLst>
+      <a:effectStyleLst>
+        <a:effectStyle>
+          <a:effectLst/>
+        </a:effectStyle>
+        <a:effectStyle>
+          <a:effectLst>
+            <a:outerShdw blurRad="38100" dist="25400" dir="2700000" algn="br" rotWithShape="0">
+              <a:srgbClr val="000000">
+                <a:alpha val="60000"/>
+              </a:srgbClr>
+            </a:outerShdw>
+          </a:effectLst>
+        </a:effectStyle>
+        <a:effectStyle>
+          <a:effectLst>
+            <a:outerShdw blurRad="44450" dist="25400" dir="2700000" algn="br" rotWithShape="0">
+              <a:srgbClr val="000000">
+                <a:alpha val="60000"/>
+              </a:srgbClr>
+            </a:outerShdw>
+          </a:effectLst>
+          <a:scene3d>
+            <a:camera prst="orthographicFront">
+              <a:rot lat="0" lon="0" rev="0"/>
+            </a:camera>
+            <a:lightRig rig="threePt" dir="t">
+              <a:rot lat="0" lon="0" rev="19800000"/>
+            </a:lightRig>
+          </a:scene3d>
+          <a:sp3d prstMaterial="flat">
+            <a:bevelT w="25400" h="31750"/>
+          </a:sp3d>
+        </a:effectStyle>
+      </a:effectStyleLst>
+      <a:bgFillStyleLst>
+        <a:solidFill>
+          <a:schemeClr val="phClr"/>
+        </a:solidFill>
+        <a:solidFill>
+          <a:schemeClr val="phClr">
+            <a:tint val="90000"/>
+            <a:shade val="97000"/>
+            <a:satMod val="130000"/>
+          </a:schemeClr>
+        </a:solidFill>
+        <a:gradFill rotWithShape="1">
+          <a:gsLst>
+            <a:gs pos="0">
+              <a:schemeClr val="phClr">
+                <a:tint val="96000"/>
+                <a:shade val="99000"/>
+                <a:satMod val="140000"/>
+              </a:schemeClr>
+            </a:gs>
+            <a:gs pos="65000">
+              <a:schemeClr val="phClr">
+                <a:tint val="100000"/>
+                <a:shade val="80000"/>
+                <a:satMod val="130000"/>
+              </a:schemeClr>
+            </a:gs>
+            <a:gs pos="100000">
+              <a:schemeClr val="phClr">
+                <a:tint val="100000"/>
+                <a:shade val="48000"/>
+                <a:satMod val="120000"/>
+              </a:schemeClr>
+            </a:gs>
+          </a:gsLst>
+          <a:lin ang="16200000" scaled="0"/>
+        </a:gradFill>
+      </a:bgFillStyleLst>
+    </a:fmtScheme>
+  </a:themeElements>
+  <a:objectDefaults/>
+  <a:extraClrSchemeLst/>
+  <a:extLst>
+    <a:ext uri="{05A4C25C-085E-4340-85A3-A5531E510DB2}">
+      <thm15:themeFamily xmlns:thm15="http://schemas.microsoft.com/office/thememl/2012/main" name="Retrospect" id="{5F128B03-DCCA-4EEB-AB3B-CF2899314A46}" vid="{D26EA377-59BD-4C9C-9D94-EE8416EE4C79}"/>
+    </a:ext>
+  </a:extLst>
+</a:theme>
+</file>
+
+<file path=ppt/theme/theme2.xml><?xml version="1.0" encoding="utf-8"?>
+<a:theme xmlns:a="http://schemas.openxmlformats.org/drawingml/2006/main" name="Office Theme">
+  <a:themeElements>
+    <a:clrScheme name="Office">
+      <a:dk1>
+        <a:sysClr val="windowText" lastClr="000000"/>
+      </a:dk1>
+      <a:lt1>
+        <a:sysClr val="window" lastClr="FFFFFF"/>
+      </a:lt1>
+      <a:dk2>
+        <a:srgbClr val="44546A"/>
+      </a:dk2>
+      <a:lt2>
+        <a:srgbClr val="E7E6E6"/>
+      </a:lt2>
+      <a:accent1>
+        <a:srgbClr val="4472C4"/>
+      </a:accent1>
+      <a:accent2>
+        <a:srgbClr val="ED7D31"/>
+      </a:accent2>
+      <a:accent3>
+        <a:srgbClr val="A5A5A5"/>
+      </a:accent3>
+      <a:accent4>
+        <a:srgbClr val="FFC000"/>
+      </a:accent4>
+      <a:accent5>
+        <a:srgbClr val="5B9BD5"/>
+      </a:accent5>
+      <a:accent6>
+        <a:srgbClr val="70AD47"/>
+      </a:accent6>
+      <a:hlink>
+        <a:srgbClr val="0563C1"/>
+      </a:hlink>
+      <a:folHlink>
+        <a:srgbClr val="954F72"/>
+      </a:folHlink>
+    </a:clrScheme>
+    <a:fontScheme name="Office">
+      <a:majorFont>
+        <a:latin typeface="Calibri Light" panose="020F0302020204030204"/>
+        <a:ea typeface=""/>
+        <a:cs typeface=""/>
+        <a:font script="Jpan" typeface="游ゴシック Light"/>
+        <a:font script="Hang" typeface="맑은 고딕"/>
+        <a:font script="Hans" typeface="等线 Light"/>
+        <a:font script="Hant" typeface="新細明體"/>
+        <a:font script="Arab" typeface="Times New Roman"/>
+        <a:font script="Hebr" typeface="Times New Roman"/>
+        <a:font script="Thai" typeface="Angsana New"/>
+        <a:font script="Ethi" typeface="Nyala"/>
+        <a:font script="Beng" typeface="Vrinda"/>
+        <a:font script="Gujr" typeface="Shruti"/>
+        <a:font script="Khmr" typeface="MoolBoran"/>
+        <a:font script="Knda" typeface="Tunga"/>
+        <a:font script="Guru" typeface="Raavi"/>
+        <a:font script="Cans" typeface="Euphemia"/>
+        <a:font script="Cher" typeface="Plantagenet Cherokee"/>
+        <a:font script="Yiii" typeface="Microsoft Yi Baiti"/>
+        <a:font script="Tibt" typeface="Microsoft Himalaya"/>
+        <a:font script="Thaa" typeface="MV Boli"/>
+        <a:font script="Deva" typeface="Mangal"/>
+        <a:font script="Telu" typeface="Gautami"/>
+        <a:font script="Taml" typeface="Latha"/>
+        <a:font script="Syrc" typeface="Estrangelo Edessa"/>
+        <a:font script="Orya" typeface="Kalinga"/>
+        <a:font script="Mlym" typeface="Kartika"/>
+        <a:font script="Laoo" typeface="DokChampa"/>
+        <a:font script="Sinh" typeface="Iskoola Pota"/>
+        <a:font script="Mong" typeface="Mongolian Baiti"/>
+        <a:font script="Viet" typeface="Times New Roman"/>
+        <a:font script="Uigh" typeface="Microsoft Uighur"/>
+        <a:font script="Geor" typeface="Sylfaen"/>
+        <a:font script="Armn" typeface="Arial"/>
+        <a:font script="Bugi" typeface="Leelawadee UI"/>
+        <a:font script="Bopo" typeface="Microsoft JhengHei"/>
+        <a:font script="Java" typeface="Javanese Text"/>
+        <a:font script="Lisu" typeface="Segoe UI"/>
+        <a:font script="Mymr" typeface="Myanmar Text"/>
+        <a:font script="Nkoo" typeface="Ebrima"/>
+        <a:font script="Olck" typeface="Nirmala UI"/>
+        <a:font script="Osma" typeface="Ebrima"/>
+        <a:font script="Phag" typeface="Phagspa"/>
+        <a:font script="Syrn" typeface="Estrangelo Edessa"/>
+        <a:font script="Syrj" typeface="Estrangelo Edessa"/>
+        <a:font script="Syre" typeface="Estrangelo Edessa"/>
+        <a:font script="Sora" typeface="Nirmala UI"/>
+        <a:font script="Tale" typeface="Microsoft Tai Le"/>
+        <a:font script="Talu" typeface="Microsoft New Tai Lue"/>
+        <a:font script="Tfng" typeface="Ebrima"/>
+      </a:majorFont>
+      <a:minorFont>
+        <a:latin typeface="Calibri" panose="020F0502020204030204"/>
+        <a:ea typeface=""/>
+        <a:cs typeface=""/>
+        <a:font script="Jpan" typeface="游ゴシック"/>
+        <a:font script="Hang" typeface="맑은 고딕"/>
+        <a:font script="Hans" typeface="等线"/>
+        <a:font script="Hant" typeface="新細明體"/>
+        <a:font script="Arab" typeface="Arial"/>
+        <a:font script="Hebr" typeface="Arial"/>
+        <a:font script="Thai" typeface="Cordia New"/>
+        <a:font script="Ethi" typeface="Nyala"/>
+        <a:font script="Beng" typeface="Vrinda"/>
+        <a:font script="Gujr" typeface="Shruti"/>
+        <a:font script="Khmr" typeface="DaunPenh"/>
+        <a:font script="Knda" typeface="Tunga"/>
+        <a:font script="Guru" typeface="Raavi"/>
+        <a:font script="Cans" typeface="Euphemia"/>
+        <a:font script="Cher" typeface="Plantagenet Cherokee"/>
+        <a:font script="Yiii" typeface="Microsoft Yi Baiti"/>
+        <a:font script="Tibt" typeface="Microsoft Himalaya"/>
+        <a:font script="Thaa" typeface="MV Boli"/>
+        <a:font script="Deva" typeface="Mangal"/>
+        <a:font script="Telu" typeface="Gautami"/>
+        <a:font script="Taml" typeface="Latha"/>
+        <a:font script="Syrc" typeface="Estrangelo Edessa"/>
+        <a:font script="Orya" typeface="Kalinga"/>
+        <a:font script="Mlym" typeface="Kartika"/>
+        <a:font script="Laoo" typeface="DokChampa"/>
+        <a:font script="Sinh" typeface="Iskoola Pota"/>
+        <a:font script="Mong" typeface="Mongolian Baiti"/>
+        <a:font script="Viet" typeface="Arial"/>
+        <a:font script="Uigh" typeface="Microsoft Uighur"/>
+        <a:font script="Geor" typeface="Sylfaen"/>
+        <a:font script="Armn" typeface="Arial"/>
+        <a:font script="Bugi" typeface="Leelawadee UI"/>
+        <a:font script="Bopo" typeface="Microsoft JhengHei"/>
+        <a:font script="Java" typeface="Javanese Text"/>
+        <a:font script="Lisu" typeface="Segoe UI"/>
+        <a:font script="Mymr" typeface="Myanmar Text"/>
+        <a:font script="Nkoo" typeface="Ebrima"/>
+        <a:font script="Olck" typeface="Nirmala UI"/>
+        <a:font script="Osma" typeface="Ebrima"/>
+        <a:font script="Phag" typeface="Phagspa"/>
+        <a:font script="Syrn" typeface="Estrangelo Edessa"/>
+        <a:font script="Syrj" typeface="Estrangelo Edessa"/>
+        <a:font script="Syre" typeface="Estrangelo Edessa"/>
+        <a:font script="Sora" typeface="Nirmala UI"/>
+        <a:font script="Tale" typeface="Microsoft Tai Le"/>
+        <a:font script="Talu" typeface="Microsoft New Tai Lue"/>
+        <a:font script="Tfng" typeface="Ebrima"/>
+      </a:minorFont>
+    </a:fontScheme>
+    <a:fmtScheme name="Office">
+      <a:fillStyleLst>
+        <a:solidFill>
+          <a:schemeClr val="phClr"/>
+        </a:solidFill>
+        <a:gradFill rotWithShape="1">
+          <a:gsLst>
+            <a:gs pos="0">
+              <a:schemeClr val="phClr">
+                <a:lumMod val="110000"/>
+                <a:satMod val="105000"/>
+                <a:tint val="67000"/>
+              </a:schemeClr>
+            </a:gs>
+            <a:gs pos="50000">
+              <a:schemeClr val="phClr">
+                <a:lumMod val="105000"/>
+                <a:satMod val="103000"/>
+                <a:tint val="73000"/>
+              </a:schemeClr>
+            </a:gs>
+            <a:gs pos="100000">
+              <a:schemeClr val="phClr">
+                <a:lumMod val="105000"/>
+                <a:satMod val="109000"/>
+                <a:tint val="81000"/>
+              </a:schemeClr>
+            </a:gs>
+          </a:gsLst>
+          <a:lin ang="5400000" scaled="0"/>
+        </a:gradFill>
+        <a:gradFill rotWithShape="1">
+          <a:gsLst>
+            <a:gs pos="0">
+              <a:schemeClr val="phClr">
+                <a:satMod val="103000"/>
+                <a:lumMod val="102000"/>
+                <a:tint val="94000"/>
+              </a:schemeClr>
+            </a:gs>
+            <a:gs pos="50000">
+              <a:schemeClr val="phClr">
+                <a:satMod val="110000"/>
+                <a:lumMod val="100000"/>
+                <a:shade val="100000"/>
+              </a:schemeClr>
+            </a:gs>
+            <a:gs pos="100000">
+              <a:schemeClr val="phClr">
+                <a:lumMod val="99000"/>
+                <a:satMod val="120000"/>
+                <a:shade val="78000"/>
+              </a:schemeClr>
+            </a:gs>
+          </a:gsLst>
+          <a:lin ang="5400000" scaled="0"/>
+        </a:gradFill>
+      </a:fillStyleLst>
+      <a:lnStyleLst>
+        <a:ln w="6350" cap="flat" cmpd="sng" algn="ctr">
+          <a:solidFill>
+            <a:schemeClr val="phClr"/>
+          </a:solidFill>
+          <a:prstDash val="solid"/>
+          <a:miter lim="800000"/>
+        </a:ln>
+        <a:ln w="12700" cap="flat" cmpd="sng" algn="ctr">
+          <a:solidFill>
+            <a:schemeClr val="phClr"/>
+          </a:solidFill>
+          <a:prstDash val="solid"/>
+          <a:miter lim="800000"/>
+        </a:ln>
+        <a:ln w="19050" cap="flat" cmpd="sng" algn="ctr">
+          <a:solidFill>
+            <a:schemeClr val="phClr"/>
+          </a:solidFill>
+          <a:prstDash val="solid"/>
+          <a:miter lim="800000"/>
+        </a:ln>
+      </a:lnStyleLst>
+      <a:effectStyleLst>
+        <a:effectStyle>
+          <a:effectLst/>
+        </a:effectStyle>
+        <a:effectStyle>
+          <a:effectLst/>
+        </a:effectStyle>
+        <a:effectStyle>
+          <a:effectLst>
+            <a:outerShdw blurRad="57150" dist="19050" dir="5400000" algn="ctr" rotWithShape="0">
+              <a:srgbClr val="000000">
+                <a:alpha val="63000"/>
+              </a:srgbClr>
+            </a:outerShdw>
+          </a:effectLst>
+        </a:effectStyle>
+      </a:effectStyleLst>
+      <a:bgFillStyleLst>
+        <a:solidFill>
+          <a:schemeClr val="phClr"/>
+        </a:solidFill>
+        <a:solidFill>
+          <a:schemeClr val="phClr">
+            <a:tint val="95000"/>
+            <a:satMod val="170000"/>
+          </a:schemeClr>
+        </a:solidFill>
+        <a:gradFill rotWithShape="1">
+          <a:gsLst>
+            <a:gs pos="0">
+              <a:schemeClr val="phClr">
+                <a:tint val="93000"/>
+                <a:satMod val="150000"/>
+                <a:shade val="98000"/>
+                <a:lumMod val="102000"/>
+              </a:schemeClr>
+            </a:gs>
+            <a:gs pos="50000">
+              <a:schemeClr val="phClr">
+                <a:tint val="98000"/>
+                <a:satMod val="130000"/>
+                <a:shade val="90000"/>
+                <a:lumMod val="103000"/>
+              </a:schemeClr>
+            </a:gs>
+            <a:gs pos="100000">
+              <a:schemeClr val="phClr">
+                <a:shade val="63000"/>
+                <a:satMod val="120000"/>
+              </a:schemeClr>
+            </a:gs>
+          </a:gsLst>
+          <a:lin ang="5400000" scaled="0"/>
+        </a:gradFill>
+      </a:bgFillStyleLst>
+    </a:fmtScheme>
+  </a:themeElements>
+  <a:objectDefaults/>
+  <a:extraClrSchemeLst/>
+  <a:extLst>
+    <a:ext uri="{05A4C25C-085E-4340-85A3-A5531E510DB2}">
+      <thm15:themeFamily xmlns:thm15="http://schemas.microsoft.com/office/thememl/2012/main" name="Office Theme" id="{62F939B6-93AF-4DB8-9C6B-D6C7DFDC589F}" vid="{4A3C46E8-61CC-4603-A589-7422A47A8E4A}"/>
+    </a:ext>
+  </a:extLst>
+</a:theme>
+</file>
+
+<file path=ppt/theme/theme3.xml><?xml version="1.0" encoding="utf-8"?>
 <a:theme xmlns:a="http://schemas.openxmlformats.org/drawingml/2006/main" name="Office Theme">
   <a:themeElements>
     <a:clrScheme name="Office">

--- a/Presentation1.pptx
+++ b/Presentation1.pptx
@@ -120,6 +120,9 @@
     <p:ext uri="{EFAFB233-063F-42B5-8137-9DF3F51BA10A}">
       <p15:sldGuideLst xmlns:p15="http://schemas.microsoft.com/office/powerpoint/2012/main"/>
     </p:ext>
+    <p:ext uri="{2D200454-40CA-4A62-9FC3-DE9A4176ACB9}">
+      <p15:notesGuideLst xmlns:p15="http://schemas.microsoft.com/office/powerpoint/2012/main"/>
+    </p:ext>
   </p:extLst>
 </p:presentation>
 </file>
@@ -222,7 +225,7 @@
           <a:p>
             <a:fld id="{A6952B95-06EE-48F9-8CE6-BD72AE48B352}" type="datetimeFigureOut">
               <a:rPr lang="en-GB" smtClean="0"/>
-              <a:t>19/10/2017</a:t>
+              <a:t>23/10/2017</a:t>
             </a:fld>
             <a:endParaRPr lang="en-GB"/>
           </a:p>
@@ -399,7 +402,7 @@
           <a:p>
             <a:fld id="{5D71F2A7-5F20-42E8-AABF-EC7FFDF3CF26}" type="datetimeFigureOut">
               <a:rPr lang="en-GB" smtClean="0"/>
-              <a:t>19/10/2017</a:t>
+              <a:t>23/10/2017</a:t>
             </a:fld>
             <a:endParaRPr lang="en-GB"/>
           </a:p>
@@ -4463,9 +4466,8 @@
           <a:p>
             <a:r>
               <a:rPr lang="it-IT" dirty="0"/>
-              <a:t>Name to define</a:t>
-            </a:r>
-            <a:endParaRPr lang="en-GB" dirty="0"/>
+              <a:t>IMS Project – Group A6</a:t>
+            </a:r>
           </a:p>
         </p:txBody>
       </p:sp>
@@ -4488,15 +4490,9 @@
         <p:spPr/>
         <p:txBody>
           <a:bodyPr>
-            <a:normAutofit fontScale="85000" lnSpcReduction="20000"/>
+            <a:normAutofit/>
           </a:bodyPr>
           <a:lstStyle/>
-          <a:p>
-            <a:r>
-              <a:rPr lang="it-IT" dirty="0"/>
-              <a:t>IMS Project – Group A6</a:t>
-            </a:r>
-          </a:p>
           <a:p>
             <a:r>
               <a:rPr lang="it-IT" dirty="0"/>
@@ -4815,9 +4811,8 @@
           <a:p>
             <a:r>
               <a:rPr lang="it-IT" dirty="0"/>
-              <a:t>Name to define</a:t>
-            </a:r>
-            <a:endParaRPr lang="en-GB" dirty="0"/>
+              <a:t>Our system will:</a:t>
+            </a:r>
           </a:p>
         </p:txBody>
       </p:sp>
@@ -4837,19 +4832,15 @@
             <p:ph idx="1"/>
           </p:nvPr>
         </p:nvSpPr>
-        <p:spPr/>
-        <p:txBody>
-          <a:bodyPr/>
-          <a:lstStyle/>
-          <a:p>
-            <a:pPr marL="0" indent="0">
-              <a:buNone/>
-            </a:pPr>
-            <a:r>
-              <a:rPr lang="it-IT" dirty="0"/>
-              <a:t>Our system will:</a:t>
-            </a:r>
-          </a:p>
+        <p:spPr>
+          <a:xfrm>
+            <a:off x="1097280" y="2064637"/>
+            <a:ext cx="10058400" cy="4023360"/>
+          </a:xfrm>
+        </p:spPr>
+        <p:txBody>
+          <a:bodyPr/>
+          <a:lstStyle/>
           <a:p>
             <a:pPr>
               <a:buFont typeface="Arial" panose="020B0604020202020204" pitchFamily="34" charset="0"/>
@@ -5533,16 +5524,7 @@
             </a:pPr>
             <a:r>
               <a:rPr lang="it-IT" dirty="0"/>
-              <a:t>Our minimum goal is to create an informative website about activities and events organized by the association. At this moment we are not interested in advanced features</a:t>
-            </a:r>
-          </a:p>
-          <a:p>
-            <a:pPr marL="0" indent="0">
-              <a:buNone/>
-            </a:pPr>
-            <a:r>
-              <a:rPr lang="it-IT" dirty="0"/>
-              <a:t> fully functional and responsive and captivating layout.</a:t>
+              <a:t>Our minimum goal is to create an informative website about activities and events organized by the association. At this moment we are not interested in advanced features.</a:t>
             </a:r>
             <a:endParaRPr lang="en-GB" dirty="0"/>
           </a:p>
